--- a/doc/Präsentation.pptx
+++ b/doc/Präsentation.pptx
@@ -5,17 +5,19 @@
     <p:sldMasterId id="2147483648" r:id="rId2"/>
     <p:sldMasterId id="2147483661" r:id="rId3"/>
     <p:sldMasterId id="2147483674" r:id="rId4"/>
+    <p:sldMasterId id="2147483687" r:id="rId5"/>
+    <p:sldMasterId id="2147483700" r:id="rId6"/>
   </p:sldMasterIdLst>
   <p:sldIdLst>
-    <p:sldId id="256" r:id="rId5"/>
-    <p:sldId id="257" r:id="rId6"/>
-    <p:sldId id="258" r:id="rId7"/>
-    <p:sldId id="259" r:id="rId8"/>
-    <p:sldId id="260" r:id="rId9"/>
-    <p:sldId id="261" r:id="rId10"/>
-    <p:sldId id="262" r:id="rId11"/>
-    <p:sldId id="263" r:id="rId12"/>
-    <p:sldId id="264" r:id="rId13"/>
+    <p:sldId id="256" r:id="rId7"/>
+    <p:sldId id="257" r:id="rId8"/>
+    <p:sldId id="258" r:id="rId9"/>
+    <p:sldId id="259" r:id="rId10"/>
+    <p:sldId id="260" r:id="rId11"/>
+    <p:sldId id="261" r:id="rId12"/>
+    <p:sldId id="262" r:id="rId13"/>
+    <p:sldId id="263" r:id="rId14"/>
+    <p:sldId id="264" r:id="rId15"/>
   </p:sldIdLst>
   <p:sldSz cx="9144000" cy="6858000"/>
   <p:notesSz cx="7559675" cy="10691812"/>
@@ -63,7 +65,7 @@
       </p:grpSpPr>
       <p:sp>
         <p:nvSpPr>
-          <p:cNvPr id="38" name="PlaceHolder 1"/>
+          <p:cNvPr id="35" name="PlaceHolder 1"/>
           <p:cNvSpPr>
             <a:spLocks noGrp="1"/>
           </p:cNvSpPr>
@@ -74,7 +76,7 @@
         <p:spPr>
           <a:xfrm>
             <a:off x="690120" y="2463480"/>
-            <a:ext cx="7772040" cy="1523880"/>
+            <a:ext cx="7771680" cy="1523880"/>
           </a:xfrm>
           <a:prstGeom prst="rect">
             <a:avLst/>
@@ -83,13 +85,14 @@
         <p:txBody>
           <a:bodyPr anchor="ctr" bIns="0" lIns="0" rIns="0" tIns="0" wrap="none"/>
           <a:p>
-            <a:endParaRPr/>
-          </a:p>
-        </p:txBody>
-      </p:sp>
-      <p:sp>
-        <p:nvSpPr>
-          <p:cNvPr id="39" name="PlaceHolder 2"/>
+            <a:pPr algn="ctr"/>
+            <a:endParaRPr/>
+          </a:p>
+        </p:txBody>
+      </p:sp>
+      <p:sp>
+        <p:nvSpPr>
+          <p:cNvPr id="36" name="PlaceHolder 2"/>
           <p:cNvSpPr>
             <a:spLocks noGrp="1"/>
           </p:cNvSpPr>
@@ -100,33 +103,33 @@
         <p:spPr>
           <a:xfrm>
             <a:off x="1367280" y="1437480"/>
-            <a:ext cx="6417360" cy="447840"/>
-          </a:xfrm>
-          <a:prstGeom prst="rect">
-            <a:avLst/>
-          </a:prstGeom>
-        </p:spPr>
-        <p:txBody>
-          <a:bodyPr bIns="0" lIns="0" rIns="0" tIns="0" wrap="none"/>
-          <a:p>
-            <a:endParaRPr/>
-          </a:p>
-        </p:txBody>
-      </p:sp>
-      <p:sp>
-        <p:nvSpPr>
-          <p:cNvPr id="40" name="PlaceHolder 3"/>
-          <p:cNvSpPr>
-            <a:spLocks noGrp="1"/>
-          </p:cNvSpPr>
-          <p:nvPr>
-            <p:ph type="body"/>
-          </p:nvPr>
-        </p:nvSpPr>
-        <p:spPr>
-          <a:xfrm>
-            <a:off x="1367280" y="1928160"/>
-            <a:ext cx="6417360" cy="447840"/>
+            <a:ext cx="6417000" cy="447480"/>
+          </a:xfrm>
+          <a:prstGeom prst="rect">
+            <a:avLst/>
+          </a:prstGeom>
+        </p:spPr>
+        <p:txBody>
+          <a:bodyPr bIns="0" lIns="0" rIns="0" tIns="0" wrap="none"/>
+          <a:p>
+            <a:endParaRPr/>
+          </a:p>
+        </p:txBody>
+      </p:sp>
+      <p:sp>
+        <p:nvSpPr>
+          <p:cNvPr id="37" name="PlaceHolder 3"/>
+          <p:cNvSpPr>
+            <a:spLocks noGrp="1"/>
+          </p:cNvSpPr>
+          <p:nvPr>
+            <p:ph type="body"/>
+          </p:nvPr>
+        </p:nvSpPr>
+        <p:spPr>
+          <a:xfrm>
+            <a:off x="1367280" y="1927800"/>
+            <a:ext cx="6417000" cy="447480"/>
           </a:xfrm>
           <a:prstGeom prst="rect">
             <a:avLst/>
@@ -163,7 +166,7 @@
       </p:grpSpPr>
       <p:sp>
         <p:nvSpPr>
-          <p:cNvPr id="41" name="PlaceHolder 1"/>
+          <p:cNvPr id="38" name="PlaceHolder 1"/>
           <p:cNvSpPr>
             <a:spLocks noGrp="1"/>
           </p:cNvSpPr>
@@ -174,7 +177,7 @@
         <p:spPr>
           <a:xfrm>
             <a:off x="690120" y="2463480"/>
-            <a:ext cx="7772040" cy="1523880"/>
+            <a:ext cx="7771680" cy="1523880"/>
           </a:xfrm>
           <a:prstGeom prst="rect">
             <a:avLst/>
@@ -183,13 +186,14 @@
         <p:txBody>
           <a:bodyPr anchor="ctr" bIns="0" lIns="0" rIns="0" tIns="0" wrap="none"/>
           <a:p>
-            <a:endParaRPr/>
-          </a:p>
-        </p:txBody>
-      </p:sp>
-      <p:sp>
-        <p:nvSpPr>
-          <p:cNvPr id="42" name="PlaceHolder 2"/>
+            <a:pPr algn="ctr"/>
+            <a:endParaRPr/>
+          </a:p>
+        </p:txBody>
+      </p:sp>
+      <p:sp>
+        <p:nvSpPr>
+          <p:cNvPr id="39" name="PlaceHolder 2"/>
           <p:cNvSpPr>
             <a:spLocks noGrp="1"/>
           </p:cNvSpPr>
@@ -200,22 +204,22 @@
         <p:spPr>
           <a:xfrm>
             <a:off x="1367280" y="1437480"/>
-            <a:ext cx="3131280" cy="447840"/>
-          </a:xfrm>
-          <a:prstGeom prst="rect">
-            <a:avLst/>
-          </a:prstGeom>
-        </p:spPr>
-        <p:txBody>
-          <a:bodyPr bIns="0" lIns="0" rIns="0" tIns="0" wrap="none"/>
-          <a:p>
-            <a:endParaRPr/>
-          </a:p>
-        </p:txBody>
-      </p:sp>
-      <p:sp>
-        <p:nvSpPr>
-          <p:cNvPr id="43" name="PlaceHolder 3"/>
+            <a:ext cx="3131280" cy="447480"/>
+          </a:xfrm>
+          <a:prstGeom prst="rect">
+            <a:avLst/>
+          </a:prstGeom>
+        </p:spPr>
+        <p:txBody>
+          <a:bodyPr bIns="0" lIns="0" rIns="0" tIns="0" wrap="none"/>
+          <a:p>
+            <a:endParaRPr/>
+          </a:p>
+        </p:txBody>
+      </p:sp>
+      <p:sp>
+        <p:nvSpPr>
+          <p:cNvPr id="40" name="PlaceHolder 3"/>
           <p:cNvSpPr>
             <a:spLocks noGrp="1"/>
           </p:cNvSpPr>
@@ -226,59 +230,59 @@
         <p:spPr>
           <a:xfrm>
             <a:off x="4655160" y="1437480"/>
-            <a:ext cx="3131280" cy="447840"/>
-          </a:xfrm>
-          <a:prstGeom prst="rect">
-            <a:avLst/>
-          </a:prstGeom>
-        </p:spPr>
-        <p:txBody>
-          <a:bodyPr bIns="0" lIns="0" rIns="0" tIns="0" wrap="none"/>
-          <a:p>
-            <a:endParaRPr/>
-          </a:p>
-        </p:txBody>
-      </p:sp>
-      <p:sp>
-        <p:nvSpPr>
-          <p:cNvPr id="44" name="PlaceHolder 4"/>
-          <p:cNvSpPr>
-            <a:spLocks noGrp="1"/>
-          </p:cNvSpPr>
-          <p:nvPr>
-            <p:ph type="body"/>
-          </p:nvPr>
-        </p:nvSpPr>
-        <p:spPr>
-          <a:xfrm>
-            <a:off x="4655160" y="1928160"/>
-            <a:ext cx="3131280" cy="447840"/>
-          </a:xfrm>
-          <a:prstGeom prst="rect">
-            <a:avLst/>
-          </a:prstGeom>
-        </p:spPr>
-        <p:txBody>
-          <a:bodyPr bIns="0" lIns="0" rIns="0" tIns="0" wrap="none"/>
-          <a:p>
-            <a:endParaRPr/>
-          </a:p>
-        </p:txBody>
-      </p:sp>
-      <p:sp>
-        <p:nvSpPr>
-          <p:cNvPr id="45" name="PlaceHolder 5"/>
-          <p:cNvSpPr>
-            <a:spLocks noGrp="1"/>
-          </p:cNvSpPr>
-          <p:nvPr>
-            <p:ph type="body"/>
-          </p:nvPr>
-        </p:nvSpPr>
-        <p:spPr>
-          <a:xfrm>
-            <a:off x="1367280" y="1928160"/>
-            <a:ext cx="3131280" cy="447840"/>
+            <a:ext cx="3131280" cy="447480"/>
+          </a:xfrm>
+          <a:prstGeom prst="rect">
+            <a:avLst/>
+          </a:prstGeom>
+        </p:spPr>
+        <p:txBody>
+          <a:bodyPr bIns="0" lIns="0" rIns="0" tIns="0" wrap="none"/>
+          <a:p>
+            <a:endParaRPr/>
+          </a:p>
+        </p:txBody>
+      </p:sp>
+      <p:sp>
+        <p:nvSpPr>
+          <p:cNvPr id="41" name="PlaceHolder 4"/>
+          <p:cNvSpPr>
+            <a:spLocks noGrp="1"/>
+          </p:cNvSpPr>
+          <p:nvPr>
+            <p:ph type="body"/>
+          </p:nvPr>
+        </p:nvSpPr>
+        <p:spPr>
+          <a:xfrm>
+            <a:off x="4655160" y="1927800"/>
+            <a:ext cx="3131280" cy="447480"/>
+          </a:xfrm>
+          <a:prstGeom prst="rect">
+            <a:avLst/>
+          </a:prstGeom>
+        </p:spPr>
+        <p:txBody>
+          <a:bodyPr bIns="0" lIns="0" rIns="0" tIns="0" wrap="none"/>
+          <a:p>
+            <a:endParaRPr/>
+          </a:p>
+        </p:txBody>
+      </p:sp>
+      <p:sp>
+        <p:nvSpPr>
+          <p:cNvPr id="42" name="PlaceHolder 5"/>
+          <p:cNvSpPr>
+            <a:spLocks noGrp="1"/>
+          </p:cNvSpPr>
+          <p:nvPr>
+            <p:ph type="body"/>
+          </p:nvPr>
+        </p:nvSpPr>
+        <p:spPr>
+          <a:xfrm>
+            <a:off x="1367280" y="1927800"/>
+            <a:ext cx="3131280" cy="447480"/>
           </a:xfrm>
           <a:prstGeom prst="rect">
             <a:avLst/>
@@ -315,7 +319,7 @@
       </p:grpSpPr>
       <p:sp>
         <p:nvSpPr>
-          <p:cNvPr id="46" name="PlaceHolder 1"/>
+          <p:cNvPr id="43" name="PlaceHolder 1"/>
           <p:cNvSpPr>
             <a:spLocks noGrp="1"/>
           </p:cNvSpPr>
@@ -326,7 +330,7 @@
         <p:spPr>
           <a:xfrm>
             <a:off x="690120" y="2463480"/>
-            <a:ext cx="7772040" cy="1523880"/>
+            <a:ext cx="7771680" cy="1523880"/>
           </a:xfrm>
           <a:prstGeom prst="rect">
             <a:avLst/>
@@ -335,13 +339,14 @@
         <p:txBody>
           <a:bodyPr anchor="ctr" bIns="0" lIns="0" rIns="0" tIns="0" wrap="none"/>
           <a:p>
-            <a:endParaRPr/>
-          </a:p>
-        </p:txBody>
-      </p:sp>
-      <p:sp>
-        <p:nvSpPr>
-          <p:cNvPr id="47" name="PlaceHolder 2"/>
+            <a:pPr algn="ctr"/>
+            <a:endParaRPr/>
+          </a:p>
+        </p:txBody>
+      </p:sp>
+      <p:sp>
+        <p:nvSpPr>
+          <p:cNvPr id="44" name="PlaceHolder 2"/>
           <p:cNvSpPr>
             <a:spLocks noGrp="1"/>
           </p:cNvSpPr>
@@ -352,22 +357,22 @@
         <p:spPr>
           <a:xfrm>
             <a:off x="1367280" y="1437480"/>
-            <a:ext cx="3131280" cy="447840"/>
-          </a:xfrm>
-          <a:prstGeom prst="rect">
-            <a:avLst/>
-          </a:prstGeom>
-        </p:spPr>
-        <p:txBody>
-          <a:bodyPr bIns="0" lIns="0" rIns="0" tIns="0" wrap="none"/>
-          <a:p>
-            <a:endParaRPr/>
-          </a:p>
-        </p:txBody>
-      </p:sp>
-      <p:sp>
-        <p:nvSpPr>
-          <p:cNvPr id="48" name="PlaceHolder 3"/>
+            <a:ext cx="3131280" cy="447480"/>
+          </a:xfrm>
+          <a:prstGeom prst="rect">
+            <a:avLst/>
+          </a:prstGeom>
+        </p:spPr>
+        <p:txBody>
+          <a:bodyPr bIns="0" lIns="0" rIns="0" tIns="0" wrap="none"/>
+          <a:p>
+            <a:endParaRPr/>
+          </a:p>
+        </p:txBody>
+      </p:sp>
+      <p:sp>
+        <p:nvSpPr>
+          <p:cNvPr id="45" name="PlaceHolder 3"/>
           <p:cNvSpPr>
             <a:spLocks noGrp="1"/>
           </p:cNvSpPr>
@@ -378,7 +383,7 @@
         <p:spPr>
           <a:xfrm>
             <a:off x="4655160" y="1437480"/>
-            <a:ext cx="3131280" cy="447840"/>
+            <a:ext cx="3131280" cy="447480"/>
           </a:xfrm>
           <a:prstGeom prst="rect">
             <a:avLst/>
@@ -437,7 +442,7 @@
       </p:grpSpPr>
       <p:sp>
         <p:nvSpPr>
-          <p:cNvPr id="60" name="PlaceHolder 1"/>
+          <p:cNvPr id="54" name="PlaceHolder 1"/>
           <p:cNvSpPr>
             <a:spLocks noGrp="1"/>
           </p:cNvSpPr>
@@ -448,7 +453,7 @@
         <p:spPr>
           <a:xfrm>
             <a:off x="690120" y="2463480"/>
-            <a:ext cx="7772040" cy="1523880"/>
+            <a:ext cx="7771680" cy="1523880"/>
           </a:xfrm>
           <a:prstGeom prst="rect">
             <a:avLst/>
@@ -457,13 +462,14 @@
         <p:txBody>
           <a:bodyPr anchor="ctr" bIns="0" lIns="0" rIns="0" tIns="0" wrap="none"/>
           <a:p>
-            <a:endParaRPr/>
-          </a:p>
-        </p:txBody>
-      </p:sp>
-      <p:sp>
-        <p:nvSpPr>
-          <p:cNvPr id="61" name="PlaceHolder 2"/>
+            <a:pPr algn="ctr"/>
+            <a:endParaRPr/>
+          </a:p>
+        </p:txBody>
+      </p:sp>
+      <p:sp>
+        <p:nvSpPr>
+          <p:cNvPr id="55" name="PlaceHolder 2"/>
           <p:cNvSpPr>
             <a:spLocks noGrp="1"/>
           </p:cNvSpPr>
@@ -474,7 +480,7 @@
         <p:spPr>
           <a:xfrm>
             <a:off x="1367280" y="1437480"/>
-            <a:ext cx="6417360" cy="939960"/>
+            <a:ext cx="6417000" cy="939600"/>
           </a:xfrm>
           <a:prstGeom prst="rect">
             <a:avLst/>
@@ -512,7 +518,7 @@
       </p:grpSpPr>
       <p:sp>
         <p:nvSpPr>
-          <p:cNvPr id="62" name="PlaceHolder 1"/>
+          <p:cNvPr id="56" name="PlaceHolder 1"/>
           <p:cNvSpPr>
             <a:spLocks noGrp="1"/>
           </p:cNvSpPr>
@@ -523,7 +529,7 @@
         <p:spPr>
           <a:xfrm>
             <a:off x="690120" y="2463480"/>
-            <a:ext cx="7772040" cy="1523880"/>
+            <a:ext cx="7771680" cy="1523880"/>
           </a:xfrm>
           <a:prstGeom prst="rect">
             <a:avLst/>
@@ -532,13 +538,14 @@
         <p:txBody>
           <a:bodyPr anchor="ctr" bIns="0" lIns="0" rIns="0" tIns="0" wrap="none"/>
           <a:p>
-            <a:endParaRPr/>
-          </a:p>
-        </p:txBody>
-      </p:sp>
-      <p:sp>
-        <p:nvSpPr>
-          <p:cNvPr id="63" name="PlaceHolder 2"/>
+            <a:pPr algn="ctr"/>
+            <a:endParaRPr/>
+          </a:p>
+        </p:txBody>
+      </p:sp>
+      <p:sp>
+        <p:nvSpPr>
+          <p:cNvPr id="57" name="PlaceHolder 2"/>
           <p:cNvSpPr>
             <a:spLocks noGrp="1"/>
           </p:cNvSpPr>
@@ -549,7 +556,7 @@
         <p:spPr>
           <a:xfrm>
             <a:off x="1367280" y="1437480"/>
-            <a:ext cx="6417360" cy="939600"/>
+            <a:ext cx="6417000" cy="939240"/>
           </a:xfrm>
           <a:prstGeom prst="rect">
             <a:avLst/>
@@ -586,7 +593,7 @@
       </p:grpSpPr>
       <p:sp>
         <p:nvSpPr>
-          <p:cNvPr id="64" name="PlaceHolder 1"/>
+          <p:cNvPr id="58" name="PlaceHolder 1"/>
           <p:cNvSpPr>
             <a:spLocks noGrp="1"/>
           </p:cNvSpPr>
@@ -597,7 +604,7 @@
         <p:spPr>
           <a:xfrm>
             <a:off x="690120" y="2463480"/>
-            <a:ext cx="7772040" cy="1523880"/>
+            <a:ext cx="7771680" cy="1523880"/>
           </a:xfrm>
           <a:prstGeom prst="rect">
             <a:avLst/>
@@ -606,13 +613,14 @@
         <p:txBody>
           <a:bodyPr anchor="ctr" bIns="0" lIns="0" rIns="0" tIns="0" wrap="none"/>
           <a:p>
-            <a:endParaRPr/>
-          </a:p>
-        </p:txBody>
-      </p:sp>
-      <p:sp>
-        <p:nvSpPr>
-          <p:cNvPr id="65" name="PlaceHolder 2"/>
+            <a:pPr algn="ctr"/>
+            <a:endParaRPr/>
+          </a:p>
+        </p:txBody>
+      </p:sp>
+      <p:sp>
+        <p:nvSpPr>
+          <p:cNvPr id="59" name="PlaceHolder 2"/>
           <p:cNvSpPr>
             <a:spLocks noGrp="1"/>
           </p:cNvSpPr>
@@ -623,22 +631,22 @@
         <p:spPr>
           <a:xfrm>
             <a:off x="1367280" y="1437480"/>
-            <a:ext cx="3131280" cy="939600"/>
-          </a:xfrm>
-          <a:prstGeom prst="rect">
-            <a:avLst/>
-          </a:prstGeom>
-        </p:spPr>
-        <p:txBody>
-          <a:bodyPr bIns="0" lIns="0" rIns="0" tIns="0" wrap="none"/>
-          <a:p>
-            <a:endParaRPr/>
-          </a:p>
-        </p:txBody>
-      </p:sp>
-      <p:sp>
-        <p:nvSpPr>
-          <p:cNvPr id="66" name="PlaceHolder 3"/>
+            <a:ext cx="3131280" cy="939240"/>
+          </a:xfrm>
+          <a:prstGeom prst="rect">
+            <a:avLst/>
+          </a:prstGeom>
+        </p:spPr>
+        <p:txBody>
+          <a:bodyPr bIns="0" lIns="0" rIns="0" tIns="0" wrap="none"/>
+          <a:p>
+            <a:endParaRPr/>
+          </a:p>
+        </p:txBody>
+      </p:sp>
+      <p:sp>
+        <p:nvSpPr>
+          <p:cNvPr id="60" name="PlaceHolder 3"/>
           <p:cNvSpPr>
             <a:spLocks noGrp="1"/>
           </p:cNvSpPr>
@@ -649,7 +657,7 @@
         <p:spPr>
           <a:xfrm>
             <a:off x="4655160" y="1437480"/>
-            <a:ext cx="3131280" cy="939600"/>
+            <a:ext cx="3131280" cy="939240"/>
           </a:xfrm>
           <a:prstGeom prst="rect">
             <a:avLst/>
@@ -686,7 +694,7 @@
       </p:grpSpPr>
       <p:sp>
         <p:nvSpPr>
-          <p:cNvPr id="67" name="PlaceHolder 1"/>
+          <p:cNvPr id="61" name="PlaceHolder 1"/>
           <p:cNvSpPr>
             <a:spLocks noGrp="1"/>
           </p:cNvSpPr>
@@ -697,7 +705,7 @@
         <p:spPr>
           <a:xfrm>
             <a:off x="690120" y="2463480"/>
-            <a:ext cx="7772040" cy="1523880"/>
+            <a:ext cx="7771680" cy="1523880"/>
           </a:xfrm>
           <a:prstGeom prst="rect">
             <a:avLst/>
@@ -706,6 +714,7 @@
         <p:txBody>
           <a:bodyPr anchor="ctr" bIns="0" lIns="0" rIns="0" tIns="0" wrap="none"/>
           <a:p>
+            <a:pPr algn="ctr"/>
             <a:endParaRPr/>
           </a:p>
         </p:txBody>
@@ -734,7 +743,7 @@
       </p:grpSpPr>
       <p:sp>
         <p:nvSpPr>
-          <p:cNvPr id="68" name="PlaceHolder 1"/>
+          <p:cNvPr id="62" name="PlaceHolder 1"/>
           <p:cNvSpPr>
             <a:spLocks noGrp="1"/>
           </p:cNvSpPr>
@@ -745,7 +754,7 @@
         <p:spPr>
           <a:xfrm>
             <a:off x="690120" y="2192400"/>
-            <a:ext cx="7772040" cy="456120"/>
+            <a:ext cx="7771680" cy="456120"/>
           </a:xfrm>
           <a:prstGeom prst="rect">
             <a:avLst/>
@@ -783,7 +792,7 @@
       </p:grpSpPr>
       <p:sp>
         <p:nvSpPr>
-          <p:cNvPr id="69" name="PlaceHolder 1"/>
+          <p:cNvPr id="63" name="PlaceHolder 1"/>
           <p:cNvSpPr>
             <a:spLocks noGrp="1"/>
           </p:cNvSpPr>
@@ -794,7 +803,7 @@
         <p:spPr>
           <a:xfrm>
             <a:off x="690120" y="2463480"/>
-            <a:ext cx="7772040" cy="1523880"/>
+            <a:ext cx="7771680" cy="1523880"/>
           </a:xfrm>
           <a:prstGeom prst="rect">
             <a:avLst/>
@@ -803,13 +812,14 @@
         <p:txBody>
           <a:bodyPr anchor="ctr" bIns="0" lIns="0" rIns="0" tIns="0" wrap="none"/>
           <a:p>
-            <a:endParaRPr/>
-          </a:p>
-        </p:txBody>
-      </p:sp>
-      <p:sp>
-        <p:nvSpPr>
-          <p:cNvPr id="70" name="PlaceHolder 2"/>
+            <a:pPr algn="ctr"/>
+            <a:endParaRPr/>
+          </a:p>
+        </p:txBody>
+      </p:sp>
+      <p:sp>
+        <p:nvSpPr>
+          <p:cNvPr id="64" name="PlaceHolder 2"/>
           <p:cNvSpPr>
             <a:spLocks noGrp="1"/>
           </p:cNvSpPr>
@@ -820,48 +830,48 @@
         <p:spPr>
           <a:xfrm>
             <a:off x="1367280" y="1437480"/>
-            <a:ext cx="3131280" cy="447840"/>
-          </a:xfrm>
-          <a:prstGeom prst="rect">
-            <a:avLst/>
-          </a:prstGeom>
-        </p:spPr>
-        <p:txBody>
-          <a:bodyPr bIns="0" lIns="0" rIns="0" tIns="0" wrap="none"/>
-          <a:p>
-            <a:endParaRPr/>
-          </a:p>
-        </p:txBody>
-      </p:sp>
-      <p:sp>
-        <p:nvSpPr>
-          <p:cNvPr id="71" name="PlaceHolder 3"/>
-          <p:cNvSpPr>
-            <a:spLocks noGrp="1"/>
-          </p:cNvSpPr>
-          <p:nvPr>
-            <p:ph type="body"/>
-          </p:nvPr>
-        </p:nvSpPr>
-        <p:spPr>
-          <a:xfrm>
-            <a:off x="1367280" y="1928160"/>
-            <a:ext cx="3131280" cy="447840"/>
-          </a:xfrm>
-          <a:prstGeom prst="rect">
-            <a:avLst/>
-          </a:prstGeom>
-        </p:spPr>
-        <p:txBody>
-          <a:bodyPr bIns="0" lIns="0" rIns="0" tIns="0" wrap="none"/>
-          <a:p>
-            <a:endParaRPr/>
-          </a:p>
-        </p:txBody>
-      </p:sp>
-      <p:sp>
-        <p:nvSpPr>
-          <p:cNvPr id="72" name="PlaceHolder 4"/>
+            <a:ext cx="3131280" cy="447480"/>
+          </a:xfrm>
+          <a:prstGeom prst="rect">
+            <a:avLst/>
+          </a:prstGeom>
+        </p:spPr>
+        <p:txBody>
+          <a:bodyPr bIns="0" lIns="0" rIns="0" tIns="0" wrap="none"/>
+          <a:p>
+            <a:endParaRPr/>
+          </a:p>
+        </p:txBody>
+      </p:sp>
+      <p:sp>
+        <p:nvSpPr>
+          <p:cNvPr id="65" name="PlaceHolder 3"/>
+          <p:cNvSpPr>
+            <a:spLocks noGrp="1"/>
+          </p:cNvSpPr>
+          <p:nvPr>
+            <p:ph type="body"/>
+          </p:nvPr>
+        </p:nvSpPr>
+        <p:spPr>
+          <a:xfrm>
+            <a:off x="1367280" y="1927800"/>
+            <a:ext cx="3131280" cy="447480"/>
+          </a:xfrm>
+          <a:prstGeom prst="rect">
+            <a:avLst/>
+          </a:prstGeom>
+        </p:spPr>
+        <p:txBody>
+          <a:bodyPr bIns="0" lIns="0" rIns="0" tIns="0" wrap="none"/>
+          <a:p>
+            <a:endParaRPr/>
+          </a:p>
+        </p:txBody>
+      </p:sp>
+      <p:sp>
+        <p:nvSpPr>
+          <p:cNvPr id="66" name="PlaceHolder 4"/>
           <p:cNvSpPr>
             <a:spLocks noGrp="1"/>
           </p:cNvSpPr>
@@ -872,7 +882,7 @@
         <p:spPr>
           <a:xfrm>
             <a:off x="4655160" y="1437480"/>
-            <a:ext cx="3131280" cy="939600"/>
+            <a:ext cx="3131280" cy="939240"/>
           </a:xfrm>
           <a:prstGeom prst="rect">
             <a:avLst/>
@@ -909,7 +919,7 @@
       </p:grpSpPr>
       <p:sp>
         <p:nvSpPr>
-          <p:cNvPr id="17" name="PlaceHolder 1"/>
+          <p:cNvPr id="14" name="PlaceHolder 1"/>
           <p:cNvSpPr>
             <a:spLocks noGrp="1"/>
           </p:cNvSpPr>
@@ -920,7 +930,7 @@
         <p:spPr>
           <a:xfrm>
             <a:off x="690120" y="2463480"/>
-            <a:ext cx="7772040" cy="1523880"/>
+            <a:ext cx="7771680" cy="1523880"/>
           </a:xfrm>
           <a:prstGeom prst="rect">
             <a:avLst/>
@@ -929,13 +939,14 @@
         <p:txBody>
           <a:bodyPr anchor="ctr" bIns="0" lIns="0" rIns="0" tIns="0" wrap="none"/>
           <a:p>
-            <a:endParaRPr/>
-          </a:p>
-        </p:txBody>
-      </p:sp>
-      <p:sp>
-        <p:nvSpPr>
-          <p:cNvPr id="18" name="PlaceHolder 2"/>
+            <a:pPr algn="ctr"/>
+            <a:endParaRPr/>
+          </a:p>
+        </p:txBody>
+      </p:sp>
+      <p:sp>
+        <p:nvSpPr>
+          <p:cNvPr id="15" name="PlaceHolder 2"/>
           <p:cNvSpPr>
             <a:spLocks noGrp="1"/>
           </p:cNvSpPr>
@@ -946,7 +957,7 @@
         <p:spPr>
           <a:xfrm>
             <a:off x="1367280" y="1437480"/>
-            <a:ext cx="6417360" cy="939960"/>
+            <a:ext cx="6417000" cy="939600"/>
           </a:xfrm>
           <a:prstGeom prst="rect">
             <a:avLst/>
@@ -984,7 +995,7 @@
       </p:grpSpPr>
       <p:sp>
         <p:nvSpPr>
-          <p:cNvPr id="73" name="PlaceHolder 1"/>
+          <p:cNvPr id="67" name="PlaceHolder 1"/>
           <p:cNvSpPr>
             <a:spLocks noGrp="1"/>
           </p:cNvSpPr>
@@ -995,7 +1006,7 @@
         <p:spPr>
           <a:xfrm>
             <a:off x="690120" y="2463480"/>
-            <a:ext cx="7772040" cy="1523880"/>
+            <a:ext cx="7771680" cy="1523880"/>
           </a:xfrm>
           <a:prstGeom prst="rect">
             <a:avLst/>
@@ -1004,13 +1015,14 @@
         <p:txBody>
           <a:bodyPr anchor="ctr" bIns="0" lIns="0" rIns="0" tIns="0" wrap="none"/>
           <a:p>
-            <a:endParaRPr/>
-          </a:p>
-        </p:txBody>
-      </p:sp>
-      <p:sp>
-        <p:nvSpPr>
-          <p:cNvPr id="74" name="PlaceHolder 2"/>
+            <a:pPr algn="ctr"/>
+            <a:endParaRPr/>
+          </a:p>
+        </p:txBody>
+      </p:sp>
+      <p:sp>
+        <p:nvSpPr>
+          <p:cNvPr id="68" name="PlaceHolder 2"/>
           <p:cNvSpPr>
             <a:spLocks noGrp="1"/>
           </p:cNvSpPr>
@@ -1021,22 +1033,22 @@
         <p:spPr>
           <a:xfrm>
             <a:off x="1367280" y="1437480"/>
-            <a:ext cx="3131280" cy="939600"/>
-          </a:xfrm>
-          <a:prstGeom prst="rect">
-            <a:avLst/>
-          </a:prstGeom>
-        </p:spPr>
-        <p:txBody>
-          <a:bodyPr bIns="0" lIns="0" rIns="0" tIns="0" wrap="none"/>
-          <a:p>
-            <a:endParaRPr/>
-          </a:p>
-        </p:txBody>
-      </p:sp>
-      <p:sp>
-        <p:nvSpPr>
-          <p:cNvPr id="75" name="PlaceHolder 3"/>
+            <a:ext cx="3131280" cy="939240"/>
+          </a:xfrm>
+          <a:prstGeom prst="rect">
+            <a:avLst/>
+          </a:prstGeom>
+        </p:spPr>
+        <p:txBody>
+          <a:bodyPr bIns="0" lIns="0" rIns="0" tIns="0" wrap="none"/>
+          <a:p>
+            <a:endParaRPr/>
+          </a:p>
+        </p:txBody>
+      </p:sp>
+      <p:sp>
+        <p:nvSpPr>
+          <p:cNvPr id="69" name="PlaceHolder 3"/>
           <p:cNvSpPr>
             <a:spLocks noGrp="1"/>
           </p:cNvSpPr>
@@ -1047,33 +1059,33 @@
         <p:spPr>
           <a:xfrm>
             <a:off x="4655160" y="1437480"/>
-            <a:ext cx="3131280" cy="447840"/>
-          </a:xfrm>
-          <a:prstGeom prst="rect">
-            <a:avLst/>
-          </a:prstGeom>
-        </p:spPr>
-        <p:txBody>
-          <a:bodyPr bIns="0" lIns="0" rIns="0" tIns="0" wrap="none"/>
-          <a:p>
-            <a:endParaRPr/>
-          </a:p>
-        </p:txBody>
-      </p:sp>
-      <p:sp>
-        <p:nvSpPr>
-          <p:cNvPr id="76" name="PlaceHolder 4"/>
-          <p:cNvSpPr>
-            <a:spLocks noGrp="1"/>
-          </p:cNvSpPr>
-          <p:nvPr>
-            <p:ph type="body"/>
-          </p:nvPr>
-        </p:nvSpPr>
-        <p:spPr>
-          <a:xfrm>
-            <a:off x="4655160" y="1928160"/>
-            <a:ext cx="3131280" cy="447840"/>
+            <a:ext cx="3131280" cy="447480"/>
+          </a:xfrm>
+          <a:prstGeom prst="rect">
+            <a:avLst/>
+          </a:prstGeom>
+        </p:spPr>
+        <p:txBody>
+          <a:bodyPr bIns="0" lIns="0" rIns="0" tIns="0" wrap="none"/>
+          <a:p>
+            <a:endParaRPr/>
+          </a:p>
+        </p:txBody>
+      </p:sp>
+      <p:sp>
+        <p:nvSpPr>
+          <p:cNvPr id="70" name="PlaceHolder 4"/>
+          <p:cNvSpPr>
+            <a:spLocks noGrp="1"/>
+          </p:cNvSpPr>
+          <p:nvPr>
+            <p:ph type="body"/>
+          </p:nvPr>
+        </p:nvSpPr>
+        <p:spPr>
+          <a:xfrm>
+            <a:off x="4655160" y="1927800"/>
+            <a:ext cx="3131280" cy="447480"/>
           </a:xfrm>
           <a:prstGeom prst="rect">
             <a:avLst/>
@@ -1110,7 +1122,7 @@
       </p:grpSpPr>
       <p:sp>
         <p:nvSpPr>
-          <p:cNvPr id="77" name="PlaceHolder 1"/>
+          <p:cNvPr id="71" name="PlaceHolder 1"/>
           <p:cNvSpPr>
             <a:spLocks noGrp="1"/>
           </p:cNvSpPr>
@@ -1121,7 +1133,7 @@
         <p:spPr>
           <a:xfrm>
             <a:off x="690120" y="2463480"/>
-            <a:ext cx="7772040" cy="1523880"/>
+            <a:ext cx="7771680" cy="1523880"/>
           </a:xfrm>
           <a:prstGeom prst="rect">
             <a:avLst/>
@@ -1130,13 +1142,14 @@
         <p:txBody>
           <a:bodyPr anchor="ctr" bIns="0" lIns="0" rIns="0" tIns="0" wrap="none"/>
           <a:p>
-            <a:endParaRPr/>
-          </a:p>
-        </p:txBody>
-      </p:sp>
-      <p:sp>
-        <p:nvSpPr>
-          <p:cNvPr id="78" name="PlaceHolder 2"/>
+            <a:pPr algn="ctr"/>
+            <a:endParaRPr/>
+          </a:p>
+        </p:txBody>
+      </p:sp>
+      <p:sp>
+        <p:nvSpPr>
+          <p:cNvPr id="72" name="PlaceHolder 2"/>
           <p:cNvSpPr>
             <a:spLocks noGrp="1"/>
           </p:cNvSpPr>
@@ -1147,22 +1160,22 @@
         <p:spPr>
           <a:xfrm>
             <a:off x="1367280" y="1437480"/>
-            <a:ext cx="3131280" cy="447840"/>
-          </a:xfrm>
-          <a:prstGeom prst="rect">
-            <a:avLst/>
-          </a:prstGeom>
-        </p:spPr>
-        <p:txBody>
-          <a:bodyPr bIns="0" lIns="0" rIns="0" tIns="0" wrap="none"/>
-          <a:p>
-            <a:endParaRPr/>
-          </a:p>
-        </p:txBody>
-      </p:sp>
-      <p:sp>
-        <p:nvSpPr>
-          <p:cNvPr id="79" name="PlaceHolder 3"/>
+            <a:ext cx="3131280" cy="447480"/>
+          </a:xfrm>
+          <a:prstGeom prst="rect">
+            <a:avLst/>
+          </a:prstGeom>
+        </p:spPr>
+        <p:txBody>
+          <a:bodyPr bIns="0" lIns="0" rIns="0" tIns="0" wrap="none"/>
+          <a:p>
+            <a:endParaRPr/>
+          </a:p>
+        </p:txBody>
+      </p:sp>
+      <p:sp>
+        <p:nvSpPr>
+          <p:cNvPr id="73" name="PlaceHolder 3"/>
           <p:cNvSpPr>
             <a:spLocks noGrp="1"/>
           </p:cNvSpPr>
@@ -1173,33 +1186,33 @@
         <p:spPr>
           <a:xfrm>
             <a:off x="4655160" y="1437480"/>
-            <a:ext cx="3131280" cy="447840"/>
-          </a:xfrm>
-          <a:prstGeom prst="rect">
-            <a:avLst/>
-          </a:prstGeom>
-        </p:spPr>
-        <p:txBody>
-          <a:bodyPr bIns="0" lIns="0" rIns="0" tIns="0" wrap="none"/>
-          <a:p>
-            <a:endParaRPr/>
-          </a:p>
-        </p:txBody>
-      </p:sp>
-      <p:sp>
-        <p:nvSpPr>
-          <p:cNvPr id="80" name="PlaceHolder 4"/>
-          <p:cNvSpPr>
-            <a:spLocks noGrp="1"/>
-          </p:cNvSpPr>
-          <p:nvPr>
-            <p:ph type="body"/>
-          </p:nvPr>
-        </p:nvSpPr>
-        <p:spPr>
-          <a:xfrm>
-            <a:off x="1367280" y="1928160"/>
-            <a:ext cx="6416640" cy="447840"/>
+            <a:ext cx="3131280" cy="447480"/>
+          </a:xfrm>
+          <a:prstGeom prst="rect">
+            <a:avLst/>
+          </a:prstGeom>
+        </p:spPr>
+        <p:txBody>
+          <a:bodyPr bIns="0" lIns="0" rIns="0" tIns="0" wrap="none"/>
+          <a:p>
+            <a:endParaRPr/>
+          </a:p>
+        </p:txBody>
+      </p:sp>
+      <p:sp>
+        <p:nvSpPr>
+          <p:cNvPr id="74" name="PlaceHolder 4"/>
+          <p:cNvSpPr>
+            <a:spLocks noGrp="1"/>
+          </p:cNvSpPr>
+          <p:nvPr>
+            <p:ph type="body"/>
+          </p:nvPr>
+        </p:nvSpPr>
+        <p:spPr>
+          <a:xfrm>
+            <a:off x="1367280" y="1927800"/>
+            <a:ext cx="6416640" cy="447480"/>
           </a:xfrm>
           <a:prstGeom prst="rect">
             <a:avLst/>
@@ -1236,7 +1249,7 @@
       </p:grpSpPr>
       <p:sp>
         <p:nvSpPr>
-          <p:cNvPr id="81" name="PlaceHolder 1"/>
+          <p:cNvPr id="75" name="PlaceHolder 1"/>
           <p:cNvSpPr>
             <a:spLocks noGrp="1"/>
           </p:cNvSpPr>
@@ -1247,7 +1260,7 @@
         <p:spPr>
           <a:xfrm>
             <a:off x="690120" y="2463480"/>
-            <a:ext cx="7772040" cy="1523880"/>
+            <a:ext cx="7771680" cy="1523880"/>
           </a:xfrm>
           <a:prstGeom prst="rect">
             <a:avLst/>
@@ -1256,13 +1269,14 @@
         <p:txBody>
           <a:bodyPr anchor="ctr" bIns="0" lIns="0" rIns="0" tIns="0" wrap="none"/>
           <a:p>
-            <a:endParaRPr/>
-          </a:p>
-        </p:txBody>
-      </p:sp>
-      <p:sp>
-        <p:nvSpPr>
-          <p:cNvPr id="82" name="PlaceHolder 2"/>
+            <a:pPr algn="ctr"/>
+            <a:endParaRPr/>
+          </a:p>
+        </p:txBody>
+      </p:sp>
+      <p:sp>
+        <p:nvSpPr>
+          <p:cNvPr id="76" name="PlaceHolder 2"/>
           <p:cNvSpPr>
             <a:spLocks noGrp="1"/>
           </p:cNvSpPr>
@@ -1273,33 +1287,33 @@
         <p:spPr>
           <a:xfrm>
             <a:off x="1367280" y="1437480"/>
-            <a:ext cx="6417360" cy="447840"/>
-          </a:xfrm>
-          <a:prstGeom prst="rect">
-            <a:avLst/>
-          </a:prstGeom>
-        </p:spPr>
-        <p:txBody>
-          <a:bodyPr bIns="0" lIns="0" rIns="0" tIns="0" wrap="none"/>
-          <a:p>
-            <a:endParaRPr/>
-          </a:p>
-        </p:txBody>
-      </p:sp>
-      <p:sp>
-        <p:nvSpPr>
-          <p:cNvPr id="83" name="PlaceHolder 3"/>
-          <p:cNvSpPr>
-            <a:spLocks noGrp="1"/>
-          </p:cNvSpPr>
-          <p:nvPr>
-            <p:ph type="body"/>
-          </p:nvPr>
-        </p:nvSpPr>
-        <p:spPr>
-          <a:xfrm>
-            <a:off x="1367280" y="1928160"/>
-            <a:ext cx="6417360" cy="447840"/>
+            <a:ext cx="6417000" cy="447480"/>
+          </a:xfrm>
+          <a:prstGeom prst="rect">
+            <a:avLst/>
+          </a:prstGeom>
+        </p:spPr>
+        <p:txBody>
+          <a:bodyPr bIns="0" lIns="0" rIns="0" tIns="0" wrap="none"/>
+          <a:p>
+            <a:endParaRPr/>
+          </a:p>
+        </p:txBody>
+      </p:sp>
+      <p:sp>
+        <p:nvSpPr>
+          <p:cNvPr id="77" name="PlaceHolder 3"/>
+          <p:cNvSpPr>
+            <a:spLocks noGrp="1"/>
+          </p:cNvSpPr>
+          <p:nvPr>
+            <p:ph type="body"/>
+          </p:nvPr>
+        </p:nvSpPr>
+        <p:spPr>
+          <a:xfrm>
+            <a:off x="1367280" y="1927800"/>
+            <a:ext cx="6417000" cy="447480"/>
           </a:xfrm>
           <a:prstGeom prst="rect">
             <a:avLst/>
@@ -1336,7 +1350,7 @@
       </p:grpSpPr>
       <p:sp>
         <p:nvSpPr>
-          <p:cNvPr id="84" name="PlaceHolder 1"/>
+          <p:cNvPr id="78" name="PlaceHolder 1"/>
           <p:cNvSpPr>
             <a:spLocks noGrp="1"/>
           </p:cNvSpPr>
@@ -1347,7 +1361,7 @@
         <p:spPr>
           <a:xfrm>
             <a:off x="690120" y="2463480"/>
-            <a:ext cx="7772040" cy="1523880"/>
+            <a:ext cx="7771680" cy="1523880"/>
           </a:xfrm>
           <a:prstGeom prst="rect">
             <a:avLst/>
@@ -1356,13 +1370,14 @@
         <p:txBody>
           <a:bodyPr anchor="ctr" bIns="0" lIns="0" rIns="0" tIns="0" wrap="none"/>
           <a:p>
-            <a:endParaRPr/>
-          </a:p>
-        </p:txBody>
-      </p:sp>
-      <p:sp>
-        <p:nvSpPr>
-          <p:cNvPr id="85" name="PlaceHolder 2"/>
+            <a:pPr algn="ctr"/>
+            <a:endParaRPr/>
+          </a:p>
+        </p:txBody>
+      </p:sp>
+      <p:sp>
+        <p:nvSpPr>
+          <p:cNvPr id="79" name="PlaceHolder 2"/>
           <p:cNvSpPr>
             <a:spLocks noGrp="1"/>
           </p:cNvSpPr>
@@ -1373,22 +1388,22 @@
         <p:spPr>
           <a:xfrm>
             <a:off x="1367280" y="1437480"/>
-            <a:ext cx="3131280" cy="447840"/>
-          </a:xfrm>
-          <a:prstGeom prst="rect">
-            <a:avLst/>
-          </a:prstGeom>
-        </p:spPr>
-        <p:txBody>
-          <a:bodyPr bIns="0" lIns="0" rIns="0" tIns="0" wrap="none"/>
-          <a:p>
-            <a:endParaRPr/>
-          </a:p>
-        </p:txBody>
-      </p:sp>
-      <p:sp>
-        <p:nvSpPr>
-          <p:cNvPr id="86" name="PlaceHolder 3"/>
+            <a:ext cx="3131280" cy="447480"/>
+          </a:xfrm>
+          <a:prstGeom prst="rect">
+            <a:avLst/>
+          </a:prstGeom>
+        </p:spPr>
+        <p:txBody>
+          <a:bodyPr bIns="0" lIns="0" rIns="0" tIns="0" wrap="none"/>
+          <a:p>
+            <a:endParaRPr/>
+          </a:p>
+        </p:txBody>
+      </p:sp>
+      <p:sp>
+        <p:nvSpPr>
+          <p:cNvPr id="80" name="PlaceHolder 3"/>
           <p:cNvSpPr>
             <a:spLocks noGrp="1"/>
           </p:cNvSpPr>
@@ -1399,59 +1414,59 @@
         <p:spPr>
           <a:xfrm>
             <a:off x="4655160" y="1437480"/>
-            <a:ext cx="3131280" cy="447840"/>
-          </a:xfrm>
-          <a:prstGeom prst="rect">
-            <a:avLst/>
-          </a:prstGeom>
-        </p:spPr>
-        <p:txBody>
-          <a:bodyPr bIns="0" lIns="0" rIns="0" tIns="0" wrap="none"/>
-          <a:p>
-            <a:endParaRPr/>
-          </a:p>
-        </p:txBody>
-      </p:sp>
-      <p:sp>
-        <p:nvSpPr>
-          <p:cNvPr id="87" name="PlaceHolder 4"/>
-          <p:cNvSpPr>
-            <a:spLocks noGrp="1"/>
-          </p:cNvSpPr>
-          <p:nvPr>
-            <p:ph type="body"/>
-          </p:nvPr>
-        </p:nvSpPr>
-        <p:spPr>
-          <a:xfrm>
-            <a:off x="4655160" y="1928160"/>
-            <a:ext cx="3131280" cy="447840"/>
-          </a:xfrm>
-          <a:prstGeom prst="rect">
-            <a:avLst/>
-          </a:prstGeom>
-        </p:spPr>
-        <p:txBody>
-          <a:bodyPr bIns="0" lIns="0" rIns="0" tIns="0" wrap="none"/>
-          <a:p>
-            <a:endParaRPr/>
-          </a:p>
-        </p:txBody>
-      </p:sp>
-      <p:sp>
-        <p:nvSpPr>
-          <p:cNvPr id="88" name="PlaceHolder 5"/>
-          <p:cNvSpPr>
-            <a:spLocks noGrp="1"/>
-          </p:cNvSpPr>
-          <p:nvPr>
-            <p:ph type="body"/>
-          </p:nvPr>
-        </p:nvSpPr>
-        <p:spPr>
-          <a:xfrm>
-            <a:off x="1367280" y="1928160"/>
-            <a:ext cx="3131280" cy="447840"/>
+            <a:ext cx="3131280" cy="447480"/>
+          </a:xfrm>
+          <a:prstGeom prst="rect">
+            <a:avLst/>
+          </a:prstGeom>
+        </p:spPr>
+        <p:txBody>
+          <a:bodyPr bIns="0" lIns="0" rIns="0" tIns="0" wrap="none"/>
+          <a:p>
+            <a:endParaRPr/>
+          </a:p>
+        </p:txBody>
+      </p:sp>
+      <p:sp>
+        <p:nvSpPr>
+          <p:cNvPr id="81" name="PlaceHolder 4"/>
+          <p:cNvSpPr>
+            <a:spLocks noGrp="1"/>
+          </p:cNvSpPr>
+          <p:nvPr>
+            <p:ph type="body"/>
+          </p:nvPr>
+        </p:nvSpPr>
+        <p:spPr>
+          <a:xfrm>
+            <a:off x="4655160" y="1927800"/>
+            <a:ext cx="3131280" cy="447480"/>
+          </a:xfrm>
+          <a:prstGeom prst="rect">
+            <a:avLst/>
+          </a:prstGeom>
+        </p:spPr>
+        <p:txBody>
+          <a:bodyPr bIns="0" lIns="0" rIns="0" tIns="0" wrap="none"/>
+          <a:p>
+            <a:endParaRPr/>
+          </a:p>
+        </p:txBody>
+      </p:sp>
+      <p:sp>
+        <p:nvSpPr>
+          <p:cNvPr id="82" name="PlaceHolder 5"/>
+          <p:cNvSpPr>
+            <a:spLocks noGrp="1"/>
+          </p:cNvSpPr>
+          <p:nvPr>
+            <p:ph type="body"/>
+          </p:nvPr>
+        </p:nvSpPr>
+        <p:spPr>
+          <a:xfrm>
+            <a:off x="1367280" y="1927800"/>
+            <a:ext cx="3131280" cy="447480"/>
           </a:xfrm>
           <a:prstGeom prst="rect">
             <a:avLst/>
@@ -1488,7 +1503,7 @@
       </p:grpSpPr>
       <p:sp>
         <p:nvSpPr>
-          <p:cNvPr id="89" name="PlaceHolder 1"/>
+          <p:cNvPr id="83" name="PlaceHolder 1"/>
           <p:cNvSpPr>
             <a:spLocks noGrp="1"/>
           </p:cNvSpPr>
@@ -1499,7 +1514,7 @@
         <p:spPr>
           <a:xfrm>
             <a:off x="690120" y="2463480"/>
-            <a:ext cx="7772040" cy="1523880"/>
+            <a:ext cx="7771680" cy="1523880"/>
           </a:xfrm>
           <a:prstGeom prst="rect">
             <a:avLst/>
@@ -1508,13 +1523,14 @@
         <p:txBody>
           <a:bodyPr anchor="ctr" bIns="0" lIns="0" rIns="0" tIns="0" wrap="none"/>
           <a:p>
-            <a:endParaRPr/>
-          </a:p>
-        </p:txBody>
-      </p:sp>
-      <p:sp>
-        <p:nvSpPr>
-          <p:cNvPr id="90" name="PlaceHolder 2"/>
+            <a:pPr algn="ctr"/>
+            <a:endParaRPr/>
+          </a:p>
+        </p:txBody>
+      </p:sp>
+      <p:sp>
+        <p:nvSpPr>
+          <p:cNvPr id="84" name="PlaceHolder 2"/>
           <p:cNvSpPr>
             <a:spLocks noGrp="1"/>
           </p:cNvSpPr>
@@ -1525,22 +1541,22 @@
         <p:spPr>
           <a:xfrm>
             <a:off x="1367280" y="1437480"/>
-            <a:ext cx="3131280" cy="447840"/>
-          </a:xfrm>
-          <a:prstGeom prst="rect">
-            <a:avLst/>
-          </a:prstGeom>
-        </p:spPr>
-        <p:txBody>
-          <a:bodyPr bIns="0" lIns="0" rIns="0" tIns="0" wrap="none"/>
-          <a:p>
-            <a:endParaRPr/>
-          </a:p>
-        </p:txBody>
-      </p:sp>
-      <p:sp>
-        <p:nvSpPr>
-          <p:cNvPr id="91" name="PlaceHolder 3"/>
+            <a:ext cx="3131280" cy="447480"/>
+          </a:xfrm>
+          <a:prstGeom prst="rect">
+            <a:avLst/>
+          </a:prstGeom>
+        </p:spPr>
+        <p:txBody>
+          <a:bodyPr bIns="0" lIns="0" rIns="0" tIns="0" wrap="none"/>
+          <a:p>
+            <a:endParaRPr/>
+          </a:p>
+        </p:txBody>
+      </p:sp>
+      <p:sp>
+        <p:nvSpPr>
+          <p:cNvPr id="85" name="PlaceHolder 3"/>
           <p:cNvSpPr>
             <a:spLocks noGrp="1"/>
           </p:cNvSpPr>
@@ -1551,7 +1567,7 @@
         <p:spPr>
           <a:xfrm>
             <a:off x="4655160" y="1437480"/>
-            <a:ext cx="3131280" cy="447840"/>
+            <a:ext cx="3131280" cy="447480"/>
           </a:xfrm>
           <a:prstGeom prst="rect">
             <a:avLst/>
@@ -1610,7 +1626,7 @@
       </p:grpSpPr>
       <p:sp>
         <p:nvSpPr>
-          <p:cNvPr id="109" name="PlaceHolder 1"/>
+          <p:cNvPr id="100" name="PlaceHolder 1"/>
           <p:cNvSpPr>
             <a:spLocks noGrp="1"/>
           </p:cNvSpPr>
@@ -1621,7 +1637,7 @@
         <p:spPr>
           <a:xfrm>
             <a:off x="690120" y="2463480"/>
-            <a:ext cx="7772040" cy="1523880"/>
+            <a:ext cx="7771680" cy="1523880"/>
           </a:xfrm>
           <a:prstGeom prst="rect">
             <a:avLst/>
@@ -1630,13 +1646,14 @@
         <p:txBody>
           <a:bodyPr anchor="ctr" bIns="0" lIns="0" rIns="0" tIns="0" wrap="none"/>
           <a:p>
-            <a:endParaRPr/>
-          </a:p>
-        </p:txBody>
-      </p:sp>
-      <p:sp>
-        <p:nvSpPr>
-          <p:cNvPr id="110" name="PlaceHolder 2"/>
+            <a:pPr algn="ctr"/>
+            <a:endParaRPr/>
+          </a:p>
+        </p:txBody>
+      </p:sp>
+      <p:sp>
+        <p:nvSpPr>
+          <p:cNvPr id="101" name="PlaceHolder 2"/>
           <p:cNvSpPr>
             <a:spLocks noGrp="1"/>
           </p:cNvSpPr>
@@ -1647,7 +1664,7 @@
         <p:spPr>
           <a:xfrm>
             <a:off x="1367280" y="1437480"/>
-            <a:ext cx="6417360" cy="939960"/>
+            <a:ext cx="6417000" cy="939600"/>
           </a:xfrm>
           <a:prstGeom prst="rect">
             <a:avLst/>
@@ -1685,7 +1702,7 @@
       </p:grpSpPr>
       <p:sp>
         <p:nvSpPr>
-          <p:cNvPr id="111" name="PlaceHolder 1"/>
+          <p:cNvPr id="102" name="PlaceHolder 1"/>
           <p:cNvSpPr>
             <a:spLocks noGrp="1"/>
           </p:cNvSpPr>
@@ -1696,7 +1713,7 @@
         <p:spPr>
           <a:xfrm>
             <a:off x="690120" y="2463480"/>
-            <a:ext cx="7772040" cy="1523880"/>
+            <a:ext cx="7771680" cy="1523880"/>
           </a:xfrm>
           <a:prstGeom prst="rect">
             <a:avLst/>
@@ -1705,13 +1722,14 @@
         <p:txBody>
           <a:bodyPr anchor="ctr" bIns="0" lIns="0" rIns="0" tIns="0" wrap="none"/>
           <a:p>
-            <a:endParaRPr/>
-          </a:p>
-        </p:txBody>
-      </p:sp>
-      <p:sp>
-        <p:nvSpPr>
-          <p:cNvPr id="112" name="PlaceHolder 2"/>
+            <a:pPr algn="ctr"/>
+            <a:endParaRPr/>
+          </a:p>
+        </p:txBody>
+      </p:sp>
+      <p:sp>
+        <p:nvSpPr>
+          <p:cNvPr id="103" name="PlaceHolder 2"/>
           <p:cNvSpPr>
             <a:spLocks noGrp="1"/>
           </p:cNvSpPr>
@@ -1722,7 +1740,7 @@
         <p:spPr>
           <a:xfrm>
             <a:off x="1367280" y="1437480"/>
-            <a:ext cx="6417360" cy="939600"/>
+            <a:ext cx="6417000" cy="939240"/>
           </a:xfrm>
           <a:prstGeom prst="rect">
             <a:avLst/>
@@ -1759,7 +1777,7 @@
       </p:grpSpPr>
       <p:sp>
         <p:nvSpPr>
-          <p:cNvPr id="113" name="PlaceHolder 1"/>
+          <p:cNvPr id="104" name="PlaceHolder 1"/>
           <p:cNvSpPr>
             <a:spLocks noGrp="1"/>
           </p:cNvSpPr>
@@ -1770,7 +1788,7 @@
         <p:spPr>
           <a:xfrm>
             <a:off x="690120" y="2463480"/>
-            <a:ext cx="7772040" cy="1523880"/>
+            <a:ext cx="7771680" cy="1523880"/>
           </a:xfrm>
           <a:prstGeom prst="rect">
             <a:avLst/>
@@ -1779,13 +1797,14 @@
         <p:txBody>
           <a:bodyPr anchor="ctr" bIns="0" lIns="0" rIns="0" tIns="0" wrap="none"/>
           <a:p>
-            <a:endParaRPr/>
-          </a:p>
-        </p:txBody>
-      </p:sp>
-      <p:sp>
-        <p:nvSpPr>
-          <p:cNvPr id="114" name="PlaceHolder 2"/>
+            <a:pPr algn="ctr"/>
+            <a:endParaRPr/>
+          </a:p>
+        </p:txBody>
+      </p:sp>
+      <p:sp>
+        <p:nvSpPr>
+          <p:cNvPr id="105" name="PlaceHolder 2"/>
           <p:cNvSpPr>
             <a:spLocks noGrp="1"/>
           </p:cNvSpPr>
@@ -1796,22 +1815,22 @@
         <p:spPr>
           <a:xfrm>
             <a:off x="1367280" y="1437480"/>
-            <a:ext cx="3131280" cy="939600"/>
-          </a:xfrm>
-          <a:prstGeom prst="rect">
-            <a:avLst/>
-          </a:prstGeom>
-        </p:spPr>
-        <p:txBody>
-          <a:bodyPr bIns="0" lIns="0" rIns="0" tIns="0" wrap="none"/>
-          <a:p>
-            <a:endParaRPr/>
-          </a:p>
-        </p:txBody>
-      </p:sp>
-      <p:sp>
-        <p:nvSpPr>
-          <p:cNvPr id="115" name="PlaceHolder 3"/>
+            <a:ext cx="3131280" cy="939240"/>
+          </a:xfrm>
+          <a:prstGeom prst="rect">
+            <a:avLst/>
+          </a:prstGeom>
+        </p:spPr>
+        <p:txBody>
+          <a:bodyPr bIns="0" lIns="0" rIns="0" tIns="0" wrap="none"/>
+          <a:p>
+            <a:endParaRPr/>
+          </a:p>
+        </p:txBody>
+      </p:sp>
+      <p:sp>
+        <p:nvSpPr>
+          <p:cNvPr id="106" name="PlaceHolder 3"/>
           <p:cNvSpPr>
             <a:spLocks noGrp="1"/>
           </p:cNvSpPr>
@@ -1822,7 +1841,7 @@
         <p:spPr>
           <a:xfrm>
             <a:off x="4655160" y="1437480"/>
-            <a:ext cx="3131280" cy="939600"/>
+            <a:ext cx="3131280" cy="939240"/>
           </a:xfrm>
           <a:prstGeom prst="rect">
             <a:avLst/>
@@ -1859,7 +1878,7 @@
       </p:grpSpPr>
       <p:sp>
         <p:nvSpPr>
-          <p:cNvPr id="116" name="PlaceHolder 1"/>
+          <p:cNvPr id="107" name="PlaceHolder 1"/>
           <p:cNvSpPr>
             <a:spLocks noGrp="1"/>
           </p:cNvSpPr>
@@ -1870,7 +1889,7 @@
         <p:spPr>
           <a:xfrm>
             <a:off x="690120" y="2463480"/>
-            <a:ext cx="7772040" cy="1523880"/>
+            <a:ext cx="7771680" cy="1523880"/>
           </a:xfrm>
           <a:prstGeom prst="rect">
             <a:avLst/>
@@ -1879,6 +1898,7 @@
         <p:txBody>
           <a:bodyPr anchor="ctr" bIns="0" lIns="0" rIns="0" tIns="0" wrap="none"/>
           <a:p>
+            <a:pPr algn="ctr"/>
             <a:endParaRPr/>
           </a:p>
         </p:txBody>
@@ -1907,7 +1927,7 @@
       </p:grpSpPr>
       <p:sp>
         <p:nvSpPr>
-          <p:cNvPr id="19" name="PlaceHolder 1"/>
+          <p:cNvPr id="16" name="PlaceHolder 1"/>
           <p:cNvSpPr>
             <a:spLocks noGrp="1"/>
           </p:cNvSpPr>
@@ -1918,7 +1938,7 @@
         <p:spPr>
           <a:xfrm>
             <a:off x="690120" y="2463480"/>
-            <a:ext cx="7772040" cy="1523880"/>
+            <a:ext cx="7771680" cy="1523880"/>
           </a:xfrm>
           <a:prstGeom prst="rect">
             <a:avLst/>
@@ -1927,13 +1947,14 @@
         <p:txBody>
           <a:bodyPr anchor="ctr" bIns="0" lIns="0" rIns="0" tIns="0" wrap="none"/>
           <a:p>
-            <a:endParaRPr/>
-          </a:p>
-        </p:txBody>
-      </p:sp>
-      <p:sp>
-        <p:nvSpPr>
-          <p:cNvPr id="20" name="PlaceHolder 2"/>
+            <a:pPr algn="ctr"/>
+            <a:endParaRPr/>
+          </a:p>
+        </p:txBody>
+      </p:sp>
+      <p:sp>
+        <p:nvSpPr>
+          <p:cNvPr id="17" name="PlaceHolder 2"/>
           <p:cNvSpPr>
             <a:spLocks noGrp="1"/>
           </p:cNvSpPr>
@@ -1944,7 +1965,7 @@
         <p:spPr>
           <a:xfrm>
             <a:off x="1367280" y="1437480"/>
-            <a:ext cx="6417360" cy="939600"/>
+            <a:ext cx="6417000" cy="939240"/>
           </a:xfrm>
           <a:prstGeom prst="rect">
             <a:avLst/>
@@ -1981,7 +2002,7 @@
       </p:grpSpPr>
       <p:sp>
         <p:nvSpPr>
-          <p:cNvPr id="117" name="PlaceHolder 1"/>
+          <p:cNvPr id="108" name="PlaceHolder 1"/>
           <p:cNvSpPr>
             <a:spLocks noGrp="1"/>
           </p:cNvSpPr>
@@ -1992,7 +2013,7 @@
         <p:spPr>
           <a:xfrm>
             <a:off x="690120" y="2192400"/>
-            <a:ext cx="7772040" cy="456120"/>
+            <a:ext cx="7771680" cy="456120"/>
           </a:xfrm>
           <a:prstGeom prst="rect">
             <a:avLst/>
@@ -2030,7 +2051,7 @@
       </p:grpSpPr>
       <p:sp>
         <p:nvSpPr>
-          <p:cNvPr id="118" name="PlaceHolder 1"/>
+          <p:cNvPr id="109" name="PlaceHolder 1"/>
           <p:cNvSpPr>
             <a:spLocks noGrp="1"/>
           </p:cNvSpPr>
@@ -2041,7 +2062,7 @@
         <p:spPr>
           <a:xfrm>
             <a:off x="690120" y="2463480"/>
-            <a:ext cx="7772040" cy="1523880"/>
+            <a:ext cx="7771680" cy="1523880"/>
           </a:xfrm>
           <a:prstGeom prst="rect">
             <a:avLst/>
@@ -2050,13 +2071,14 @@
         <p:txBody>
           <a:bodyPr anchor="ctr" bIns="0" lIns="0" rIns="0" tIns="0" wrap="none"/>
           <a:p>
-            <a:endParaRPr/>
-          </a:p>
-        </p:txBody>
-      </p:sp>
-      <p:sp>
-        <p:nvSpPr>
-          <p:cNvPr id="119" name="PlaceHolder 2"/>
+            <a:pPr algn="ctr"/>
+            <a:endParaRPr/>
+          </a:p>
+        </p:txBody>
+      </p:sp>
+      <p:sp>
+        <p:nvSpPr>
+          <p:cNvPr id="110" name="PlaceHolder 2"/>
           <p:cNvSpPr>
             <a:spLocks noGrp="1"/>
           </p:cNvSpPr>
@@ -2067,48 +2089,48 @@
         <p:spPr>
           <a:xfrm>
             <a:off x="1367280" y="1437480"/>
-            <a:ext cx="3131280" cy="447840"/>
-          </a:xfrm>
-          <a:prstGeom prst="rect">
-            <a:avLst/>
-          </a:prstGeom>
-        </p:spPr>
-        <p:txBody>
-          <a:bodyPr bIns="0" lIns="0" rIns="0" tIns="0" wrap="none"/>
-          <a:p>
-            <a:endParaRPr/>
-          </a:p>
-        </p:txBody>
-      </p:sp>
-      <p:sp>
-        <p:nvSpPr>
-          <p:cNvPr id="120" name="PlaceHolder 3"/>
-          <p:cNvSpPr>
-            <a:spLocks noGrp="1"/>
-          </p:cNvSpPr>
-          <p:nvPr>
-            <p:ph type="body"/>
-          </p:nvPr>
-        </p:nvSpPr>
-        <p:spPr>
-          <a:xfrm>
-            <a:off x="1367280" y="1928160"/>
-            <a:ext cx="3131280" cy="447840"/>
-          </a:xfrm>
-          <a:prstGeom prst="rect">
-            <a:avLst/>
-          </a:prstGeom>
-        </p:spPr>
-        <p:txBody>
-          <a:bodyPr bIns="0" lIns="0" rIns="0" tIns="0" wrap="none"/>
-          <a:p>
-            <a:endParaRPr/>
-          </a:p>
-        </p:txBody>
-      </p:sp>
-      <p:sp>
-        <p:nvSpPr>
-          <p:cNvPr id="121" name="PlaceHolder 4"/>
+            <a:ext cx="3131280" cy="447480"/>
+          </a:xfrm>
+          <a:prstGeom prst="rect">
+            <a:avLst/>
+          </a:prstGeom>
+        </p:spPr>
+        <p:txBody>
+          <a:bodyPr bIns="0" lIns="0" rIns="0" tIns="0" wrap="none"/>
+          <a:p>
+            <a:endParaRPr/>
+          </a:p>
+        </p:txBody>
+      </p:sp>
+      <p:sp>
+        <p:nvSpPr>
+          <p:cNvPr id="111" name="PlaceHolder 3"/>
+          <p:cNvSpPr>
+            <a:spLocks noGrp="1"/>
+          </p:cNvSpPr>
+          <p:nvPr>
+            <p:ph type="body"/>
+          </p:nvPr>
+        </p:nvSpPr>
+        <p:spPr>
+          <a:xfrm>
+            <a:off x="1367280" y="1927800"/>
+            <a:ext cx="3131280" cy="447480"/>
+          </a:xfrm>
+          <a:prstGeom prst="rect">
+            <a:avLst/>
+          </a:prstGeom>
+        </p:spPr>
+        <p:txBody>
+          <a:bodyPr bIns="0" lIns="0" rIns="0" tIns="0" wrap="none"/>
+          <a:p>
+            <a:endParaRPr/>
+          </a:p>
+        </p:txBody>
+      </p:sp>
+      <p:sp>
+        <p:nvSpPr>
+          <p:cNvPr id="112" name="PlaceHolder 4"/>
           <p:cNvSpPr>
             <a:spLocks noGrp="1"/>
           </p:cNvSpPr>
@@ -2119,7 +2141,7 @@
         <p:spPr>
           <a:xfrm>
             <a:off x="4655160" y="1437480"/>
-            <a:ext cx="3131280" cy="939600"/>
+            <a:ext cx="3131280" cy="939240"/>
           </a:xfrm>
           <a:prstGeom prst="rect">
             <a:avLst/>
@@ -2156,7 +2178,7 @@
       </p:grpSpPr>
       <p:sp>
         <p:nvSpPr>
-          <p:cNvPr id="122" name="PlaceHolder 1"/>
+          <p:cNvPr id="113" name="PlaceHolder 1"/>
           <p:cNvSpPr>
             <a:spLocks noGrp="1"/>
           </p:cNvSpPr>
@@ -2167,7 +2189,7 @@
         <p:spPr>
           <a:xfrm>
             <a:off x="690120" y="2463480"/>
-            <a:ext cx="7772040" cy="1523880"/>
+            <a:ext cx="7771680" cy="1523880"/>
           </a:xfrm>
           <a:prstGeom prst="rect">
             <a:avLst/>
@@ -2176,13 +2198,14 @@
         <p:txBody>
           <a:bodyPr anchor="ctr" bIns="0" lIns="0" rIns="0" tIns="0" wrap="none"/>
           <a:p>
-            <a:endParaRPr/>
-          </a:p>
-        </p:txBody>
-      </p:sp>
-      <p:sp>
-        <p:nvSpPr>
-          <p:cNvPr id="123" name="PlaceHolder 2"/>
+            <a:pPr algn="ctr"/>
+            <a:endParaRPr/>
+          </a:p>
+        </p:txBody>
+      </p:sp>
+      <p:sp>
+        <p:nvSpPr>
+          <p:cNvPr id="114" name="PlaceHolder 2"/>
           <p:cNvSpPr>
             <a:spLocks noGrp="1"/>
           </p:cNvSpPr>
@@ -2193,22 +2216,22 @@
         <p:spPr>
           <a:xfrm>
             <a:off x="1367280" y="1437480"/>
-            <a:ext cx="3131280" cy="939600"/>
-          </a:xfrm>
-          <a:prstGeom prst="rect">
-            <a:avLst/>
-          </a:prstGeom>
-        </p:spPr>
-        <p:txBody>
-          <a:bodyPr bIns="0" lIns="0" rIns="0" tIns="0" wrap="none"/>
-          <a:p>
-            <a:endParaRPr/>
-          </a:p>
-        </p:txBody>
-      </p:sp>
-      <p:sp>
-        <p:nvSpPr>
-          <p:cNvPr id="124" name="PlaceHolder 3"/>
+            <a:ext cx="3131280" cy="939240"/>
+          </a:xfrm>
+          <a:prstGeom prst="rect">
+            <a:avLst/>
+          </a:prstGeom>
+        </p:spPr>
+        <p:txBody>
+          <a:bodyPr bIns="0" lIns="0" rIns="0" tIns="0" wrap="none"/>
+          <a:p>
+            <a:endParaRPr/>
+          </a:p>
+        </p:txBody>
+      </p:sp>
+      <p:sp>
+        <p:nvSpPr>
+          <p:cNvPr id="115" name="PlaceHolder 3"/>
           <p:cNvSpPr>
             <a:spLocks noGrp="1"/>
           </p:cNvSpPr>
@@ -2219,33 +2242,33 @@
         <p:spPr>
           <a:xfrm>
             <a:off x="4655160" y="1437480"/>
-            <a:ext cx="3131280" cy="447840"/>
-          </a:xfrm>
-          <a:prstGeom prst="rect">
-            <a:avLst/>
-          </a:prstGeom>
-        </p:spPr>
-        <p:txBody>
-          <a:bodyPr bIns="0" lIns="0" rIns="0" tIns="0" wrap="none"/>
-          <a:p>
-            <a:endParaRPr/>
-          </a:p>
-        </p:txBody>
-      </p:sp>
-      <p:sp>
-        <p:nvSpPr>
-          <p:cNvPr id="125" name="PlaceHolder 4"/>
-          <p:cNvSpPr>
-            <a:spLocks noGrp="1"/>
-          </p:cNvSpPr>
-          <p:nvPr>
-            <p:ph type="body"/>
-          </p:nvPr>
-        </p:nvSpPr>
-        <p:spPr>
-          <a:xfrm>
-            <a:off x="4655160" y="1928160"/>
-            <a:ext cx="3131280" cy="447840"/>
+            <a:ext cx="3131280" cy="447480"/>
+          </a:xfrm>
+          <a:prstGeom prst="rect">
+            <a:avLst/>
+          </a:prstGeom>
+        </p:spPr>
+        <p:txBody>
+          <a:bodyPr bIns="0" lIns="0" rIns="0" tIns="0" wrap="none"/>
+          <a:p>
+            <a:endParaRPr/>
+          </a:p>
+        </p:txBody>
+      </p:sp>
+      <p:sp>
+        <p:nvSpPr>
+          <p:cNvPr id="116" name="PlaceHolder 4"/>
+          <p:cNvSpPr>
+            <a:spLocks noGrp="1"/>
+          </p:cNvSpPr>
+          <p:nvPr>
+            <p:ph type="body"/>
+          </p:nvPr>
+        </p:nvSpPr>
+        <p:spPr>
+          <a:xfrm>
+            <a:off x="4655160" y="1927800"/>
+            <a:ext cx="3131280" cy="447480"/>
           </a:xfrm>
           <a:prstGeom prst="rect">
             <a:avLst/>
@@ -2282,7 +2305,7 @@
       </p:grpSpPr>
       <p:sp>
         <p:nvSpPr>
-          <p:cNvPr id="126" name="PlaceHolder 1"/>
+          <p:cNvPr id="117" name="PlaceHolder 1"/>
           <p:cNvSpPr>
             <a:spLocks noGrp="1"/>
           </p:cNvSpPr>
@@ -2293,7 +2316,7 @@
         <p:spPr>
           <a:xfrm>
             <a:off x="690120" y="2463480"/>
-            <a:ext cx="7772040" cy="1523880"/>
+            <a:ext cx="7771680" cy="1523880"/>
           </a:xfrm>
           <a:prstGeom prst="rect">
             <a:avLst/>
@@ -2302,13 +2325,14 @@
         <p:txBody>
           <a:bodyPr anchor="ctr" bIns="0" lIns="0" rIns="0" tIns="0" wrap="none"/>
           <a:p>
-            <a:endParaRPr/>
-          </a:p>
-        </p:txBody>
-      </p:sp>
-      <p:sp>
-        <p:nvSpPr>
-          <p:cNvPr id="127" name="PlaceHolder 2"/>
+            <a:pPr algn="ctr"/>
+            <a:endParaRPr/>
+          </a:p>
+        </p:txBody>
+      </p:sp>
+      <p:sp>
+        <p:nvSpPr>
+          <p:cNvPr id="118" name="PlaceHolder 2"/>
           <p:cNvSpPr>
             <a:spLocks noGrp="1"/>
           </p:cNvSpPr>
@@ -2319,22 +2343,22 @@
         <p:spPr>
           <a:xfrm>
             <a:off x="1367280" y="1437480"/>
-            <a:ext cx="3131280" cy="447840"/>
-          </a:xfrm>
-          <a:prstGeom prst="rect">
-            <a:avLst/>
-          </a:prstGeom>
-        </p:spPr>
-        <p:txBody>
-          <a:bodyPr bIns="0" lIns="0" rIns="0" tIns="0" wrap="none"/>
-          <a:p>
-            <a:endParaRPr/>
-          </a:p>
-        </p:txBody>
-      </p:sp>
-      <p:sp>
-        <p:nvSpPr>
-          <p:cNvPr id="128" name="PlaceHolder 3"/>
+            <a:ext cx="3131280" cy="447480"/>
+          </a:xfrm>
+          <a:prstGeom prst="rect">
+            <a:avLst/>
+          </a:prstGeom>
+        </p:spPr>
+        <p:txBody>
+          <a:bodyPr bIns="0" lIns="0" rIns="0" tIns="0" wrap="none"/>
+          <a:p>
+            <a:endParaRPr/>
+          </a:p>
+        </p:txBody>
+      </p:sp>
+      <p:sp>
+        <p:nvSpPr>
+          <p:cNvPr id="119" name="PlaceHolder 3"/>
           <p:cNvSpPr>
             <a:spLocks noGrp="1"/>
           </p:cNvSpPr>
@@ -2345,33 +2369,33 @@
         <p:spPr>
           <a:xfrm>
             <a:off x="4655160" y="1437480"/>
-            <a:ext cx="3131280" cy="447840"/>
-          </a:xfrm>
-          <a:prstGeom prst="rect">
-            <a:avLst/>
-          </a:prstGeom>
-        </p:spPr>
-        <p:txBody>
-          <a:bodyPr bIns="0" lIns="0" rIns="0" tIns="0" wrap="none"/>
-          <a:p>
-            <a:endParaRPr/>
-          </a:p>
-        </p:txBody>
-      </p:sp>
-      <p:sp>
-        <p:nvSpPr>
-          <p:cNvPr id="129" name="PlaceHolder 4"/>
-          <p:cNvSpPr>
-            <a:spLocks noGrp="1"/>
-          </p:cNvSpPr>
-          <p:nvPr>
-            <p:ph type="body"/>
-          </p:nvPr>
-        </p:nvSpPr>
-        <p:spPr>
-          <a:xfrm>
-            <a:off x="1367280" y="1928160"/>
-            <a:ext cx="6416640" cy="447840"/>
+            <a:ext cx="3131280" cy="447480"/>
+          </a:xfrm>
+          <a:prstGeom prst="rect">
+            <a:avLst/>
+          </a:prstGeom>
+        </p:spPr>
+        <p:txBody>
+          <a:bodyPr bIns="0" lIns="0" rIns="0" tIns="0" wrap="none"/>
+          <a:p>
+            <a:endParaRPr/>
+          </a:p>
+        </p:txBody>
+      </p:sp>
+      <p:sp>
+        <p:nvSpPr>
+          <p:cNvPr id="120" name="PlaceHolder 4"/>
+          <p:cNvSpPr>
+            <a:spLocks noGrp="1"/>
+          </p:cNvSpPr>
+          <p:nvPr>
+            <p:ph type="body"/>
+          </p:nvPr>
+        </p:nvSpPr>
+        <p:spPr>
+          <a:xfrm>
+            <a:off x="1367280" y="1927800"/>
+            <a:ext cx="6416640" cy="447480"/>
           </a:xfrm>
           <a:prstGeom prst="rect">
             <a:avLst/>
@@ -2408,7 +2432,7 @@
       </p:grpSpPr>
       <p:sp>
         <p:nvSpPr>
-          <p:cNvPr id="130" name="PlaceHolder 1"/>
+          <p:cNvPr id="121" name="PlaceHolder 1"/>
           <p:cNvSpPr>
             <a:spLocks noGrp="1"/>
           </p:cNvSpPr>
@@ -2419,7 +2443,7 @@
         <p:spPr>
           <a:xfrm>
             <a:off x="690120" y="2463480"/>
-            <a:ext cx="7772040" cy="1523880"/>
+            <a:ext cx="7771680" cy="1523880"/>
           </a:xfrm>
           <a:prstGeom prst="rect">
             <a:avLst/>
@@ -2428,13 +2452,14 @@
         <p:txBody>
           <a:bodyPr anchor="ctr" bIns="0" lIns="0" rIns="0" tIns="0" wrap="none"/>
           <a:p>
-            <a:endParaRPr/>
-          </a:p>
-        </p:txBody>
-      </p:sp>
-      <p:sp>
-        <p:nvSpPr>
-          <p:cNvPr id="131" name="PlaceHolder 2"/>
+            <a:pPr algn="ctr"/>
+            <a:endParaRPr/>
+          </a:p>
+        </p:txBody>
+      </p:sp>
+      <p:sp>
+        <p:nvSpPr>
+          <p:cNvPr id="122" name="PlaceHolder 2"/>
           <p:cNvSpPr>
             <a:spLocks noGrp="1"/>
           </p:cNvSpPr>
@@ -2445,33 +2470,33 @@
         <p:spPr>
           <a:xfrm>
             <a:off x="1367280" y="1437480"/>
-            <a:ext cx="6417360" cy="447840"/>
-          </a:xfrm>
-          <a:prstGeom prst="rect">
-            <a:avLst/>
-          </a:prstGeom>
-        </p:spPr>
-        <p:txBody>
-          <a:bodyPr bIns="0" lIns="0" rIns="0" tIns="0" wrap="none"/>
-          <a:p>
-            <a:endParaRPr/>
-          </a:p>
-        </p:txBody>
-      </p:sp>
-      <p:sp>
-        <p:nvSpPr>
-          <p:cNvPr id="132" name="PlaceHolder 3"/>
-          <p:cNvSpPr>
-            <a:spLocks noGrp="1"/>
-          </p:cNvSpPr>
-          <p:nvPr>
-            <p:ph type="body"/>
-          </p:nvPr>
-        </p:nvSpPr>
-        <p:spPr>
-          <a:xfrm>
-            <a:off x="1367280" y="1928160"/>
-            <a:ext cx="6417360" cy="447840"/>
+            <a:ext cx="6417000" cy="447480"/>
+          </a:xfrm>
+          <a:prstGeom prst="rect">
+            <a:avLst/>
+          </a:prstGeom>
+        </p:spPr>
+        <p:txBody>
+          <a:bodyPr bIns="0" lIns="0" rIns="0" tIns="0" wrap="none"/>
+          <a:p>
+            <a:endParaRPr/>
+          </a:p>
+        </p:txBody>
+      </p:sp>
+      <p:sp>
+        <p:nvSpPr>
+          <p:cNvPr id="123" name="PlaceHolder 3"/>
+          <p:cNvSpPr>
+            <a:spLocks noGrp="1"/>
+          </p:cNvSpPr>
+          <p:nvPr>
+            <p:ph type="body"/>
+          </p:nvPr>
+        </p:nvSpPr>
+        <p:spPr>
+          <a:xfrm>
+            <a:off x="1367280" y="1927800"/>
+            <a:ext cx="6417000" cy="447480"/>
           </a:xfrm>
           <a:prstGeom prst="rect">
             <a:avLst/>
@@ -2508,7 +2533,7 @@
       </p:grpSpPr>
       <p:sp>
         <p:nvSpPr>
-          <p:cNvPr id="133" name="PlaceHolder 1"/>
+          <p:cNvPr id="124" name="PlaceHolder 1"/>
           <p:cNvSpPr>
             <a:spLocks noGrp="1"/>
           </p:cNvSpPr>
@@ -2519,7 +2544,7 @@
         <p:spPr>
           <a:xfrm>
             <a:off x="690120" y="2463480"/>
-            <a:ext cx="7772040" cy="1523880"/>
+            <a:ext cx="7771680" cy="1523880"/>
           </a:xfrm>
           <a:prstGeom prst="rect">
             <a:avLst/>
@@ -2528,13 +2553,14 @@
         <p:txBody>
           <a:bodyPr anchor="ctr" bIns="0" lIns="0" rIns="0" tIns="0" wrap="none"/>
           <a:p>
-            <a:endParaRPr/>
-          </a:p>
-        </p:txBody>
-      </p:sp>
-      <p:sp>
-        <p:nvSpPr>
-          <p:cNvPr id="134" name="PlaceHolder 2"/>
+            <a:pPr algn="ctr"/>
+            <a:endParaRPr/>
+          </a:p>
+        </p:txBody>
+      </p:sp>
+      <p:sp>
+        <p:nvSpPr>
+          <p:cNvPr id="125" name="PlaceHolder 2"/>
           <p:cNvSpPr>
             <a:spLocks noGrp="1"/>
           </p:cNvSpPr>
@@ -2545,22 +2571,22 @@
         <p:spPr>
           <a:xfrm>
             <a:off x="1367280" y="1437480"/>
-            <a:ext cx="3131280" cy="447840"/>
-          </a:xfrm>
-          <a:prstGeom prst="rect">
-            <a:avLst/>
-          </a:prstGeom>
-        </p:spPr>
-        <p:txBody>
-          <a:bodyPr bIns="0" lIns="0" rIns="0" tIns="0" wrap="none"/>
-          <a:p>
-            <a:endParaRPr/>
-          </a:p>
-        </p:txBody>
-      </p:sp>
-      <p:sp>
-        <p:nvSpPr>
-          <p:cNvPr id="135" name="PlaceHolder 3"/>
+            <a:ext cx="3131280" cy="447480"/>
+          </a:xfrm>
+          <a:prstGeom prst="rect">
+            <a:avLst/>
+          </a:prstGeom>
+        </p:spPr>
+        <p:txBody>
+          <a:bodyPr bIns="0" lIns="0" rIns="0" tIns="0" wrap="none"/>
+          <a:p>
+            <a:endParaRPr/>
+          </a:p>
+        </p:txBody>
+      </p:sp>
+      <p:sp>
+        <p:nvSpPr>
+          <p:cNvPr id="126" name="PlaceHolder 3"/>
           <p:cNvSpPr>
             <a:spLocks noGrp="1"/>
           </p:cNvSpPr>
@@ -2571,59 +2597,59 @@
         <p:spPr>
           <a:xfrm>
             <a:off x="4655160" y="1437480"/>
-            <a:ext cx="3131280" cy="447840"/>
-          </a:xfrm>
-          <a:prstGeom prst="rect">
-            <a:avLst/>
-          </a:prstGeom>
-        </p:spPr>
-        <p:txBody>
-          <a:bodyPr bIns="0" lIns="0" rIns="0" tIns="0" wrap="none"/>
-          <a:p>
-            <a:endParaRPr/>
-          </a:p>
-        </p:txBody>
-      </p:sp>
-      <p:sp>
-        <p:nvSpPr>
-          <p:cNvPr id="136" name="PlaceHolder 4"/>
-          <p:cNvSpPr>
-            <a:spLocks noGrp="1"/>
-          </p:cNvSpPr>
-          <p:nvPr>
-            <p:ph type="body"/>
-          </p:nvPr>
-        </p:nvSpPr>
-        <p:spPr>
-          <a:xfrm>
-            <a:off x="4655160" y="1928160"/>
-            <a:ext cx="3131280" cy="447840"/>
-          </a:xfrm>
-          <a:prstGeom prst="rect">
-            <a:avLst/>
-          </a:prstGeom>
-        </p:spPr>
-        <p:txBody>
-          <a:bodyPr bIns="0" lIns="0" rIns="0" tIns="0" wrap="none"/>
-          <a:p>
-            <a:endParaRPr/>
-          </a:p>
-        </p:txBody>
-      </p:sp>
-      <p:sp>
-        <p:nvSpPr>
-          <p:cNvPr id="137" name="PlaceHolder 5"/>
-          <p:cNvSpPr>
-            <a:spLocks noGrp="1"/>
-          </p:cNvSpPr>
-          <p:nvPr>
-            <p:ph type="body"/>
-          </p:nvPr>
-        </p:nvSpPr>
-        <p:spPr>
-          <a:xfrm>
-            <a:off x="1367280" y="1928160"/>
-            <a:ext cx="3131280" cy="447840"/>
+            <a:ext cx="3131280" cy="447480"/>
+          </a:xfrm>
+          <a:prstGeom prst="rect">
+            <a:avLst/>
+          </a:prstGeom>
+        </p:spPr>
+        <p:txBody>
+          <a:bodyPr bIns="0" lIns="0" rIns="0" tIns="0" wrap="none"/>
+          <a:p>
+            <a:endParaRPr/>
+          </a:p>
+        </p:txBody>
+      </p:sp>
+      <p:sp>
+        <p:nvSpPr>
+          <p:cNvPr id="127" name="PlaceHolder 4"/>
+          <p:cNvSpPr>
+            <a:spLocks noGrp="1"/>
+          </p:cNvSpPr>
+          <p:nvPr>
+            <p:ph type="body"/>
+          </p:nvPr>
+        </p:nvSpPr>
+        <p:spPr>
+          <a:xfrm>
+            <a:off x="4655160" y="1927800"/>
+            <a:ext cx="3131280" cy="447480"/>
+          </a:xfrm>
+          <a:prstGeom prst="rect">
+            <a:avLst/>
+          </a:prstGeom>
+        </p:spPr>
+        <p:txBody>
+          <a:bodyPr bIns="0" lIns="0" rIns="0" tIns="0" wrap="none"/>
+          <a:p>
+            <a:endParaRPr/>
+          </a:p>
+        </p:txBody>
+      </p:sp>
+      <p:sp>
+        <p:nvSpPr>
+          <p:cNvPr id="128" name="PlaceHolder 5"/>
+          <p:cNvSpPr>
+            <a:spLocks noGrp="1"/>
+          </p:cNvSpPr>
+          <p:nvPr>
+            <p:ph type="body"/>
+          </p:nvPr>
+        </p:nvSpPr>
+        <p:spPr>
+          <a:xfrm>
+            <a:off x="1367280" y="1927800"/>
+            <a:ext cx="3131280" cy="447480"/>
           </a:xfrm>
           <a:prstGeom prst="rect">
             <a:avLst/>
@@ -2660,7 +2686,7 @@
       </p:grpSpPr>
       <p:sp>
         <p:nvSpPr>
-          <p:cNvPr id="138" name="PlaceHolder 1"/>
+          <p:cNvPr id="129" name="PlaceHolder 1"/>
           <p:cNvSpPr>
             <a:spLocks noGrp="1"/>
           </p:cNvSpPr>
@@ -2671,7 +2697,7 @@
         <p:spPr>
           <a:xfrm>
             <a:off x="690120" y="2463480"/>
-            <a:ext cx="7772040" cy="1523880"/>
+            <a:ext cx="7771680" cy="1523880"/>
           </a:xfrm>
           <a:prstGeom prst="rect">
             <a:avLst/>
@@ -2680,13 +2706,14 @@
         <p:txBody>
           <a:bodyPr anchor="ctr" bIns="0" lIns="0" rIns="0" tIns="0" wrap="none"/>
           <a:p>
-            <a:endParaRPr/>
-          </a:p>
-        </p:txBody>
-      </p:sp>
-      <p:sp>
-        <p:nvSpPr>
-          <p:cNvPr id="139" name="PlaceHolder 2"/>
+            <a:pPr algn="ctr"/>
+            <a:endParaRPr/>
+          </a:p>
+        </p:txBody>
+      </p:sp>
+      <p:sp>
+        <p:nvSpPr>
+          <p:cNvPr id="130" name="PlaceHolder 2"/>
           <p:cNvSpPr>
             <a:spLocks noGrp="1"/>
           </p:cNvSpPr>
@@ -2697,22 +2724,22 @@
         <p:spPr>
           <a:xfrm>
             <a:off x="1367280" y="1437480"/>
-            <a:ext cx="3131280" cy="447840"/>
-          </a:xfrm>
-          <a:prstGeom prst="rect">
-            <a:avLst/>
-          </a:prstGeom>
-        </p:spPr>
-        <p:txBody>
-          <a:bodyPr bIns="0" lIns="0" rIns="0" tIns="0" wrap="none"/>
-          <a:p>
-            <a:endParaRPr/>
-          </a:p>
-        </p:txBody>
-      </p:sp>
-      <p:sp>
-        <p:nvSpPr>
-          <p:cNvPr id="140" name="PlaceHolder 3"/>
+            <a:ext cx="3131280" cy="447480"/>
+          </a:xfrm>
+          <a:prstGeom prst="rect">
+            <a:avLst/>
+          </a:prstGeom>
+        </p:spPr>
+        <p:txBody>
+          <a:bodyPr bIns="0" lIns="0" rIns="0" tIns="0" wrap="none"/>
+          <a:p>
+            <a:endParaRPr/>
+          </a:p>
+        </p:txBody>
+      </p:sp>
+      <p:sp>
+        <p:nvSpPr>
+          <p:cNvPr id="131" name="PlaceHolder 3"/>
           <p:cNvSpPr>
             <a:spLocks noGrp="1"/>
           </p:cNvSpPr>
@@ -2723,7 +2750,180 @@
         <p:spPr>
           <a:xfrm>
             <a:off x="4655160" y="1437480"/>
-            <a:ext cx="3131280" cy="447840"/>
+            <a:ext cx="3131280" cy="447480"/>
+          </a:xfrm>
+          <a:prstGeom prst="rect">
+            <a:avLst/>
+          </a:prstGeom>
+        </p:spPr>
+        <p:txBody>
+          <a:bodyPr bIns="0" lIns="0" rIns="0" tIns="0" wrap="none"/>
+          <a:p>
+            <a:endParaRPr/>
+          </a:p>
+        </p:txBody>
+      </p:sp>
+    </p:spTree>
+  </p:cSld>
+</p:sldLayout>
+</file>
+
+<file path=ppt/slideLayouts/slideLayout37.xml><?xml version="1.0" encoding="utf-8"?>
+<p:sldLayout xmlns:a="http://schemas.openxmlformats.org/drawingml/2006/main" xmlns:p="http://schemas.openxmlformats.org/presentationml/2006/main" xmlns:r="http://schemas.openxmlformats.org/officeDocument/2006/relationships" preserve="1" type="blank">
+  <p:cSld name="Blank Slide">
+    <p:spTree>
+      <p:nvGrpSpPr>
+        <p:cNvPr id="1" name=""/>
+        <p:cNvGrpSpPr/>
+        <p:nvPr/>
+      </p:nvGrpSpPr>
+      <p:grpSpPr>
+        <a:xfrm>
+          <a:off x="0" y="0"/>
+          <a:ext cx="0" cy="0"/>
+          <a:chOff x="0" y="0"/>
+          <a:chExt cx="0" cy="0"/>
+        </a:xfrm>
+      </p:grpSpPr>
+    </p:spTree>
+  </p:cSld>
+</p:sldLayout>
+</file>
+
+<file path=ppt/slideLayouts/slideLayout38.xml><?xml version="1.0" encoding="utf-8"?>
+<p:sldLayout xmlns:a="http://schemas.openxmlformats.org/drawingml/2006/main" xmlns:p="http://schemas.openxmlformats.org/presentationml/2006/main" xmlns:r="http://schemas.openxmlformats.org/officeDocument/2006/relationships" preserve="1" type="tx">
+  <p:cSld name="Title Slide">
+    <p:spTree>
+      <p:nvGrpSpPr>
+        <p:cNvPr id="1" name=""/>
+        <p:cNvGrpSpPr/>
+        <p:nvPr/>
+      </p:nvGrpSpPr>
+      <p:grpSpPr>
+        <a:xfrm>
+          <a:off x="0" y="0"/>
+          <a:ext cx="0" cy="0"/>
+          <a:chOff x="0" y="0"/>
+          <a:chExt cx="0" cy="0"/>
+        </a:xfrm>
+      </p:grpSpPr>
+      <p:sp>
+        <p:nvSpPr>
+          <p:cNvPr id="146" name="PlaceHolder 1"/>
+          <p:cNvSpPr>
+            <a:spLocks noGrp="1"/>
+          </p:cNvSpPr>
+          <p:nvPr>
+            <p:ph type="title"/>
+          </p:nvPr>
+        </p:nvSpPr>
+        <p:spPr>
+          <a:xfrm>
+            <a:off x="690120" y="2463480"/>
+            <a:ext cx="7771680" cy="1523880"/>
+          </a:xfrm>
+          <a:prstGeom prst="rect">
+            <a:avLst/>
+          </a:prstGeom>
+        </p:spPr>
+        <p:txBody>
+          <a:bodyPr anchor="ctr" bIns="0" lIns="0" rIns="0" tIns="0" wrap="none"/>
+          <a:p>
+            <a:pPr algn="ctr"/>
+            <a:endParaRPr/>
+          </a:p>
+        </p:txBody>
+      </p:sp>
+      <p:sp>
+        <p:nvSpPr>
+          <p:cNvPr id="147" name="PlaceHolder 2"/>
+          <p:cNvSpPr>
+            <a:spLocks noGrp="1"/>
+          </p:cNvSpPr>
+          <p:nvPr>
+            <p:ph type="subTitle"/>
+          </p:nvPr>
+        </p:nvSpPr>
+        <p:spPr>
+          <a:xfrm>
+            <a:off x="1367280" y="1437480"/>
+            <a:ext cx="6417000" cy="939600"/>
+          </a:xfrm>
+          <a:prstGeom prst="rect">
+            <a:avLst/>
+          </a:prstGeom>
+        </p:spPr>
+        <p:txBody>
+          <a:bodyPr anchor="ctr" bIns="0" lIns="0" rIns="0" tIns="0" wrap="none"/>
+          <a:p>
+            <a:pPr algn="ctr"/>
+            <a:endParaRPr/>
+          </a:p>
+        </p:txBody>
+      </p:sp>
+    </p:spTree>
+  </p:cSld>
+</p:sldLayout>
+</file>
+
+<file path=ppt/slideLayouts/slideLayout39.xml><?xml version="1.0" encoding="utf-8"?>
+<p:sldLayout xmlns:a="http://schemas.openxmlformats.org/drawingml/2006/main" xmlns:p="http://schemas.openxmlformats.org/presentationml/2006/main" xmlns:r="http://schemas.openxmlformats.org/officeDocument/2006/relationships" preserve="1" type="obj">
+  <p:cSld name="Title, Content">
+    <p:spTree>
+      <p:nvGrpSpPr>
+        <p:cNvPr id="1" name=""/>
+        <p:cNvGrpSpPr/>
+        <p:nvPr/>
+      </p:nvGrpSpPr>
+      <p:grpSpPr>
+        <a:xfrm>
+          <a:off x="0" y="0"/>
+          <a:ext cx="0" cy="0"/>
+          <a:chOff x="0" y="0"/>
+          <a:chExt cx="0" cy="0"/>
+        </a:xfrm>
+      </p:grpSpPr>
+      <p:sp>
+        <p:nvSpPr>
+          <p:cNvPr id="148" name="PlaceHolder 1"/>
+          <p:cNvSpPr>
+            <a:spLocks noGrp="1"/>
+          </p:cNvSpPr>
+          <p:nvPr>
+            <p:ph type="title"/>
+          </p:nvPr>
+        </p:nvSpPr>
+        <p:spPr>
+          <a:xfrm>
+            <a:off x="690120" y="2463480"/>
+            <a:ext cx="7771680" cy="1523880"/>
+          </a:xfrm>
+          <a:prstGeom prst="rect">
+            <a:avLst/>
+          </a:prstGeom>
+        </p:spPr>
+        <p:txBody>
+          <a:bodyPr anchor="ctr" bIns="0" lIns="0" rIns="0" tIns="0" wrap="none"/>
+          <a:p>
+            <a:pPr algn="ctr"/>
+            <a:endParaRPr/>
+          </a:p>
+        </p:txBody>
+      </p:sp>
+      <p:sp>
+        <p:nvSpPr>
+          <p:cNvPr id="149" name="PlaceHolder 2"/>
+          <p:cNvSpPr>
+            <a:spLocks noGrp="1"/>
+          </p:cNvSpPr>
+          <p:nvPr>
+            <p:ph type="body"/>
+          </p:nvPr>
+        </p:nvSpPr>
+        <p:spPr>
+          <a:xfrm>
+            <a:off x="1367280" y="1437480"/>
+            <a:ext cx="6417000" cy="939240"/>
           </a:xfrm>
           <a:prstGeom prst="rect">
             <a:avLst/>
@@ -2760,7 +2960,7 @@
       </p:grpSpPr>
       <p:sp>
         <p:nvSpPr>
-          <p:cNvPr id="21" name="PlaceHolder 1"/>
+          <p:cNvPr id="18" name="PlaceHolder 1"/>
           <p:cNvSpPr>
             <a:spLocks noGrp="1"/>
           </p:cNvSpPr>
@@ -2771,7 +2971,7 @@
         <p:spPr>
           <a:xfrm>
             <a:off x="690120" y="2463480"/>
-            <a:ext cx="7772040" cy="1523880"/>
+            <a:ext cx="7771680" cy="1523880"/>
           </a:xfrm>
           <a:prstGeom prst="rect">
             <a:avLst/>
@@ -2780,13 +2980,14 @@
         <p:txBody>
           <a:bodyPr anchor="ctr" bIns="0" lIns="0" rIns="0" tIns="0" wrap="none"/>
           <a:p>
-            <a:endParaRPr/>
-          </a:p>
-        </p:txBody>
-      </p:sp>
-      <p:sp>
-        <p:nvSpPr>
-          <p:cNvPr id="22" name="PlaceHolder 2"/>
+            <a:pPr algn="ctr"/>
+            <a:endParaRPr/>
+          </a:p>
+        </p:txBody>
+      </p:sp>
+      <p:sp>
+        <p:nvSpPr>
+          <p:cNvPr id="19" name="PlaceHolder 2"/>
           <p:cNvSpPr>
             <a:spLocks noGrp="1"/>
           </p:cNvSpPr>
@@ -2797,22 +2998,22 @@
         <p:spPr>
           <a:xfrm>
             <a:off x="1367280" y="1437480"/>
-            <a:ext cx="3131280" cy="939600"/>
-          </a:xfrm>
-          <a:prstGeom prst="rect">
-            <a:avLst/>
-          </a:prstGeom>
-        </p:spPr>
-        <p:txBody>
-          <a:bodyPr bIns="0" lIns="0" rIns="0" tIns="0" wrap="none"/>
-          <a:p>
-            <a:endParaRPr/>
-          </a:p>
-        </p:txBody>
-      </p:sp>
-      <p:sp>
-        <p:nvSpPr>
-          <p:cNvPr id="23" name="PlaceHolder 3"/>
+            <a:ext cx="3131280" cy="939240"/>
+          </a:xfrm>
+          <a:prstGeom prst="rect">
+            <a:avLst/>
+          </a:prstGeom>
+        </p:spPr>
+        <p:txBody>
+          <a:bodyPr bIns="0" lIns="0" rIns="0" tIns="0" wrap="none"/>
+          <a:p>
+            <a:endParaRPr/>
+          </a:p>
+        </p:txBody>
+      </p:sp>
+      <p:sp>
+        <p:nvSpPr>
+          <p:cNvPr id="20" name="PlaceHolder 3"/>
           <p:cNvSpPr>
             <a:spLocks noGrp="1"/>
           </p:cNvSpPr>
@@ -2823,19 +3024,976 @@
         <p:spPr>
           <a:xfrm>
             <a:off x="4655160" y="1437480"/>
-            <a:ext cx="3131280" cy="939600"/>
-          </a:xfrm>
-          <a:prstGeom prst="rect">
-            <a:avLst/>
-          </a:prstGeom>
-        </p:spPr>
-        <p:txBody>
-          <a:bodyPr bIns="0" lIns="0" rIns="0" tIns="0" wrap="none"/>
-          <a:p>
-            <a:endParaRPr/>
-          </a:p>
-        </p:txBody>
-      </p:sp>
+            <a:ext cx="3131280" cy="939240"/>
+          </a:xfrm>
+          <a:prstGeom prst="rect">
+            <a:avLst/>
+          </a:prstGeom>
+        </p:spPr>
+        <p:txBody>
+          <a:bodyPr bIns="0" lIns="0" rIns="0" tIns="0" wrap="none"/>
+          <a:p>
+            <a:endParaRPr/>
+          </a:p>
+        </p:txBody>
+      </p:sp>
+    </p:spTree>
+  </p:cSld>
+</p:sldLayout>
+</file>
+
+<file path=ppt/slideLayouts/slideLayout40.xml><?xml version="1.0" encoding="utf-8"?>
+<p:sldLayout xmlns:a="http://schemas.openxmlformats.org/drawingml/2006/main" xmlns:p="http://schemas.openxmlformats.org/presentationml/2006/main" xmlns:r="http://schemas.openxmlformats.org/officeDocument/2006/relationships" preserve="1" type="twoObj">
+  <p:cSld name="Title, 2 Content">
+    <p:spTree>
+      <p:nvGrpSpPr>
+        <p:cNvPr id="1" name=""/>
+        <p:cNvGrpSpPr/>
+        <p:nvPr/>
+      </p:nvGrpSpPr>
+      <p:grpSpPr>
+        <a:xfrm>
+          <a:off x="0" y="0"/>
+          <a:ext cx="0" cy="0"/>
+          <a:chOff x="0" y="0"/>
+          <a:chExt cx="0" cy="0"/>
+        </a:xfrm>
+      </p:grpSpPr>
+      <p:sp>
+        <p:nvSpPr>
+          <p:cNvPr id="150" name="PlaceHolder 1"/>
+          <p:cNvSpPr>
+            <a:spLocks noGrp="1"/>
+          </p:cNvSpPr>
+          <p:nvPr>
+            <p:ph type="title"/>
+          </p:nvPr>
+        </p:nvSpPr>
+        <p:spPr>
+          <a:xfrm>
+            <a:off x="690120" y="2463480"/>
+            <a:ext cx="7771680" cy="1523880"/>
+          </a:xfrm>
+          <a:prstGeom prst="rect">
+            <a:avLst/>
+          </a:prstGeom>
+        </p:spPr>
+        <p:txBody>
+          <a:bodyPr anchor="ctr" bIns="0" lIns="0" rIns="0" tIns="0" wrap="none"/>
+          <a:p>
+            <a:pPr algn="ctr"/>
+            <a:endParaRPr/>
+          </a:p>
+        </p:txBody>
+      </p:sp>
+      <p:sp>
+        <p:nvSpPr>
+          <p:cNvPr id="151" name="PlaceHolder 2"/>
+          <p:cNvSpPr>
+            <a:spLocks noGrp="1"/>
+          </p:cNvSpPr>
+          <p:nvPr>
+            <p:ph type="body"/>
+          </p:nvPr>
+        </p:nvSpPr>
+        <p:spPr>
+          <a:xfrm>
+            <a:off x="1367280" y="1437480"/>
+            <a:ext cx="3131280" cy="939240"/>
+          </a:xfrm>
+          <a:prstGeom prst="rect">
+            <a:avLst/>
+          </a:prstGeom>
+        </p:spPr>
+        <p:txBody>
+          <a:bodyPr bIns="0" lIns="0" rIns="0" tIns="0" wrap="none"/>
+          <a:p>
+            <a:endParaRPr/>
+          </a:p>
+        </p:txBody>
+      </p:sp>
+      <p:sp>
+        <p:nvSpPr>
+          <p:cNvPr id="152" name="PlaceHolder 3"/>
+          <p:cNvSpPr>
+            <a:spLocks noGrp="1"/>
+          </p:cNvSpPr>
+          <p:nvPr>
+            <p:ph type="body"/>
+          </p:nvPr>
+        </p:nvSpPr>
+        <p:spPr>
+          <a:xfrm>
+            <a:off x="4655160" y="1437480"/>
+            <a:ext cx="3131280" cy="939240"/>
+          </a:xfrm>
+          <a:prstGeom prst="rect">
+            <a:avLst/>
+          </a:prstGeom>
+        </p:spPr>
+        <p:txBody>
+          <a:bodyPr bIns="0" lIns="0" rIns="0" tIns="0" wrap="none"/>
+          <a:p>
+            <a:endParaRPr/>
+          </a:p>
+        </p:txBody>
+      </p:sp>
+    </p:spTree>
+  </p:cSld>
+</p:sldLayout>
+</file>
+
+<file path=ppt/slideLayouts/slideLayout41.xml><?xml version="1.0" encoding="utf-8"?>
+<p:sldLayout xmlns:a="http://schemas.openxmlformats.org/drawingml/2006/main" xmlns:p="http://schemas.openxmlformats.org/presentationml/2006/main" xmlns:r="http://schemas.openxmlformats.org/officeDocument/2006/relationships" preserve="1" type="titleOnly">
+  <p:cSld name="Title Only">
+    <p:spTree>
+      <p:nvGrpSpPr>
+        <p:cNvPr id="1" name=""/>
+        <p:cNvGrpSpPr/>
+        <p:nvPr/>
+      </p:nvGrpSpPr>
+      <p:grpSpPr>
+        <a:xfrm>
+          <a:off x="0" y="0"/>
+          <a:ext cx="0" cy="0"/>
+          <a:chOff x="0" y="0"/>
+          <a:chExt cx="0" cy="0"/>
+        </a:xfrm>
+      </p:grpSpPr>
+      <p:sp>
+        <p:nvSpPr>
+          <p:cNvPr id="153" name="PlaceHolder 1"/>
+          <p:cNvSpPr>
+            <a:spLocks noGrp="1"/>
+          </p:cNvSpPr>
+          <p:nvPr>
+            <p:ph type="title"/>
+          </p:nvPr>
+        </p:nvSpPr>
+        <p:spPr>
+          <a:xfrm>
+            <a:off x="690120" y="2463480"/>
+            <a:ext cx="7771680" cy="1523880"/>
+          </a:xfrm>
+          <a:prstGeom prst="rect">
+            <a:avLst/>
+          </a:prstGeom>
+        </p:spPr>
+        <p:txBody>
+          <a:bodyPr anchor="ctr" bIns="0" lIns="0" rIns="0" tIns="0" wrap="none"/>
+          <a:p>
+            <a:pPr algn="ctr"/>
+            <a:endParaRPr/>
+          </a:p>
+        </p:txBody>
+      </p:sp>
+    </p:spTree>
+  </p:cSld>
+</p:sldLayout>
+</file>
+
+<file path=ppt/slideLayouts/slideLayout42.xml><?xml version="1.0" encoding="utf-8"?>
+<p:sldLayout xmlns:a="http://schemas.openxmlformats.org/drawingml/2006/main" xmlns:p="http://schemas.openxmlformats.org/presentationml/2006/main" xmlns:r="http://schemas.openxmlformats.org/officeDocument/2006/relationships" preserve="1" type="objOnly">
+  <p:cSld name="Centered Text">
+    <p:spTree>
+      <p:nvGrpSpPr>
+        <p:cNvPr id="1" name=""/>
+        <p:cNvGrpSpPr/>
+        <p:nvPr/>
+      </p:nvGrpSpPr>
+      <p:grpSpPr>
+        <a:xfrm>
+          <a:off x="0" y="0"/>
+          <a:ext cx="0" cy="0"/>
+          <a:chOff x="0" y="0"/>
+          <a:chExt cx="0" cy="0"/>
+        </a:xfrm>
+      </p:grpSpPr>
+      <p:sp>
+        <p:nvSpPr>
+          <p:cNvPr id="154" name="PlaceHolder 1"/>
+          <p:cNvSpPr>
+            <a:spLocks noGrp="1"/>
+          </p:cNvSpPr>
+          <p:nvPr>
+            <p:ph type="subTitle"/>
+          </p:nvPr>
+        </p:nvSpPr>
+        <p:spPr>
+          <a:xfrm>
+            <a:off x="690120" y="2192400"/>
+            <a:ext cx="7771680" cy="456120"/>
+          </a:xfrm>
+          <a:prstGeom prst="rect">
+            <a:avLst/>
+          </a:prstGeom>
+        </p:spPr>
+        <p:txBody>
+          <a:bodyPr anchor="ctr" bIns="0" lIns="0" rIns="0" tIns="0" wrap="none"/>
+          <a:p>
+            <a:pPr algn="ctr"/>
+            <a:endParaRPr/>
+          </a:p>
+        </p:txBody>
+      </p:sp>
+    </p:spTree>
+  </p:cSld>
+</p:sldLayout>
+</file>
+
+<file path=ppt/slideLayouts/slideLayout43.xml><?xml version="1.0" encoding="utf-8"?>
+<p:sldLayout xmlns:a="http://schemas.openxmlformats.org/drawingml/2006/main" xmlns:p="http://schemas.openxmlformats.org/presentationml/2006/main" xmlns:r="http://schemas.openxmlformats.org/officeDocument/2006/relationships" preserve="1" type="twoObjAndObj">
+  <p:cSld name="Title, 2 Content and Content">
+    <p:spTree>
+      <p:nvGrpSpPr>
+        <p:cNvPr id="1" name=""/>
+        <p:cNvGrpSpPr/>
+        <p:nvPr/>
+      </p:nvGrpSpPr>
+      <p:grpSpPr>
+        <a:xfrm>
+          <a:off x="0" y="0"/>
+          <a:ext cx="0" cy="0"/>
+          <a:chOff x="0" y="0"/>
+          <a:chExt cx="0" cy="0"/>
+        </a:xfrm>
+      </p:grpSpPr>
+      <p:sp>
+        <p:nvSpPr>
+          <p:cNvPr id="155" name="PlaceHolder 1"/>
+          <p:cNvSpPr>
+            <a:spLocks noGrp="1"/>
+          </p:cNvSpPr>
+          <p:nvPr>
+            <p:ph type="title"/>
+          </p:nvPr>
+        </p:nvSpPr>
+        <p:spPr>
+          <a:xfrm>
+            <a:off x="690120" y="2463480"/>
+            <a:ext cx="7771680" cy="1523880"/>
+          </a:xfrm>
+          <a:prstGeom prst="rect">
+            <a:avLst/>
+          </a:prstGeom>
+        </p:spPr>
+        <p:txBody>
+          <a:bodyPr anchor="ctr" bIns="0" lIns="0" rIns="0" tIns="0" wrap="none"/>
+          <a:p>
+            <a:pPr algn="ctr"/>
+            <a:endParaRPr/>
+          </a:p>
+        </p:txBody>
+      </p:sp>
+      <p:sp>
+        <p:nvSpPr>
+          <p:cNvPr id="156" name="PlaceHolder 2"/>
+          <p:cNvSpPr>
+            <a:spLocks noGrp="1"/>
+          </p:cNvSpPr>
+          <p:nvPr>
+            <p:ph type="body"/>
+          </p:nvPr>
+        </p:nvSpPr>
+        <p:spPr>
+          <a:xfrm>
+            <a:off x="1367280" y="1437480"/>
+            <a:ext cx="3131280" cy="447480"/>
+          </a:xfrm>
+          <a:prstGeom prst="rect">
+            <a:avLst/>
+          </a:prstGeom>
+        </p:spPr>
+        <p:txBody>
+          <a:bodyPr bIns="0" lIns="0" rIns="0" tIns="0" wrap="none"/>
+          <a:p>
+            <a:endParaRPr/>
+          </a:p>
+        </p:txBody>
+      </p:sp>
+      <p:sp>
+        <p:nvSpPr>
+          <p:cNvPr id="157" name="PlaceHolder 3"/>
+          <p:cNvSpPr>
+            <a:spLocks noGrp="1"/>
+          </p:cNvSpPr>
+          <p:nvPr>
+            <p:ph type="body"/>
+          </p:nvPr>
+        </p:nvSpPr>
+        <p:spPr>
+          <a:xfrm>
+            <a:off x="1367280" y="1927800"/>
+            <a:ext cx="3131280" cy="447480"/>
+          </a:xfrm>
+          <a:prstGeom prst="rect">
+            <a:avLst/>
+          </a:prstGeom>
+        </p:spPr>
+        <p:txBody>
+          <a:bodyPr bIns="0" lIns="0" rIns="0" tIns="0" wrap="none"/>
+          <a:p>
+            <a:endParaRPr/>
+          </a:p>
+        </p:txBody>
+      </p:sp>
+      <p:sp>
+        <p:nvSpPr>
+          <p:cNvPr id="158" name="PlaceHolder 4"/>
+          <p:cNvSpPr>
+            <a:spLocks noGrp="1"/>
+          </p:cNvSpPr>
+          <p:nvPr>
+            <p:ph type="body"/>
+          </p:nvPr>
+        </p:nvSpPr>
+        <p:spPr>
+          <a:xfrm>
+            <a:off x="4655160" y="1437480"/>
+            <a:ext cx="3131280" cy="939240"/>
+          </a:xfrm>
+          <a:prstGeom prst="rect">
+            <a:avLst/>
+          </a:prstGeom>
+        </p:spPr>
+        <p:txBody>
+          <a:bodyPr bIns="0" lIns="0" rIns="0" tIns="0" wrap="none"/>
+          <a:p>
+            <a:endParaRPr/>
+          </a:p>
+        </p:txBody>
+      </p:sp>
+    </p:spTree>
+  </p:cSld>
+</p:sldLayout>
+</file>
+
+<file path=ppt/slideLayouts/slideLayout44.xml><?xml version="1.0" encoding="utf-8"?>
+<p:sldLayout xmlns:a="http://schemas.openxmlformats.org/drawingml/2006/main" xmlns:p="http://schemas.openxmlformats.org/presentationml/2006/main" xmlns:r="http://schemas.openxmlformats.org/officeDocument/2006/relationships" preserve="1" type="objAndTwoObj">
+  <p:cSld name="Title Content and 2 Content">
+    <p:spTree>
+      <p:nvGrpSpPr>
+        <p:cNvPr id="1" name=""/>
+        <p:cNvGrpSpPr/>
+        <p:nvPr/>
+      </p:nvGrpSpPr>
+      <p:grpSpPr>
+        <a:xfrm>
+          <a:off x="0" y="0"/>
+          <a:ext cx="0" cy="0"/>
+          <a:chOff x="0" y="0"/>
+          <a:chExt cx="0" cy="0"/>
+        </a:xfrm>
+      </p:grpSpPr>
+      <p:sp>
+        <p:nvSpPr>
+          <p:cNvPr id="159" name="PlaceHolder 1"/>
+          <p:cNvSpPr>
+            <a:spLocks noGrp="1"/>
+          </p:cNvSpPr>
+          <p:nvPr>
+            <p:ph type="title"/>
+          </p:nvPr>
+        </p:nvSpPr>
+        <p:spPr>
+          <a:xfrm>
+            <a:off x="690120" y="2463480"/>
+            <a:ext cx="7771680" cy="1523880"/>
+          </a:xfrm>
+          <a:prstGeom prst="rect">
+            <a:avLst/>
+          </a:prstGeom>
+        </p:spPr>
+        <p:txBody>
+          <a:bodyPr anchor="ctr" bIns="0" lIns="0" rIns="0" tIns="0" wrap="none"/>
+          <a:p>
+            <a:pPr algn="ctr"/>
+            <a:endParaRPr/>
+          </a:p>
+        </p:txBody>
+      </p:sp>
+      <p:sp>
+        <p:nvSpPr>
+          <p:cNvPr id="160" name="PlaceHolder 2"/>
+          <p:cNvSpPr>
+            <a:spLocks noGrp="1"/>
+          </p:cNvSpPr>
+          <p:nvPr>
+            <p:ph type="body"/>
+          </p:nvPr>
+        </p:nvSpPr>
+        <p:spPr>
+          <a:xfrm>
+            <a:off x="1367280" y="1437480"/>
+            <a:ext cx="3131280" cy="939240"/>
+          </a:xfrm>
+          <a:prstGeom prst="rect">
+            <a:avLst/>
+          </a:prstGeom>
+        </p:spPr>
+        <p:txBody>
+          <a:bodyPr bIns="0" lIns="0" rIns="0" tIns="0" wrap="none"/>
+          <a:p>
+            <a:endParaRPr/>
+          </a:p>
+        </p:txBody>
+      </p:sp>
+      <p:sp>
+        <p:nvSpPr>
+          <p:cNvPr id="161" name="PlaceHolder 3"/>
+          <p:cNvSpPr>
+            <a:spLocks noGrp="1"/>
+          </p:cNvSpPr>
+          <p:nvPr>
+            <p:ph type="body"/>
+          </p:nvPr>
+        </p:nvSpPr>
+        <p:spPr>
+          <a:xfrm>
+            <a:off x="4655160" y="1437480"/>
+            <a:ext cx="3131280" cy="447480"/>
+          </a:xfrm>
+          <a:prstGeom prst="rect">
+            <a:avLst/>
+          </a:prstGeom>
+        </p:spPr>
+        <p:txBody>
+          <a:bodyPr bIns="0" lIns="0" rIns="0" tIns="0" wrap="none"/>
+          <a:p>
+            <a:endParaRPr/>
+          </a:p>
+        </p:txBody>
+      </p:sp>
+      <p:sp>
+        <p:nvSpPr>
+          <p:cNvPr id="162" name="PlaceHolder 4"/>
+          <p:cNvSpPr>
+            <a:spLocks noGrp="1"/>
+          </p:cNvSpPr>
+          <p:nvPr>
+            <p:ph type="body"/>
+          </p:nvPr>
+        </p:nvSpPr>
+        <p:spPr>
+          <a:xfrm>
+            <a:off x="4655160" y="1927800"/>
+            <a:ext cx="3131280" cy="447480"/>
+          </a:xfrm>
+          <a:prstGeom prst="rect">
+            <a:avLst/>
+          </a:prstGeom>
+        </p:spPr>
+        <p:txBody>
+          <a:bodyPr bIns="0" lIns="0" rIns="0" tIns="0" wrap="none"/>
+          <a:p>
+            <a:endParaRPr/>
+          </a:p>
+        </p:txBody>
+      </p:sp>
+    </p:spTree>
+  </p:cSld>
+</p:sldLayout>
+</file>
+
+<file path=ppt/slideLayouts/slideLayout45.xml><?xml version="1.0" encoding="utf-8"?>
+<p:sldLayout xmlns:a="http://schemas.openxmlformats.org/drawingml/2006/main" xmlns:p="http://schemas.openxmlformats.org/presentationml/2006/main" xmlns:r="http://schemas.openxmlformats.org/officeDocument/2006/relationships" preserve="1" type="twoObjOverTx">
+  <p:cSld name="Title, 2 Content over Content">
+    <p:spTree>
+      <p:nvGrpSpPr>
+        <p:cNvPr id="1" name=""/>
+        <p:cNvGrpSpPr/>
+        <p:nvPr/>
+      </p:nvGrpSpPr>
+      <p:grpSpPr>
+        <a:xfrm>
+          <a:off x="0" y="0"/>
+          <a:ext cx="0" cy="0"/>
+          <a:chOff x="0" y="0"/>
+          <a:chExt cx="0" cy="0"/>
+        </a:xfrm>
+      </p:grpSpPr>
+      <p:sp>
+        <p:nvSpPr>
+          <p:cNvPr id="163" name="PlaceHolder 1"/>
+          <p:cNvSpPr>
+            <a:spLocks noGrp="1"/>
+          </p:cNvSpPr>
+          <p:nvPr>
+            <p:ph type="title"/>
+          </p:nvPr>
+        </p:nvSpPr>
+        <p:spPr>
+          <a:xfrm>
+            <a:off x="690120" y="2463480"/>
+            <a:ext cx="7771680" cy="1523880"/>
+          </a:xfrm>
+          <a:prstGeom prst="rect">
+            <a:avLst/>
+          </a:prstGeom>
+        </p:spPr>
+        <p:txBody>
+          <a:bodyPr anchor="ctr" bIns="0" lIns="0" rIns="0" tIns="0" wrap="none"/>
+          <a:p>
+            <a:pPr algn="ctr"/>
+            <a:endParaRPr/>
+          </a:p>
+        </p:txBody>
+      </p:sp>
+      <p:sp>
+        <p:nvSpPr>
+          <p:cNvPr id="164" name="PlaceHolder 2"/>
+          <p:cNvSpPr>
+            <a:spLocks noGrp="1"/>
+          </p:cNvSpPr>
+          <p:nvPr>
+            <p:ph type="body"/>
+          </p:nvPr>
+        </p:nvSpPr>
+        <p:spPr>
+          <a:xfrm>
+            <a:off x="1367280" y="1437480"/>
+            <a:ext cx="3131280" cy="447480"/>
+          </a:xfrm>
+          <a:prstGeom prst="rect">
+            <a:avLst/>
+          </a:prstGeom>
+        </p:spPr>
+        <p:txBody>
+          <a:bodyPr bIns="0" lIns="0" rIns="0" tIns="0" wrap="none"/>
+          <a:p>
+            <a:endParaRPr/>
+          </a:p>
+        </p:txBody>
+      </p:sp>
+      <p:sp>
+        <p:nvSpPr>
+          <p:cNvPr id="165" name="PlaceHolder 3"/>
+          <p:cNvSpPr>
+            <a:spLocks noGrp="1"/>
+          </p:cNvSpPr>
+          <p:nvPr>
+            <p:ph type="body"/>
+          </p:nvPr>
+        </p:nvSpPr>
+        <p:spPr>
+          <a:xfrm>
+            <a:off x="4655160" y="1437480"/>
+            <a:ext cx="3131280" cy="447480"/>
+          </a:xfrm>
+          <a:prstGeom prst="rect">
+            <a:avLst/>
+          </a:prstGeom>
+        </p:spPr>
+        <p:txBody>
+          <a:bodyPr bIns="0" lIns="0" rIns="0" tIns="0" wrap="none"/>
+          <a:p>
+            <a:endParaRPr/>
+          </a:p>
+        </p:txBody>
+      </p:sp>
+      <p:sp>
+        <p:nvSpPr>
+          <p:cNvPr id="166" name="PlaceHolder 4"/>
+          <p:cNvSpPr>
+            <a:spLocks noGrp="1"/>
+          </p:cNvSpPr>
+          <p:nvPr>
+            <p:ph type="body"/>
+          </p:nvPr>
+        </p:nvSpPr>
+        <p:spPr>
+          <a:xfrm>
+            <a:off x="1367280" y="1927800"/>
+            <a:ext cx="6416640" cy="447480"/>
+          </a:xfrm>
+          <a:prstGeom prst="rect">
+            <a:avLst/>
+          </a:prstGeom>
+        </p:spPr>
+        <p:txBody>
+          <a:bodyPr bIns="0" lIns="0" rIns="0" tIns="0" wrap="none"/>
+          <a:p>
+            <a:endParaRPr/>
+          </a:p>
+        </p:txBody>
+      </p:sp>
+    </p:spTree>
+  </p:cSld>
+</p:sldLayout>
+</file>
+
+<file path=ppt/slideLayouts/slideLayout46.xml><?xml version="1.0" encoding="utf-8"?>
+<p:sldLayout xmlns:a="http://schemas.openxmlformats.org/drawingml/2006/main" xmlns:p="http://schemas.openxmlformats.org/presentationml/2006/main" xmlns:r="http://schemas.openxmlformats.org/officeDocument/2006/relationships" preserve="1" type="objOverTx">
+  <p:cSld name="Title, Content over Content">
+    <p:spTree>
+      <p:nvGrpSpPr>
+        <p:cNvPr id="1" name=""/>
+        <p:cNvGrpSpPr/>
+        <p:nvPr/>
+      </p:nvGrpSpPr>
+      <p:grpSpPr>
+        <a:xfrm>
+          <a:off x="0" y="0"/>
+          <a:ext cx="0" cy="0"/>
+          <a:chOff x="0" y="0"/>
+          <a:chExt cx="0" cy="0"/>
+        </a:xfrm>
+      </p:grpSpPr>
+      <p:sp>
+        <p:nvSpPr>
+          <p:cNvPr id="167" name="PlaceHolder 1"/>
+          <p:cNvSpPr>
+            <a:spLocks noGrp="1"/>
+          </p:cNvSpPr>
+          <p:nvPr>
+            <p:ph type="title"/>
+          </p:nvPr>
+        </p:nvSpPr>
+        <p:spPr>
+          <a:xfrm>
+            <a:off x="690120" y="2463480"/>
+            <a:ext cx="7771680" cy="1523880"/>
+          </a:xfrm>
+          <a:prstGeom prst="rect">
+            <a:avLst/>
+          </a:prstGeom>
+        </p:spPr>
+        <p:txBody>
+          <a:bodyPr anchor="ctr" bIns="0" lIns="0" rIns="0" tIns="0" wrap="none"/>
+          <a:p>
+            <a:pPr algn="ctr"/>
+            <a:endParaRPr/>
+          </a:p>
+        </p:txBody>
+      </p:sp>
+      <p:sp>
+        <p:nvSpPr>
+          <p:cNvPr id="168" name="PlaceHolder 2"/>
+          <p:cNvSpPr>
+            <a:spLocks noGrp="1"/>
+          </p:cNvSpPr>
+          <p:nvPr>
+            <p:ph type="body"/>
+          </p:nvPr>
+        </p:nvSpPr>
+        <p:spPr>
+          <a:xfrm>
+            <a:off x="1367280" y="1437480"/>
+            <a:ext cx="6417000" cy="447480"/>
+          </a:xfrm>
+          <a:prstGeom prst="rect">
+            <a:avLst/>
+          </a:prstGeom>
+        </p:spPr>
+        <p:txBody>
+          <a:bodyPr bIns="0" lIns="0" rIns="0" tIns="0" wrap="none"/>
+          <a:p>
+            <a:endParaRPr/>
+          </a:p>
+        </p:txBody>
+      </p:sp>
+      <p:sp>
+        <p:nvSpPr>
+          <p:cNvPr id="169" name="PlaceHolder 3"/>
+          <p:cNvSpPr>
+            <a:spLocks noGrp="1"/>
+          </p:cNvSpPr>
+          <p:nvPr>
+            <p:ph type="body"/>
+          </p:nvPr>
+        </p:nvSpPr>
+        <p:spPr>
+          <a:xfrm>
+            <a:off x="1367280" y="1927800"/>
+            <a:ext cx="6417000" cy="447480"/>
+          </a:xfrm>
+          <a:prstGeom prst="rect">
+            <a:avLst/>
+          </a:prstGeom>
+        </p:spPr>
+        <p:txBody>
+          <a:bodyPr bIns="0" lIns="0" rIns="0" tIns="0" wrap="none"/>
+          <a:p>
+            <a:endParaRPr/>
+          </a:p>
+        </p:txBody>
+      </p:sp>
+    </p:spTree>
+  </p:cSld>
+</p:sldLayout>
+</file>
+
+<file path=ppt/slideLayouts/slideLayout47.xml><?xml version="1.0" encoding="utf-8"?>
+<p:sldLayout xmlns:a="http://schemas.openxmlformats.org/drawingml/2006/main" xmlns:p="http://schemas.openxmlformats.org/presentationml/2006/main" xmlns:r="http://schemas.openxmlformats.org/officeDocument/2006/relationships" preserve="1" type="fourObj">
+  <p:cSld name="Title, 4 Content">
+    <p:spTree>
+      <p:nvGrpSpPr>
+        <p:cNvPr id="1" name=""/>
+        <p:cNvGrpSpPr/>
+        <p:nvPr/>
+      </p:nvGrpSpPr>
+      <p:grpSpPr>
+        <a:xfrm>
+          <a:off x="0" y="0"/>
+          <a:ext cx="0" cy="0"/>
+          <a:chOff x="0" y="0"/>
+          <a:chExt cx="0" cy="0"/>
+        </a:xfrm>
+      </p:grpSpPr>
+      <p:sp>
+        <p:nvSpPr>
+          <p:cNvPr id="170" name="PlaceHolder 1"/>
+          <p:cNvSpPr>
+            <a:spLocks noGrp="1"/>
+          </p:cNvSpPr>
+          <p:nvPr>
+            <p:ph type="title"/>
+          </p:nvPr>
+        </p:nvSpPr>
+        <p:spPr>
+          <a:xfrm>
+            <a:off x="690120" y="2463480"/>
+            <a:ext cx="7771680" cy="1523880"/>
+          </a:xfrm>
+          <a:prstGeom prst="rect">
+            <a:avLst/>
+          </a:prstGeom>
+        </p:spPr>
+        <p:txBody>
+          <a:bodyPr anchor="ctr" bIns="0" lIns="0" rIns="0" tIns="0" wrap="none"/>
+          <a:p>
+            <a:pPr algn="ctr"/>
+            <a:endParaRPr/>
+          </a:p>
+        </p:txBody>
+      </p:sp>
+      <p:sp>
+        <p:nvSpPr>
+          <p:cNvPr id="171" name="PlaceHolder 2"/>
+          <p:cNvSpPr>
+            <a:spLocks noGrp="1"/>
+          </p:cNvSpPr>
+          <p:nvPr>
+            <p:ph type="body"/>
+          </p:nvPr>
+        </p:nvSpPr>
+        <p:spPr>
+          <a:xfrm>
+            <a:off x="1367280" y="1437480"/>
+            <a:ext cx="3131280" cy="447480"/>
+          </a:xfrm>
+          <a:prstGeom prst="rect">
+            <a:avLst/>
+          </a:prstGeom>
+        </p:spPr>
+        <p:txBody>
+          <a:bodyPr bIns="0" lIns="0" rIns="0" tIns="0" wrap="none"/>
+          <a:p>
+            <a:endParaRPr/>
+          </a:p>
+        </p:txBody>
+      </p:sp>
+      <p:sp>
+        <p:nvSpPr>
+          <p:cNvPr id="172" name="PlaceHolder 3"/>
+          <p:cNvSpPr>
+            <a:spLocks noGrp="1"/>
+          </p:cNvSpPr>
+          <p:nvPr>
+            <p:ph type="body"/>
+          </p:nvPr>
+        </p:nvSpPr>
+        <p:spPr>
+          <a:xfrm>
+            <a:off x="4655160" y="1437480"/>
+            <a:ext cx="3131280" cy="447480"/>
+          </a:xfrm>
+          <a:prstGeom prst="rect">
+            <a:avLst/>
+          </a:prstGeom>
+        </p:spPr>
+        <p:txBody>
+          <a:bodyPr bIns="0" lIns="0" rIns="0" tIns="0" wrap="none"/>
+          <a:p>
+            <a:endParaRPr/>
+          </a:p>
+        </p:txBody>
+      </p:sp>
+      <p:sp>
+        <p:nvSpPr>
+          <p:cNvPr id="173" name="PlaceHolder 4"/>
+          <p:cNvSpPr>
+            <a:spLocks noGrp="1"/>
+          </p:cNvSpPr>
+          <p:nvPr>
+            <p:ph type="body"/>
+          </p:nvPr>
+        </p:nvSpPr>
+        <p:spPr>
+          <a:xfrm>
+            <a:off x="4655160" y="1927800"/>
+            <a:ext cx="3131280" cy="447480"/>
+          </a:xfrm>
+          <a:prstGeom prst="rect">
+            <a:avLst/>
+          </a:prstGeom>
+        </p:spPr>
+        <p:txBody>
+          <a:bodyPr bIns="0" lIns="0" rIns="0" tIns="0" wrap="none"/>
+          <a:p>
+            <a:endParaRPr/>
+          </a:p>
+        </p:txBody>
+      </p:sp>
+      <p:sp>
+        <p:nvSpPr>
+          <p:cNvPr id="174" name="PlaceHolder 5"/>
+          <p:cNvSpPr>
+            <a:spLocks noGrp="1"/>
+          </p:cNvSpPr>
+          <p:nvPr>
+            <p:ph type="body"/>
+          </p:nvPr>
+        </p:nvSpPr>
+        <p:spPr>
+          <a:xfrm>
+            <a:off x="1367280" y="1927800"/>
+            <a:ext cx="3131280" cy="447480"/>
+          </a:xfrm>
+          <a:prstGeom prst="rect">
+            <a:avLst/>
+          </a:prstGeom>
+        </p:spPr>
+        <p:txBody>
+          <a:bodyPr bIns="0" lIns="0" rIns="0" tIns="0" wrap="none"/>
+          <a:p>
+            <a:endParaRPr/>
+          </a:p>
+        </p:txBody>
+      </p:sp>
+    </p:spTree>
+  </p:cSld>
+</p:sldLayout>
+</file>
+
+<file path=ppt/slideLayouts/slideLayout48.xml><?xml version="1.0" encoding="utf-8"?>
+<p:sldLayout xmlns:a="http://schemas.openxmlformats.org/drawingml/2006/main" xmlns:p="http://schemas.openxmlformats.org/presentationml/2006/main" xmlns:r="http://schemas.openxmlformats.org/officeDocument/2006/relationships" preserve="1" type="blank">
+  <p:cSld name="Title, 6 Content">
+    <p:spTree>
+      <p:nvGrpSpPr>
+        <p:cNvPr id="1" name=""/>
+        <p:cNvGrpSpPr/>
+        <p:nvPr/>
+      </p:nvGrpSpPr>
+      <p:grpSpPr>
+        <a:xfrm>
+          <a:off x="0" y="0"/>
+          <a:ext cx="0" cy="0"/>
+          <a:chOff x="0" y="0"/>
+          <a:chExt cx="0" cy="0"/>
+        </a:xfrm>
+      </p:grpSpPr>
+      <p:sp>
+        <p:nvSpPr>
+          <p:cNvPr id="175" name="PlaceHolder 1"/>
+          <p:cNvSpPr>
+            <a:spLocks noGrp="1"/>
+          </p:cNvSpPr>
+          <p:nvPr>
+            <p:ph type="title"/>
+          </p:nvPr>
+        </p:nvSpPr>
+        <p:spPr>
+          <a:xfrm>
+            <a:off x="690120" y="2463480"/>
+            <a:ext cx="7771680" cy="1523880"/>
+          </a:xfrm>
+          <a:prstGeom prst="rect">
+            <a:avLst/>
+          </a:prstGeom>
+        </p:spPr>
+        <p:txBody>
+          <a:bodyPr anchor="ctr" bIns="0" lIns="0" rIns="0" tIns="0" wrap="none"/>
+          <a:p>
+            <a:pPr algn="ctr"/>
+            <a:endParaRPr/>
+          </a:p>
+        </p:txBody>
+      </p:sp>
+      <p:sp>
+        <p:nvSpPr>
+          <p:cNvPr id="176" name="PlaceHolder 2"/>
+          <p:cNvSpPr>
+            <a:spLocks noGrp="1"/>
+          </p:cNvSpPr>
+          <p:nvPr>
+            <p:ph type="body"/>
+          </p:nvPr>
+        </p:nvSpPr>
+        <p:spPr>
+          <a:xfrm>
+            <a:off x="1367280" y="1437480"/>
+            <a:ext cx="3131280" cy="447480"/>
+          </a:xfrm>
+          <a:prstGeom prst="rect">
+            <a:avLst/>
+          </a:prstGeom>
+        </p:spPr>
+        <p:txBody>
+          <a:bodyPr bIns="0" lIns="0" rIns="0" tIns="0" wrap="none"/>
+          <a:p>
+            <a:endParaRPr/>
+          </a:p>
+        </p:txBody>
+      </p:sp>
+      <p:sp>
+        <p:nvSpPr>
+          <p:cNvPr id="177" name="PlaceHolder 3"/>
+          <p:cNvSpPr>
+            <a:spLocks noGrp="1"/>
+          </p:cNvSpPr>
+          <p:nvPr>
+            <p:ph type="body"/>
+          </p:nvPr>
+        </p:nvSpPr>
+        <p:spPr>
+          <a:xfrm>
+            <a:off x="4655160" y="1437480"/>
+            <a:ext cx="3131280" cy="447480"/>
+          </a:xfrm>
+          <a:prstGeom prst="rect">
+            <a:avLst/>
+          </a:prstGeom>
+        </p:spPr>
+        <p:txBody>
+          <a:bodyPr bIns="0" lIns="0" rIns="0" tIns="0" wrap="none"/>
+          <a:p>
+            <a:endParaRPr/>
+          </a:p>
+        </p:txBody>
+      </p:sp>
+    </p:spTree>
+  </p:cSld>
+</p:sldLayout>
+</file>
+
+<file path=ppt/slideLayouts/slideLayout49.xml><?xml version="1.0" encoding="utf-8"?>
+<p:sldLayout xmlns:a="http://schemas.openxmlformats.org/drawingml/2006/main" xmlns:p="http://schemas.openxmlformats.org/presentationml/2006/main" xmlns:r="http://schemas.openxmlformats.org/officeDocument/2006/relationships" preserve="1" type="blank">
+  <p:cSld name="Blank Slide">
+    <p:spTree>
+      <p:nvGrpSpPr>
+        <p:cNvPr id="1" name=""/>
+        <p:cNvGrpSpPr/>
+        <p:nvPr/>
+      </p:nvGrpSpPr>
+      <p:grpSpPr>
+        <a:xfrm>
+          <a:off x="0" y="0"/>
+          <a:ext cx="0" cy="0"/>
+          <a:chOff x="0" y="0"/>
+          <a:chExt cx="0" cy="0"/>
+        </a:xfrm>
+      </p:grpSpPr>
     </p:spTree>
   </p:cSld>
 </p:sldLayout>
@@ -2860,7 +4018,7 @@
       </p:grpSpPr>
       <p:sp>
         <p:nvSpPr>
-          <p:cNvPr id="24" name="PlaceHolder 1"/>
+          <p:cNvPr id="21" name="PlaceHolder 1"/>
           <p:cNvSpPr>
             <a:spLocks noGrp="1"/>
           </p:cNvSpPr>
@@ -2871,7 +4029,7 @@
         <p:spPr>
           <a:xfrm>
             <a:off x="690120" y="2463480"/>
-            <a:ext cx="7772040" cy="1523880"/>
+            <a:ext cx="7771680" cy="1523880"/>
           </a:xfrm>
           <a:prstGeom prst="rect">
             <a:avLst/>
@@ -2879,6 +4037,992 @@
         </p:spPr>
         <p:txBody>
           <a:bodyPr anchor="ctr" bIns="0" lIns="0" rIns="0" tIns="0" wrap="none"/>
+          <a:p>
+            <a:pPr algn="ctr"/>
+            <a:endParaRPr/>
+          </a:p>
+        </p:txBody>
+      </p:sp>
+    </p:spTree>
+  </p:cSld>
+</p:sldLayout>
+</file>
+
+<file path=ppt/slideLayouts/slideLayout50.xml><?xml version="1.0" encoding="utf-8"?>
+<p:sldLayout xmlns:a="http://schemas.openxmlformats.org/drawingml/2006/main" xmlns:p="http://schemas.openxmlformats.org/presentationml/2006/main" xmlns:r="http://schemas.openxmlformats.org/officeDocument/2006/relationships" preserve="1" type="tx">
+  <p:cSld name="Title Slide">
+    <p:spTree>
+      <p:nvGrpSpPr>
+        <p:cNvPr id="1" name=""/>
+        <p:cNvGrpSpPr/>
+        <p:nvPr/>
+      </p:nvGrpSpPr>
+      <p:grpSpPr>
+        <a:xfrm>
+          <a:off x="0" y="0"/>
+          <a:ext cx="0" cy="0"/>
+          <a:chOff x="0" y="0"/>
+          <a:chExt cx="0" cy="0"/>
+        </a:xfrm>
+      </p:grpSpPr>
+      <p:sp>
+        <p:nvSpPr>
+          <p:cNvPr id="192" name="PlaceHolder 1"/>
+          <p:cNvSpPr>
+            <a:spLocks noGrp="1"/>
+          </p:cNvSpPr>
+          <p:nvPr>
+            <p:ph type="title"/>
+          </p:nvPr>
+        </p:nvSpPr>
+        <p:spPr>
+          <a:xfrm>
+            <a:off x="690120" y="2463480"/>
+            <a:ext cx="7771680" cy="1523880"/>
+          </a:xfrm>
+          <a:prstGeom prst="rect">
+            <a:avLst/>
+          </a:prstGeom>
+        </p:spPr>
+        <p:txBody>
+          <a:bodyPr anchor="ctr" bIns="0" lIns="0" rIns="0" tIns="0" wrap="none"/>
+          <a:p>
+            <a:pPr algn="ctr"/>
+            <a:endParaRPr/>
+          </a:p>
+        </p:txBody>
+      </p:sp>
+      <p:sp>
+        <p:nvSpPr>
+          <p:cNvPr id="193" name="PlaceHolder 2"/>
+          <p:cNvSpPr>
+            <a:spLocks noGrp="1"/>
+          </p:cNvSpPr>
+          <p:nvPr>
+            <p:ph type="subTitle"/>
+          </p:nvPr>
+        </p:nvSpPr>
+        <p:spPr>
+          <a:xfrm>
+            <a:off x="1367280" y="1437480"/>
+            <a:ext cx="6417000" cy="939600"/>
+          </a:xfrm>
+          <a:prstGeom prst="rect">
+            <a:avLst/>
+          </a:prstGeom>
+        </p:spPr>
+        <p:txBody>
+          <a:bodyPr anchor="ctr" bIns="0" lIns="0" rIns="0" tIns="0" wrap="none"/>
+          <a:p>
+            <a:pPr algn="ctr"/>
+            <a:endParaRPr/>
+          </a:p>
+        </p:txBody>
+      </p:sp>
+    </p:spTree>
+  </p:cSld>
+</p:sldLayout>
+</file>
+
+<file path=ppt/slideLayouts/slideLayout51.xml><?xml version="1.0" encoding="utf-8"?>
+<p:sldLayout xmlns:a="http://schemas.openxmlformats.org/drawingml/2006/main" xmlns:p="http://schemas.openxmlformats.org/presentationml/2006/main" xmlns:r="http://schemas.openxmlformats.org/officeDocument/2006/relationships" preserve="1" type="obj">
+  <p:cSld name="Title, Content">
+    <p:spTree>
+      <p:nvGrpSpPr>
+        <p:cNvPr id="1" name=""/>
+        <p:cNvGrpSpPr/>
+        <p:nvPr/>
+      </p:nvGrpSpPr>
+      <p:grpSpPr>
+        <a:xfrm>
+          <a:off x="0" y="0"/>
+          <a:ext cx="0" cy="0"/>
+          <a:chOff x="0" y="0"/>
+          <a:chExt cx="0" cy="0"/>
+        </a:xfrm>
+      </p:grpSpPr>
+      <p:sp>
+        <p:nvSpPr>
+          <p:cNvPr id="194" name="PlaceHolder 1"/>
+          <p:cNvSpPr>
+            <a:spLocks noGrp="1"/>
+          </p:cNvSpPr>
+          <p:nvPr>
+            <p:ph type="title"/>
+          </p:nvPr>
+        </p:nvSpPr>
+        <p:spPr>
+          <a:xfrm>
+            <a:off x="690120" y="2463480"/>
+            <a:ext cx="7771680" cy="1523880"/>
+          </a:xfrm>
+          <a:prstGeom prst="rect">
+            <a:avLst/>
+          </a:prstGeom>
+        </p:spPr>
+        <p:txBody>
+          <a:bodyPr anchor="ctr" bIns="0" lIns="0" rIns="0" tIns="0" wrap="none"/>
+          <a:p>
+            <a:pPr algn="ctr"/>
+            <a:endParaRPr/>
+          </a:p>
+        </p:txBody>
+      </p:sp>
+      <p:sp>
+        <p:nvSpPr>
+          <p:cNvPr id="195" name="PlaceHolder 2"/>
+          <p:cNvSpPr>
+            <a:spLocks noGrp="1"/>
+          </p:cNvSpPr>
+          <p:nvPr>
+            <p:ph type="body"/>
+          </p:nvPr>
+        </p:nvSpPr>
+        <p:spPr>
+          <a:xfrm>
+            <a:off x="1367280" y="1437480"/>
+            <a:ext cx="6417000" cy="939240"/>
+          </a:xfrm>
+          <a:prstGeom prst="rect">
+            <a:avLst/>
+          </a:prstGeom>
+        </p:spPr>
+        <p:txBody>
+          <a:bodyPr bIns="0" lIns="0" rIns="0" tIns="0" wrap="none"/>
+          <a:p>
+            <a:endParaRPr/>
+          </a:p>
+        </p:txBody>
+      </p:sp>
+    </p:spTree>
+  </p:cSld>
+</p:sldLayout>
+</file>
+
+<file path=ppt/slideLayouts/slideLayout52.xml><?xml version="1.0" encoding="utf-8"?>
+<p:sldLayout xmlns:a="http://schemas.openxmlformats.org/drawingml/2006/main" xmlns:p="http://schemas.openxmlformats.org/presentationml/2006/main" xmlns:r="http://schemas.openxmlformats.org/officeDocument/2006/relationships" preserve="1" type="twoObj">
+  <p:cSld name="Title, 2 Content">
+    <p:spTree>
+      <p:nvGrpSpPr>
+        <p:cNvPr id="1" name=""/>
+        <p:cNvGrpSpPr/>
+        <p:nvPr/>
+      </p:nvGrpSpPr>
+      <p:grpSpPr>
+        <a:xfrm>
+          <a:off x="0" y="0"/>
+          <a:ext cx="0" cy="0"/>
+          <a:chOff x="0" y="0"/>
+          <a:chExt cx="0" cy="0"/>
+        </a:xfrm>
+      </p:grpSpPr>
+      <p:sp>
+        <p:nvSpPr>
+          <p:cNvPr id="196" name="PlaceHolder 1"/>
+          <p:cNvSpPr>
+            <a:spLocks noGrp="1"/>
+          </p:cNvSpPr>
+          <p:nvPr>
+            <p:ph type="title"/>
+          </p:nvPr>
+        </p:nvSpPr>
+        <p:spPr>
+          <a:xfrm>
+            <a:off x="690120" y="2463480"/>
+            <a:ext cx="7771680" cy="1523880"/>
+          </a:xfrm>
+          <a:prstGeom prst="rect">
+            <a:avLst/>
+          </a:prstGeom>
+        </p:spPr>
+        <p:txBody>
+          <a:bodyPr anchor="ctr" bIns="0" lIns="0" rIns="0" tIns="0" wrap="none"/>
+          <a:p>
+            <a:pPr algn="ctr"/>
+            <a:endParaRPr/>
+          </a:p>
+        </p:txBody>
+      </p:sp>
+      <p:sp>
+        <p:nvSpPr>
+          <p:cNvPr id="197" name="PlaceHolder 2"/>
+          <p:cNvSpPr>
+            <a:spLocks noGrp="1"/>
+          </p:cNvSpPr>
+          <p:nvPr>
+            <p:ph type="body"/>
+          </p:nvPr>
+        </p:nvSpPr>
+        <p:spPr>
+          <a:xfrm>
+            <a:off x="1367280" y="1437480"/>
+            <a:ext cx="3131280" cy="939240"/>
+          </a:xfrm>
+          <a:prstGeom prst="rect">
+            <a:avLst/>
+          </a:prstGeom>
+        </p:spPr>
+        <p:txBody>
+          <a:bodyPr bIns="0" lIns="0" rIns="0" tIns="0" wrap="none"/>
+          <a:p>
+            <a:endParaRPr/>
+          </a:p>
+        </p:txBody>
+      </p:sp>
+      <p:sp>
+        <p:nvSpPr>
+          <p:cNvPr id="198" name="PlaceHolder 3"/>
+          <p:cNvSpPr>
+            <a:spLocks noGrp="1"/>
+          </p:cNvSpPr>
+          <p:nvPr>
+            <p:ph type="body"/>
+          </p:nvPr>
+        </p:nvSpPr>
+        <p:spPr>
+          <a:xfrm>
+            <a:off x="4655160" y="1437480"/>
+            <a:ext cx="3131280" cy="939240"/>
+          </a:xfrm>
+          <a:prstGeom prst="rect">
+            <a:avLst/>
+          </a:prstGeom>
+        </p:spPr>
+        <p:txBody>
+          <a:bodyPr bIns="0" lIns="0" rIns="0" tIns="0" wrap="none"/>
+          <a:p>
+            <a:endParaRPr/>
+          </a:p>
+        </p:txBody>
+      </p:sp>
+    </p:spTree>
+  </p:cSld>
+</p:sldLayout>
+</file>
+
+<file path=ppt/slideLayouts/slideLayout53.xml><?xml version="1.0" encoding="utf-8"?>
+<p:sldLayout xmlns:a="http://schemas.openxmlformats.org/drawingml/2006/main" xmlns:p="http://schemas.openxmlformats.org/presentationml/2006/main" xmlns:r="http://schemas.openxmlformats.org/officeDocument/2006/relationships" preserve="1" type="titleOnly">
+  <p:cSld name="Title Only">
+    <p:spTree>
+      <p:nvGrpSpPr>
+        <p:cNvPr id="1" name=""/>
+        <p:cNvGrpSpPr/>
+        <p:nvPr/>
+      </p:nvGrpSpPr>
+      <p:grpSpPr>
+        <a:xfrm>
+          <a:off x="0" y="0"/>
+          <a:ext cx="0" cy="0"/>
+          <a:chOff x="0" y="0"/>
+          <a:chExt cx="0" cy="0"/>
+        </a:xfrm>
+      </p:grpSpPr>
+      <p:sp>
+        <p:nvSpPr>
+          <p:cNvPr id="199" name="PlaceHolder 1"/>
+          <p:cNvSpPr>
+            <a:spLocks noGrp="1"/>
+          </p:cNvSpPr>
+          <p:nvPr>
+            <p:ph type="title"/>
+          </p:nvPr>
+        </p:nvSpPr>
+        <p:spPr>
+          <a:xfrm>
+            <a:off x="690120" y="2463480"/>
+            <a:ext cx="7771680" cy="1523880"/>
+          </a:xfrm>
+          <a:prstGeom prst="rect">
+            <a:avLst/>
+          </a:prstGeom>
+        </p:spPr>
+        <p:txBody>
+          <a:bodyPr anchor="ctr" bIns="0" lIns="0" rIns="0" tIns="0" wrap="none"/>
+          <a:p>
+            <a:pPr algn="ctr"/>
+            <a:endParaRPr/>
+          </a:p>
+        </p:txBody>
+      </p:sp>
+    </p:spTree>
+  </p:cSld>
+</p:sldLayout>
+</file>
+
+<file path=ppt/slideLayouts/slideLayout54.xml><?xml version="1.0" encoding="utf-8"?>
+<p:sldLayout xmlns:a="http://schemas.openxmlformats.org/drawingml/2006/main" xmlns:p="http://schemas.openxmlformats.org/presentationml/2006/main" xmlns:r="http://schemas.openxmlformats.org/officeDocument/2006/relationships" preserve="1" type="objOnly">
+  <p:cSld name="Centered Text">
+    <p:spTree>
+      <p:nvGrpSpPr>
+        <p:cNvPr id="1" name=""/>
+        <p:cNvGrpSpPr/>
+        <p:nvPr/>
+      </p:nvGrpSpPr>
+      <p:grpSpPr>
+        <a:xfrm>
+          <a:off x="0" y="0"/>
+          <a:ext cx="0" cy="0"/>
+          <a:chOff x="0" y="0"/>
+          <a:chExt cx="0" cy="0"/>
+        </a:xfrm>
+      </p:grpSpPr>
+      <p:sp>
+        <p:nvSpPr>
+          <p:cNvPr id="200" name="PlaceHolder 1"/>
+          <p:cNvSpPr>
+            <a:spLocks noGrp="1"/>
+          </p:cNvSpPr>
+          <p:nvPr>
+            <p:ph type="subTitle"/>
+          </p:nvPr>
+        </p:nvSpPr>
+        <p:spPr>
+          <a:xfrm>
+            <a:off x="690120" y="2192400"/>
+            <a:ext cx="7771680" cy="456120"/>
+          </a:xfrm>
+          <a:prstGeom prst="rect">
+            <a:avLst/>
+          </a:prstGeom>
+        </p:spPr>
+        <p:txBody>
+          <a:bodyPr anchor="ctr" bIns="0" lIns="0" rIns="0" tIns="0" wrap="none"/>
+          <a:p>
+            <a:pPr algn="ctr"/>
+            <a:endParaRPr/>
+          </a:p>
+        </p:txBody>
+      </p:sp>
+    </p:spTree>
+  </p:cSld>
+</p:sldLayout>
+</file>
+
+<file path=ppt/slideLayouts/slideLayout55.xml><?xml version="1.0" encoding="utf-8"?>
+<p:sldLayout xmlns:a="http://schemas.openxmlformats.org/drawingml/2006/main" xmlns:p="http://schemas.openxmlformats.org/presentationml/2006/main" xmlns:r="http://schemas.openxmlformats.org/officeDocument/2006/relationships" preserve="1" type="twoObjAndObj">
+  <p:cSld name="Title, 2 Content and Content">
+    <p:spTree>
+      <p:nvGrpSpPr>
+        <p:cNvPr id="1" name=""/>
+        <p:cNvGrpSpPr/>
+        <p:nvPr/>
+      </p:nvGrpSpPr>
+      <p:grpSpPr>
+        <a:xfrm>
+          <a:off x="0" y="0"/>
+          <a:ext cx="0" cy="0"/>
+          <a:chOff x="0" y="0"/>
+          <a:chExt cx="0" cy="0"/>
+        </a:xfrm>
+      </p:grpSpPr>
+      <p:sp>
+        <p:nvSpPr>
+          <p:cNvPr id="201" name="PlaceHolder 1"/>
+          <p:cNvSpPr>
+            <a:spLocks noGrp="1"/>
+          </p:cNvSpPr>
+          <p:nvPr>
+            <p:ph type="title"/>
+          </p:nvPr>
+        </p:nvSpPr>
+        <p:spPr>
+          <a:xfrm>
+            <a:off x="690120" y="2463480"/>
+            <a:ext cx="7771680" cy="1523880"/>
+          </a:xfrm>
+          <a:prstGeom prst="rect">
+            <a:avLst/>
+          </a:prstGeom>
+        </p:spPr>
+        <p:txBody>
+          <a:bodyPr anchor="ctr" bIns="0" lIns="0" rIns="0" tIns="0" wrap="none"/>
+          <a:p>
+            <a:pPr algn="ctr"/>
+            <a:endParaRPr/>
+          </a:p>
+        </p:txBody>
+      </p:sp>
+      <p:sp>
+        <p:nvSpPr>
+          <p:cNvPr id="202" name="PlaceHolder 2"/>
+          <p:cNvSpPr>
+            <a:spLocks noGrp="1"/>
+          </p:cNvSpPr>
+          <p:nvPr>
+            <p:ph type="body"/>
+          </p:nvPr>
+        </p:nvSpPr>
+        <p:spPr>
+          <a:xfrm>
+            <a:off x="1367280" y="1437480"/>
+            <a:ext cx="3131280" cy="447480"/>
+          </a:xfrm>
+          <a:prstGeom prst="rect">
+            <a:avLst/>
+          </a:prstGeom>
+        </p:spPr>
+        <p:txBody>
+          <a:bodyPr bIns="0" lIns="0" rIns="0" tIns="0" wrap="none"/>
+          <a:p>
+            <a:endParaRPr/>
+          </a:p>
+        </p:txBody>
+      </p:sp>
+      <p:sp>
+        <p:nvSpPr>
+          <p:cNvPr id="203" name="PlaceHolder 3"/>
+          <p:cNvSpPr>
+            <a:spLocks noGrp="1"/>
+          </p:cNvSpPr>
+          <p:nvPr>
+            <p:ph type="body"/>
+          </p:nvPr>
+        </p:nvSpPr>
+        <p:spPr>
+          <a:xfrm>
+            <a:off x="1367280" y="1927800"/>
+            <a:ext cx="3131280" cy="447480"/>
+          </a:xfrm>
+          <a:prstGeom prst="rect">
+            <a:avLst/>
+          </a:prstGeom>
+        </p:spPr>
+        <p:txBody>
+          <a:bodyPr bIns="0" lIns="0" rIns="0" tIns="0" wrap="none"/>
+          <a:p>
+            <a:endParaRPr/>
+          </a:p>
+        </p:txBody>
+      </p:sp>
+      <p:sp>
+        <p:nvSpPr>
+          <p:cNvPr id="204" name="PlaceHolder 4"/>
+          <p:cNvSpPr>
+            <a:spLocks noGrp="1"/>
+          </p:cNvSpPr>
+          <p:nvPr>
+            <p:ph type="body"/>
+          </p:nvPr>
+        </p:nvSpPr>
+        <p:spPr>
+          <a:xfrm>
+            <a:off x="4655160" y="1437480"/>
+            <a:ext cx="3131280" cy="939240"/>
+          </a:xfrm>
+          <a:prstGeom prst="rect">
+            <a:avLst/>
+          </a:prstGeom>
+        </p:spPr>
+        <p:txBody>
+          <a:bodyPr bIns="0" lIns="0" rIns="0" tIns="0" wrap="none"/>
+          <a:p>
+            <a:endParaRPr/>
+          </a:p>
+        </p:txBody>
+      </p:sp>
+    </p:spTree>
+  </p:cSld>
+</p:sldLayout>
+</file>
+
+<file path=ppt/slideLayouts/slideLayout56.xml><?xml version="1.0" encoding="utf-8"?>
+<p:sldLayout xmlns:a="http://schemas.openxmlformats.org/drawingml/2006/main" xmlns:p="http://schemas.openxmlformats.org/presentationml/2006/main" xmlns:r="http://schemas.openxmlformats.org/officeDocument/2006/relationships" preserve="1" type="objAndTwoObj">
+  <p:cSld name="Title Content and 2 Content">
+    <p:spTree>
+      <p:nvGrpSpPr>
+        <p:cNvPr id="1" name=""/>
+        <p:cNvGrpSpPr/>
+        <p:nvPr/>
+      </p:nvGrpSpPr>
+      <p:grpSpPr>
+        <a:xfrm>
+          <a:off x="0" y="0"/>
+          <a:ext cx="0" cy="0"/>
+          <a:chOff x="0" y="0"/>
+          <a:chExt cx="0" cy="0"/>
+        </a:xfrm>
+      </p:grpSpPr>
+      <p:sp>
+        <p:nvSpPr>
+          <p:cNvPr id="205" name="PlaceHolder 1"/>
+          <p:cNvSpPr>
+            <a:spLocks noGrp="1"/>
+          </p:cNvSpPr>
+          <p:nvPr>
+            <p:ph type="title"/>
+          </p:nvPr>
+        </p:nvSpPr>
+        <p:spPr>
+          <a:xfrm>
+            <a:off x="690120" y="2463480"/>
+            <a:ext cx="7771680" cy="1523880"/>
+          </a:xfrm>
+          <a:prstGeom prst="rect">
+            <a:avLst/>
+          </a:prstGeom>
+        </p:spPr>
+        <p:txBody>
+          <a:bodyPr anchor="ctr" bIns="0" lIns="0" rIns="0" tIns="0" wrap="none"/>
+          <a:p>
+            <a:pPr algn="ctr"/>
+            <a:endParaRPr/>
+          </a:p>
+        </p:txBody>
+      </p:sp>
+      <p:sp>
+        <p:nvSpPr>
+          <p:cNvPr id="206" name="PlaceHolder 2"/>
+          <p:cNvSpPr>
+            <a:spLocks noGrp="1"/>
+          </p:cNvSpPr>
+          <p:nvPr>
+            <p:ph type="body"/>
+          </p:nvPr>
+        </p:nvSpPr>
+        <p:spPr>
+          <a:xfrm>
+            <a:off x="1367280" y="1437480"/>
+            <a:ext cx="3131280" cy="939240"/>
+          </a:xfrm>
+          <a:prstGeom prst="rect">
+            <a:avLst/>
+          </a:prstGeom>
+        </p:spPr>
+        <p:txBody>
+          <a:bodyPr bIns="0" lIns="0" rIns="0" tIns="0" wrap="none"/>
+          <a:p>
+            <a:endParaRPr/>
+          </a:p>
+        </p:txBody>
+      </p:sp>
+      <p:sp>
+        <p:nvSpPr>
+          <p:cNvPr id="207" name="PlaceHolder 3"/>
+          <p:cNvSpPr>
+            <a:spLocks noGrp="1"/>
+          </p:cNvSpPr>
+          <p:nvPr>
+            <p:ph type="body"/>
+          </p:nvPr>
+        </p:nvSpPr>
+        <p:spPr>
+          <a:xfrm>
+            <a:off x="4655160" y="1437480"/>
+            <a:ext cx="3131280" cy="447480"/>
+          </a:xfrm>
+          <a:prstGeom prst="rect">
+            <a:avLst/>
+          </a:prstGeom>
+        </p:spPr>
+        <p:txBody>
+          <a:bodyPr bIns="0" lIns="0" rIns="0" tIns="0" wrap="none"/>
+          <a:p>
+            <a:endParaRPr/>
+          </a:p>
+        </p:txBody>
+      </p:sp>
+      <p:sp>
+        <p:nvSpPr>
+          <p:cNvPr id="208" name="PlaceHolder 4"/>
+          <p:cNvSpPr>
+            <a:spLocks noGrp="1"/>
+          </p:cNvSpPr>
+          <p:nvPr>
+            <p:ph type="body"/>
+          </p:nvPr>
+        </p:nvSpPr>
+        <p:spPr>
+          <a:xfrm>
+            <a:off x="4655160" y="1927800"/>
+            <a:ext cx="3131280" cy="447480"/>
+          </a:xfrm>
+          <a:prstGeom prst="rect">
+            <a:avLst/>
+          </a:prstGeom>
+        </p:spPr>
+        <p:txBody>
+          <a:bodyPr bIns="0" lIns="0" rIns="0" tIns="0" wrap="none"/>
+          <a:p>
+            <a:endParaRPr/>
+          </a:p>
+        </p:txBody>
+      </p:sp>
+    </p:spTree>
+  </p:cSld>
+</p:sldLayout>
+</file>
+
+<file path=ppt/slideLayouts/slideLayout57.xml><?xml version="1.0" encoding="utf-8"?>
+<p:sldLayout xmlns:a="http://schemas.openxmlformats.org/drawingml/2006/main" xmlns:p="http://schemas.openxmlformats.org/presentationml/2006/main" xmlns:r="http://schemas.openxmlformats.org/officeDocument/2006/relationships" preserve="1" type="twoObjOverTx">
+  <p:cSld name="Title, 2 Content over Content">
+    <p:spTree>
+      <p:nvGrpSpPr>
+        <p:cNvPr id="1" name=""/>
+        <p:cNvGrpSpPr/>
+        <p:nvPr/>
+      </p:nvGrpSpPr>
+      <p:grpSpPr>
+        <a:xfrm>
+          <a:off x="0" y="0"/>
+          <a:ext cx="0" cy="0"/>
+          <a:chOff x="0" y="0"/>
+          <a:chExt cx="0" cy="0"/>
+        </a:xfrm>
+      </p:grpSpPr>
+      <p:sp>
+        <p:nvSpPr>
+          <p:cNvPr id="209" name="PlaceHolder 1"/>
+          <p:cNvSpPr>
+            <a:spLocks noGrp="1"/>
+          </p:cNvSpPr>
+          <p:nvPr>
+            <p:ph type="title"/>
+          </p:nvPr>
+        </p:nvSpPr>
+        <p:spPr>
+          <a:xfrm>
+            <a:off x="690120" y="2463480"/>
+            <a:ext cx="7771680" cy="1523880"/>
+          </a:xfrm>
+          <a:prstGeom prst="rect">
+            <a:avLst/>
+          </a:prstGeom>
+        </p:spPr>
+        <p:txBody>
+          <a:bodyPr anchor="ctr" bIns="0" lIns="0" rIns="0" tIns="0" wrap="none"/>
+          <a:p>
+            <a:pPr algn="ctr"/>
+            <a:endParaRPr/>
+          </a:p>
+        </p:txBody>
+      </p:sp>
+      <p:sp>
+        <p:nvSpPr>
+          <p:cNvPr id="210" name="PlaceHolder 2"/>
+          <p:cNvSpPr>
+            <a:spLocks noGrp="1"/>
+          </p:cNvSpPr>
+          <p:nvPr>
+            <p:ph type="body"/>
+          </p:nvPr>
+        </p:nvSpPr>
+        <p:spPr>
+          <a:xfrm>
+            <a:off x="1367280" y="1437480"/>
+            <a:ext cx="3131280" cy="447480"/>
+          </a:xfrm>
+          <a:prstGeom prst="rect">
+            <a:avLst/>
+          </a:prstGeom>
+        </p:spPr>
+        <p:txBody>
+          <a:bodyPr bIns="0" lIns="0" rIns="0" tIns="0" wrap="none"/>
+          <a:p>
+            <a:endParaRPr/>
+          </a:p>
+        </p:txBody>
+      </p:sp>
+      <p:sp>
+        <p:nvSpPr>
+          <p:cNvPr id="211" name="PlaceHolder 3"/>
+          <p:cNvSpPr>
+            <a:spLocks noGrp="1"/>
+          </p:cNvSpPr>
+          <p:nvPr>
+            <p:ph type="body"/>
+          </p:nvPr>
+        </p:nvSpPr>
+        <p:spPr>
+          <a:xfrm>
+            <a:off x="4655160" y="1437480"/>
+            <a:ext cx="3131280" cy="447480"/>
+          </a:xfrm>
+          <a:prstGeom prst="rect">
+            <a:avLst/>
+          </a:prstGeom>
+        </p:spPr>
+        <p:txBody>
+          <a:bodyPr bIns="0" lIns="0" rIns="0" tIns="0" wrap="none"/>
+          <a:p>
+            <a:endParaRPr/>
+          </a:p>
+        </p:txBody>
+      </p:sp>
+      <p:sp>
+        <p:nvSpPr>
+          <p:cNvPr id="212" name="PlaceHolder 4"/>
+          <p:cNvSpPr>
+            <a:spLocks noGrp="1"/>
+          </p:cNvSpPr>
+          <p:nvPr>
+            <p:ph type="body"/>
+          </p:nvPr>
+        </p:nvSpPr>
+        <p:spPr>
+          <a:xfrm>
+            <a:off x="1367280" y="1927800"/>
+            <a:ext cx="6416640" cy="447480"/>
+          </a:xfrm>
+          <a:prstGeom prst="rect">
+            <a:avLst/>
+          </a:prstGeom>
+        </p:spPr>
+        <p:txBody>
+          <a:bodyPr bIns="0" lIns="0" rIns="0" tIns="0" wrap="none"/>
+          <a:p>
+            <a:endParaRPr/>
+          </a:p>
+        </p:txBody>
+      </p:sp>
+    </p:spTree>
+  </p:cSld>
+</p:sldLayout>
+</file>
+
+<file path=ppt/slideLayouts/slideLayout58.xml><?xml version="1.0" encoding="utf-8"?>
+<p:sldLayout xmlns:a="http://schemas.openxmlformats.org/drawingml/2006/main" xmlns:p="http://schemas.openxmlformats.org/presentationml/2006/main" xmlns:r="http://schemas.openxmlformats.org/officeDocument/2006/relationships" preserve="1" type="objOverTx">
+  <p:cSld name="Title, Content over Content">
+    <p:spTree>
+      <p:nvGrpSpPr>
+        <p:cNvPr id="1" name=""/>
+        <p:cNvGrpSpPr/>
+        <p:nvPr/>
+      </p:nvGrpSpPr>
+      <p:grpSpPr>
+        <a:xfrm>
+          <a:off x="0" y="0"/>
+          <a:ext cx="0" cy="0"/>
+          <a:chOff x="0" y="0"/>
+          <a:chExt cx="0" cy="0"/>
+        </a:xfrm>
+      </p:grpSpPr>
+      <p:sp>
+        <p:nvSpPr>
+          <p:cNvPr id="213" name="PlaceHolder 1"/>
+          <p:cNvSpPr>
+            <a:spLocks noGrp="1"/>
+          </p:cNvSpPr>
+          <p:nvPr>
+            <p:ph type="title"/>
+          </p:nvPr>
+        </p:nvSpPr>
+        <p:spPr>
+          <a:xfrm>
+            <a:off x="690120" y="2463480"/>
+            <a:ext cx="7771680" cy="1523880"/>
+          </a:xfrm>
+          <a:prstGeom prst="rect">
+            <a:avLst/>
+          </a:prstGeom>
+        </p:spPr>
+        <p:txBody>
+          <a:bodyPr anchor="ctr" bIns="0" lIns="0" rIns="0" tIns="0" wrap="none"/>
+          <a:p>
+            <a:pPr algn="ctr"/>
+            <a:endParaRPr/>
+          </a:p>
+        </p:txBody>
+      </p:sp>
+      <p:sp>
+        <p:nvSpPr>
+          <p:cNvPr id="214" name="PlaceHolder 2"/>
+          <p:cNvSpPr>
+            <a:spLocks noGrp="1"/>
+          </p:cNvSpPr>
+          <p:nvPr>
+            <p:ph type="body"/>
+          </p:nvPr>
+        </p:nvSpPr>
+        <p:spPr>
+          <a:xfrm>
+            <a:off x="1367280" y="1437480"/>
+            <a:ext cx="6417000" cy="447480"/>
+          </a:xfrm>
+          <a:prstGeom prst="rect">
+            <a:avLst/>
+          </a:prstGeom>
+        </p:spPr>
+        <p:txBody>
+          <a:bodyPr bIns="0" lIns="0" rIns="0" tIns="0" wrap="none"/>
+          <a:p>
+            <a:endParaRPr/>
+          </a:p>
+        </p:txBody>
+      </p:sp>
+      <p:sp>
+        <p:nvSpPr>
+          <p:cNvPr id="215" name="PlaceHolder 3"/>
+          <p:cNvSpPr>
+            <a:spLocks noGrp="1"/>
+          </p:cNvSpPr>
+          <p:nvPr>
+            <p:ph type="body"/>
+          </p:nvPr>
+        </p:nvSpPr>
+        <p:spPr>
+          <a:xfrm>
+            <a:off x="1367280" y="1927800"/>
+            <a:ext cx="6417000" cy="447480"/>
+          </a:xfrm>
+          <a:prstGeom prst="rect">
+            <a:avLst/>
+          </a:prstGeom>
+        </p:spPr>
+        <p:txBody>
+          <a:bodyPr bIns="0" lIns="0" rIns="0" tIns="0" wrap="none"/>
+          <a:p>
+            <a:endParaRPr/>
+          </a:p>
+        </p:txBody>
+      </p:sp>
+    </p:spTree>
+  </p:cSld>
+</p:sldLayout>
+</file>
+
+<file path=ppt/slideLayouts/slideLayout59.xml><?xml version="1.0" encoding="utf-8"?>
+<p:sldLayout xmlns:a="http://schemas.openxmlformats.org/drawingml/2006/main" xmlns:p="http://schemas.openxmlformats.org/presentationml/2006/main" xmlns:r="http://schemas.openxmlformats.org/officeDocument/2006/relationships" preserve="1" type="fourObj">
+  <p:cSld name="Title, 4 Content">
+    <p:spTree>
+      <p:nvGrpSpPr>
+        <p:cNvPr id="1" name=""/>
+        <p:cNvGrpSpPr/>
+        <p:nvPr/>
+      </p:nvGrpSpPr>
+      <p:grpSpPr>
+        <a:xfrm>
+          <a:off x="0" y="0"/>
+          <a:ext cx="0" cy="0"/>
+          <a:chOff x="0" y="0"/>
+          <a:chExt cx="0" cy="0"/>
+        </a:xfrm>
+      </p:grpSpPr>
+      <p:sp>
+        <p:nvSpPr>
+          <p:cNvPr id="216" name="PlaceHolder 1"/>
+          <p:cNvSpPr>
+            <a:spLocks noGrp="1"/>
+          </p:cNvSpPr>
+          <p:nvPr>
+            <p:ph type="title"/>
+          </p:nvPr>
+        </p:nvSpPr>
+        <p:spPr>
+          <a:xfrm>
+            <a:off x="690120" y="2463480"/>
+            <a:ext cx="7771680" cy="1523880"/>
+          </a:xfrm>
+          <a:prstGeom prst="rect">
+            <a:avLst/>
+          </a:prstGeom>
+        </p:spPr>
+        <p:txBody>
+          <a:bodyPr anchor="ctr" bIns="0" lIns="0" rIns="0" tIns="0" wrap="none"/>
+          <a:p>
+            <a:pPr algn="ctr"/>
+            <a:endParaRPr/>
+          </a:p>
+        </p:txBody>
+      </p:sp>
+      <p:sp>
+        <p:nvSpPr>
+          <p:cNvPr id="217" name="PlaceHolder 2"/>
+          <p:cNvSpPr>
+            <a:spLocks noGrp="1"/>
+          </p:cNvSpPr>
+          <p:nvPr>
+            <p:ph type="body"/>
+          </p:nvPr>
+        </p:nvSpPr>
+        <p:spPr>
+          <a:xfrm>
+            <a:off x="1367280" y="1437480"/>
+            <a:ext cx="3131280" cy="447480"/>
+          </a:xfrm>
+          <a:prstGeom prst="rect">
+            <a:avLst/>
+          </a:prstGeom>
+        </p:spPr>
+        <p:txBody>
+          <a:bodyPr bIns="0" lIns="0" rIns="0" tIns="0" wrap="none"/>
+          <a:p>
+            <a:endParaRPr/>
+          </a:p>
+        </p:txBody>
+      </p:sp>
+      <p:sp>
+        <p:nvSpPr>
+          <p:cNvPr id="218" name="PlaceHolder 3"/>
+          <p:cNvSpPr>
+            <a:spLocks noGrp="1"/>
+          </p:cNvSpPr>
+          <p:nvPr>
+            <p:ph type="body"/>
+          </p:nvPr>
+        </p:nvSpPr>
+        <p:spPr>
+          <a:xfrm>
+            <a:off x="4655160" y="1437480"/>
+            <a:ext cx="3131280" cy="447480"/>
+          </a:xfrm>
+          <a:prstGeom prst="rect">
+            <a:avLst/>
+          </a:prstGeom>
+        </p:spPr>
+        <p:txBody>
+          <a:bodyPr bIns="0" lIns="0" rIns="0" tIns="0" wrap="none"/>
+          <a:p>
+            <a:endParaRPr/>
+          </a:p>
+        </p:txBody>
+      </p:sp>
+      <p:sp>
+        <p:nvSpPr>
+          <p:cNvPr id="219" name="PlaceHolder 4"/>
+          <p:cNvSpPr>
+            <a:spLocks noGrp="1"/>
+          </p:cNvSpPr>
+          <p:nvPr>
+            <p:ph type="body"/>
+          </p:nvPr>
+        </p:nvSpPr>
+        <p:spPr>
+          <a:xfrm>
+            <a:off x="4655160" y="1927800"/>
+            <a:ext cx="3131280" cy="447480"/>
+          </a:xfrm>
+          <a:prstGeom prst="rect">
+            <a:avLst/>
+          </a:prstGeom>
+        </p:spPr>
+        <p:txBody>
+          <a:bodyPr bIns="0" lIns="0" rIns="0" tIns="0" wrap="none"/>
+          <a:p>
+            <a:endParaRPr/>
+          </a:p>
+        </p:txBody>
+      </p:sp>
+      <p:sp>
+        <p:nvSpPr>
+          <p:cNvPr id="220" name="PlaceHolder 5"/>
+          <p:cNvSpPr>
+            <a:spLocks noGrp="1"/>
+          </p:cNvSpPr>
+          <p:nvPr>
+            <p:ph type="body"/>
+          </p:nvPr>
+        </p:nvSpPr>
+        <p:spPr>
+          <a:xfrm>
+            <a:off x="1367280" y="1927800"/>
+            <a:ext cx="3131280" cy="447480"/>
+          </a:xfrm>
+          <a:prstGeom prst="rect">
+            <a:avLst/>
+          </a:prstGeom>
+        </p:spPr>
+        <p:txBody>
+          <a:bodyPr bIns="0" lIns="0" rIns="0" tIns="0" wrap="none"/>
           <a:p>
             <a:endParaRPr/>
           </a:p>
@@ -2908,7 +5052,7 @@
       </p:grpSpPr>
       <p:sp>
         <p:nvSpPr>
-          <p:cNvPr id="25" name="PlaceHolder 1"/>
+          <p:cNvPr id="22" name="PlaceHolder 1"/>
           <p:cNvSpPr>
             <a:spLocks noGrp="1"/>
           </p:cNvSpPr>
@@ -2919,7 +5063,7 @@
         <p:spPr>
           <a:xfrm>
             <a:off x="690120" y="2192400"/>
-            <a:ext cx="7772040" cy="456120"/>
+            <a:ext cx="7771680" cy="456120"/>
           </a:xfrm>
           <a:prstGeom prst="rect">
             <a:avLst/>
@@ -2929,6 +5073,107 @@
           <a:bodyPr anchor="ctr" bIns="0" lIns="0" rIns="0" tIns="0" wrap="none"/>
           <a:p>
             <a:pPr algn="ctr"/>
+            <a:endParaRPr/>
+          </a:p>
+        </p:txBody>
+      </p:sp>
+    </p:spTree>
+  </p:cSld>
+</p:sldLayout>
+</file>
+
+<file path=ppt/slideLayouts/slideLayout60.xml><?xml version="1.0" encoding="utf-8"?>
+<p:sldLayout xmlns:a="http://schemas.openxmlformats.org/drawingml/2006/main" xmlns:p="http://schemas.openxmlformats.org/presentationml/2006/main" xmlns:r="http://schemas.openxmlformats.org/officeDocument/2006/relationships" preserve="1" type="blank">
+  <p:cSld name="Title, 6 Content">
+    <p:spTree>
+      <p:nvGrpSpPr>
+        <p:cNvPr id="1" name=""/>
+        <p:cNvGrpSpPr/>
+        <p:nvPr/>
+      </p:nvGrpSpPr>
+      <p:grpSpPr>
+        <a:xfrm>
+          <a:off x="0" y="0"/>
+          <a:ext cx="0" cy="0"/>
+          <a:chOff x="0" y="0"/>
+          <a:chExt cx="0" cy="0"/>
+        </a:xfrm>
+      </p:grpSpPr>
+      <p:sp>
+        <p:nvSpPr>
+          <p:cNvPr id="221" name="PlaceHolder 1"/>
+          <p:cNvSpPr>
+            <a:spLocks noGrp="1"/>
+          </p:cNvSpPr>
+          <p:nvPr>
+            <p:ph type="title"/>
+          </p:nvPr>
+        </p:nvSpPr>
+        <p:spPr>
+          <a:xfrm>
+            <a:off x="690120" y="2463480"/>
+            <a:ext cx="7771680" cy="1523880"/>
+          </a:xfrm>
+          <a:prstGeom prst="rect">
+            <a:avLst/>
+          </a:prstGeom>
+        </p:spPr>
+        <p:txBody>
+          <a:bodyPr anchor="ctr" bIns="0" lIns="0" rIns="0" tIns="0" wrap="none"/>
+          <a:p>
+            <a:pPr algn="ctr"/>
+            <a:endParaRPr/>
+          </a:p>
+        </p:txBody>
+      </p:sp>
+      <p:sp>
+        <p:nvSpPr>
+          <p:cNvPr id="222" name="PlaceHolder 2"/>
+          <p:cNvSpPr>
+            <a:spLocks noGrp="1"/>
+          </p:cNvSpPr>
+          <p:nvPr>
+            <p:ph type="body"/>
+          </p:nvPr>
+        </p:nvSpPr>
+        <p:spPr>
+          <a:xfrm>
+            <a:off x="1367280" y="1437480"/>
+            <a:ext cx="3131280" cy="447480"/>
+          </a:xfrm>
+          <a:prstGeom prst="rect">
+            <a:avLst/>
+          </a:prstGeom>
+        </p:spPr>
+        <p:txBody>
+          <a:bodyPr bIns="0" lIns="0" rIns="0" tIns="0" wrap="none"/>
+          <a:p>
+            <a:endParaRPr/>
+          </a:p>
+        </p:txBody>
+      </p:sp>
+      <p:sp>
+        <p:nvSpPr>
+          <p:cNvPr id="223" name="PlaceHolder 3"/>
+          <p:cNvSpPr>
+            <a:spLocks noGrp="1"/>
+          </p:cNvSpPr>
+          <p:nvPr>
+            <p:ph type="body"/>
+          </p:nvPr>
+        </p:nvSpPr>
+        <p:spPr>
+          <a:xfrm>
+            <a:off x="4655160" y="1437480"/>
+            <a:ext cx="3131280" cy="447480"/>
+          </a:xfrm>
+          <a:prstGeom prst="rect">
+            <a:avLst/>
+          </a:prstGeom>
+        </p:spPr>
+        <p:txBody>
+          <a:bodyPr bIns="0" lIns="0" rIns="0" tIns="0" wrap="none"/>
+          <a:p>
             <a:endParaRPr/>
           </a:p>
         </p:txBody>
@@ -2957,7 +5202,7 @@
       </p:grpSpPr>
       <p:sp>
         <p:nvSpPr>
-          <p:cNvPr id="26" name="PlaceHolder 1"/>
+          <p:cNvPr id="23" name="PlaceHolder 1"/>
           <p:cNvSpPr>
             <a:spLocks noGrp="1"/>
           </p:cNvSpPr>
@@ -2968,7 +5213,7 @@
         <p:spPr>
           <a:xfrm>
             <a:off x="690120" y="2463480"/>
-            <a:ext cx="7772040" cy="1523880"/>
+            <a:ext cx="7771680" cy="1523880"/>
           </a:xfrm>
           <a:prstGeom prst="rect">
             <a:avLst/>
@@ -2977,13 +5222,14 @@
         <p:txBody>
           <a:bodyPr anchor="ctr" bIns="0" lIns="0" rIns="0" tIns="0" wrap="none"/>
           <a:p>
-            <a:endParaRPr/>
-          </a:p>
-        </p:txBody>
-      </p:sp>
-      <p:sp>
-        <p:nvSpPr>
-          <p:cNvPr id="27" name="PlaceHolder 2"/>
+            <a:pPr algn="ctr"/>
+            <a:endParaRPr/>
+          </a:p>
+        </p:txBody>
+      </p:sp>
+      <p:sp>
+        <p:nvSpPr>
+          <p:cNvPr id="24" name="PlaceHolder 2"/>
           <p:cNvSpPr>
             <a:spLocks noGrp="1"/>
           </p:cNvSpPr>
@@ -2994,48 +5240,48 @@
         <p:spPr>
           <a:xfrm>
             <a:off x="1367280" y="1437480"/>
-            <a:ext cx="3131280" cy="447840"/>
-          </a:xfrm>
-          <a:prstGeom prst="rect">
-            <a:avLst/>
-          </a:prstGeom>
-        </p:spPr>
-        <p:txBody>
-          <a:bodyPr bIns="0" lIns="0" rIns="0" tIns="0" wrap="none"/>
-          <a:p>
-            <a:endParaRPr/>
-          </a:p>
-        </p:txBody>
-      </p:sp>
-      <p:sp>
-        <p:nvSpPr>
-          <p:cNvPr id="28" name="PlaceHolder 3"/>
-          <p:cNvSpPr>
-            <a:spLocks noGrp="1"/>
-          </p:cNvSpPr>
-          <p:nvPr>
-            <p:ph type="body"/>
-          </p:nvPr>
-        </p:nvSpPr>
-        <p:spPr>
-          <a:xfrm>
-            <a:off x="1367280" y="1928160"/>
-            <a:ext cx="3131280" cy="447840"/>
-          </a:xfrm>
-          <a:prstGeom prst="rect">
-            <a:avLst/>
-          </a:prstGeom>
-        </p:spPr>
-        <p:txBody>
-          <a:bodyPr bIns="0" lIns="0" rIns="0" tIns="0" wrap="none"/>
-          <a:p>
-            <a:endParaRPr/>
-          </a:p>
-        </p:txBody>
-      </p:sp>
-      <p:sp>
-        <p:nvSpPr>
-          <p:cNvPr id="29" name="PlaceHolder 4"/>
+            <a:ext cx="3131280" cy="447480"/>
+          </a:xfrm>
+          <a:prstGeom prst="rect">
+            <a:avLst/>
+          </a:prstGeom>
+        </p:spPr>
+        <p:txBody>
+          <a:bodyPr bIns="0" lIns="0" rIns="0" tIns="0" wrap="none"/>
+          <a:p>
+            <a:endParaRPr/>
+          </a:p>
+        </p:txBody>
+      </p:sp>
+      <p:sp>
+        <p:nvSpPr>
+          <p:cNvPr id="25" name="PlaceHolder 3"/>
+          <p:cNvSpPr>
+            <a:spLocks noGrp="1"/>
+          </p:cNvSpPr>
+          <p:nvPr>
+            <p:ph type="body"/>
+          </p:nvPr>
+        </p:nvSpPr>
+        <p:spPr>
+          <a:xfrm>
+            <a:off x="1367280" y="1927800"/>
+            <a:ext cx="3131280" cy="447480"/>
+          </a:xfrm>
+          <a:prstGeom prst="rect">
+            <a:avLst/>
+          </a:prstGeom>
+        </p:spPr>
+        <p:txBody>
+          <a:bodyPr bIns="0" lIns="0" rIns="0" tIns="0" wrap="none"/>
+          <a:p>
+            <a:endParaRPr/>
+          </a:p>
+        </p:txBody>
+      </p:sp>
+      <p:sp>
+        <p:nvSpPr>
+          <p:cNvPr id="26" name="PlaceHolder 4"/>
           <p:cNvSpPr>
             <a:spLocks noGrp="1"/>
           </p:cNvSpPr>
@@ -3046,7 +5292,7 @@
         <p:spPr>
           <a:xfrm>
             <a:off x="4655160" y="1437480"/>
-            <a:ext cx="3131280" cy="939600"/>
+            <a:ext cx="3131280" cy="939240"/>
           </a:xfrm>
           <a:prstGeom prst="rect">
             <a:avLst/>
@@ -3083,7 +5329,7 @@
       </p:grpSpPr>
       <p:sp>
         <p:nvSpPr>
-          <p:cNvPr id="30" name="PlaceHolder 1"/>
+          <p:cNvPr id="27" name="PlaceHolder 1"/>
           <p:cNvSpPr>
             <a:spLocks noGrp="1"/>
           </p:cNvSpPr>
@@ -3094,7 +5340,7 @@
         <p:spPr>
           <a:xfrm>
             <a:off x="690120" y="2463480"/>
-            <a:ext cx="7772040" cy="1523880"/>
+            <a:ext cx="7771680" cy="1523880"/>
           </a:xfrm>
           <a:prstGeom prst="rect">
             <a:avLst/>
@@ -3103,13 +5349,14 @@
         <p:txBody>
           <a:bodyPr anchor="ctr" bIns="0" lIns="0" rIns="0" tIns="0" wrap="none"/>
           <a:p>
-            <a:endParaRPr/>
-          </a:p>
-        </p:txBody>
-      </p:sp>
-      <p:sp>
-        <p:nvSpPr>
-          <p:cNvPr id="31" name="PlaceHolder 2"/>
+            <a:pPr algn="ctr"/>
+            <a:endParaRPr/>
+          </a:p>
+        </p:txBody>
+      </p:sp>
+      <p:sp>
+        <p:nvSpPr>
+          <p:cNvPr id="28" name="PlaceHolder 2"/>
           <p:cNvSpPr>
             <a:spLocks noGrp="1"/>
           </p:cNvSpPr>
@@ -3120,22 +5367,22 @@
         <p:spPr>
           <a:xfrm>
             <a:off x="1367280" y="1437480"/>
-            <a:ext cx="3131280" cy="939600"/>
-          </a:xfrm>
-          <a:prstGeom prst="rect">
-            <a:avLst/>
-          </a:prstGeom>
-        </p:spPr>
-        <p:txBody>
-          <a:bodyPr bIns="0" lIns="0" rIns="0" tIns="0" wrap="none"/>
-          <a:p>
-            <a:endParaRPr/>
-          </a:p>
-        </p:txBody>
-      </p:sp>
-      <p:sp>
-        <p:nvSpPr>
-          <p:cNvPr id="32" name="PlaceHolder 3"/>
+            <a:ext cx="3131280" cy="939240"/>
+          </a:xfrm>
+          <a:prstGeom prst="rect">
+            <a:avLst/>
+          </a:prstGeom>
+        </p:spPr>
+        <p:txBody>
+          <a:bodyPr bIns="0" lIns="0" rIns="0" tIns="0" wrap="none"/>
+          <a:p>
+            <a:endParaRPr/>
+          </a:p>
+        </p:txBody>
+      </p:sp>
+      <p:sp>
+        <p:nvSpPr>
+          <p:cNvPr id="29" name="PlaceHolder 3"/>
           <p:cNvSpPr>
             <a:spLocks noGrp="1"/>
           </p:cNvSpPr>
@@ -3146,33 +5393,33 @@
         <p:spPr>
           <a:xfrm>
             <a:off x="4655160" y="1437480"/>
-            <a:ext cx="3131280" cy="447840"/>
-          </a:xfrm>
-          <a:prstGeom prst="rect">
-            <a:avLst/>
-          </a:prstGeom>
-        </p:spPr>
-        <p:txBody>
-          <a:bodyPr bIns="0" lIns="0" rIns="0" tIns="0" wrap="none"/>
-          <a:p>
-            <a:endParaRPr/>
-          </a:p>
-        </p:txBody>
-      </p:sp>
-      <p:sp>
-        <p:nvSpPr>
-          <p:cNvPr id="33" name="PlaceHolder 4"/>
-          <p:cNvSpPr>
-            <a:spLocks noGrp="1"/>
-          </p:cNvSpPr>
-          <p:nvPr>
-            <p:ph type="body"/>
-          </p:nvPr>
-        </p:nvSpPr>
-        <p:spPr>
-          <a:xfrm>
-            <a:off x="4655160" y="1928160"/>
-            <a:ext cx="3131280" cy="447840"/>
+            <a:ext cx="3131280" cy="447480"/>
+          </a:xfrm>
+          <a:prstGeom prst="rect">
+            <a:avLst/>
+          </a:prstGeom>
+        </p:spPr>
+        <p:txBody>
+          <a:bodyPr bIns="0" lIns="0" rIns="0" tIns="0" wrap="none"/>
+          <a:p>
+            <a:endParaRPr/>
+          </a:p>
+        </p:txBody>
+      </p:sp>
+      <p:sp>
+        <p:nvSpPr>
+          <p:cNvPr id="30" name="PlaceHolder 4"/>
+          <p:cNvSpPr>
+            <a:spLocks noGrp="1"/>
+          </p:cNvSpPr>
+          <p:nvPr>
+            <p:ph type="body"/>
+          </p:nvPr>
+        </p:nvSpPr>
+        <p:spPr>
+          <a:xfrm>
+            <a:off x="4655160" y="1927800"/>
+            <a:ext cx="3131280" cy="447480"/>
           </a:xfrm>
           <a:prstGeom prst="rect">
             <a:avLst/>
@@ -3209,7 +5456,7 @@
       </p:grpSpPr>
       <p:sp>
         <p:nvSpPr>
-          <p:cNvPr id="34" name="PlaceHolder 1"/>
+          <p:cNvPr id="31" name="PlaceHolder 1"/>
           <p:cNvSpPr>
             <a:spLocks noGrp="1"/>
           </p:cNvSpPr>
@@ -3220,7 +5467,7 @@
         <p:spPr>
           <a:xfrm>
             <a:off x="690120" y="2463480"/>
-            <a:ext cx="7772040" cy="1523880"/>
+            <a:ext cx="7771680" cy="1523880"/>
           </a:xfrm>
           <a:prstGeom prst="rect">
             <a:avLst/>
@@ -3229,13 +5476,14 @@
         <p:txBody>
           <a:bodyPr anchor="ctr" bIns="0" lIns="0" rIns="0" tIns="0" wrap="none"/>
           <a:p>
-            <a:endParaRPr/>
-          </a:p>
-        </p:txBody>
-      </p:sp>
-      <p:sp>
-        <p:nvSpPr>
-          <p:cNvPr id="35" name="PlaceHolder 2"/>
+            <a:pPr algn="ctr"/>
+            <a:endParaRPr/>
+          </a:p>
+        </p:txBody>
+      </p:sp>
+      <p:sp>
+        <p:nvSpPr>
+          <p:cNvPr id="32" name="PlaceHolder 2"/>
           <p:cNvSpPr>
             <a:spLocks noGrp="1"/>
           </p:cNvSpPr>
@@ -3246,22 +5494,22 @@
         <p:spPr>
           <a:xfrm>
             <a:off x="1367280" y="1437480"/>
-            <a:ext cx="3131280" cy="447840"/>
-          </a:xfrm>
-          <a:prstGeom prst="rect">
-            <a:avLst/>
-          </a:prstGeom>
-        </p:spPr>
-        <p:txBody>
-          <a:bodyPr bIns="0" lIns="0" rIns="0" tIns="0" wrap="none"/>
-          <a:p>
-            <a:endParaRPr/>
-          </a:p>
-        </p:txBody>
-      </p:sp>
-      <p:sp>
-        <p:nvSpPr>
-          <p:cNvPr id="36" name="PlaceHolder 3"/>
+            <a:ext cx="3131280" cy="447480"/>
+          </a:xfrm>
+          <a:prstGeom prst="rect">
+            <a:avLst/>
+          </a:prstGeom>
+        </p:spPr>
+        <p:txBody>
+          <a:bodyPr bIns="0" lIns="0" rIns="0" tIns="0" wrap="none"/>
+          <a:p>
+            <a:endParaRPr/>
+          </a:p>
+        </p:txBody>
+      </p:sp>
+      <p:sp>
+        <p:nvSpPr>
+          <p:cNvPr id="33" name="PlaceHolder 3"/>
           <p:cNvSpPr>
             <a:spLocks noGrp="1"/>
           </p:cNvSpPr>
@@ -3272,33 +5520,33 @@
         <p:spPr>
           <a:xfrm>
             <a:off x="4655160" y="1437480"/>
-            <a:ext cx="3131280" cy="447840"/>
-          </a:xfrm>
-          <a:prstGeom prst="rect">
-            <a:avLst/>
-          </a:prstGeom>
-        </p:spPr>
-        <p:txBody>
-          <a:bodyPr bIns="0" lIns="0" rIns="0" tIns="0" wrap="none"/>
-          <a:p>
-            <a:endParaRPr/>
-          </a:p>
-        </p:txBody>
-      </p:sp>
-      <p:sp>
-        <p:nvSpPr>
-          <p:cNvPr id="37" name="PlaceHolder 4"/>
-          <p:cNvSpPr>
-            <a:spLocks noGrp="1"/>
-          </p:cNvSpPr>
-          <p:nvPr>
-            <p:ph type="body"/>
-          </p:nvPr>
-        </p:nvSpPr>
-        <p:spPr>
-          <a:xfrm>
-            <a:off x="1367280" y="1928160"/>
-            <a:ext cx="6416640" cy="447840"/>
+            <a:ext cx="3131280" cy="447480"/>
+          </a:xfrm>
+          <a:prstGeom prst="rect">
+            <a:avLst/>
+          </a:prstGeom>
+        </p:spPr>
+        <p:txBody>
+          <a:bodyPr bIns="0" lIns="0" rIns="0" tIns="0" wrap="none"/>
+          <a:p>
+            <a:endParaRPr/>
+          </a:p>
+        </p:txBody>
+      </p:sp>
+      <p:sp>
+        <p:nvSpPr>
+          <p:cNvPr id="34" name="PlaceHolder 4"/>
+          <p:cNvSpPr>
+            <a:spLocks noGrp="1"/>
+          </p:cNvSpPr>
+          <p:nvPr>
+            <p:ph type="body"/>
+          </p:nvPr>
+        </p:nvSpPr>
+        <p:spPr>
+          <a:xfrm>
+            <a:off x="1367280" y="1927800"/>
+            <a:ext cx="6416640" cy="447480"/>
           </a:xfrm>
           <a:prstGeom prst="rect">
             <a:avLst/>
@@ -3349,7 +5597,7 @@
         <p:spPr>
           <a:xfrm>
             <a:off x="228600" y="228600"/>
-            <a:ext cx="8695440" cy="2468520"/>
+            <a:ext cx="8695080" cy="2468160"/>
           </a:xfrm>
           <a:prstGeom prst="roundRect">
             <a:avLst>
@@ -3378,7 +5626,7 @@
         <p:spPr>
           <a:xfrm>
             <a:off x="6047280" y="1824480"/>
-            <a:ext cx="2876040" cy="713520"/>
+            <a:ext cx="2875680" cy="713160"/>
           </a:xfrm>
           <a:prstGeom prst="rect">
             <a:avLst/>
@@ -3397,7 +5645,7 @@
         <p:spPr>
           <a:xfrm>
             <a:off x="2619360" y="1696320"/>
-            <a:ext cx="5544000" cy="849600"/>
+            <a:ext cx="5543640" cy="849240"/>
           </a:xfrm>
           <a:prstGeom prst="rect">
             <a:avLst/>
@@ -3416,7 +5664,7 @@
         <p:spPr>
           <a:xfrm>
             <a:off x="2828880" y="1708560"/>
-            <a:ext cx="5467680" cy="774000"/>
+            <a:ext cx="5467320" cy="773640"/>
           </a:xfrm>
           <a:prstGeom prst="rect">
             <a:avLst/>
@@ -3437,7 +5685,7 @@
         <p:spPr>
           <a:xfrm>
             <a:off x="5609520" y="1694880"/>
-            <a:ext cx="3307680" cy="651240"/>
+            <a:ext cx="3307320" cy="650880"/>
           </a:xfrm>
           <a:prstGeom prst="rect">
             <a:avLst/>
@@ -3458,7 +5706,7 @@
         <p:spPr>
           <a:xfrm>
             <a:off x="211680" y="1679400"/>
-            <a:ext cx="8723160" cy="1329480"/>
+            <a:ext cx="8722800" cy="1329120"/>
           </a:xfrm>
           <a:prstGeom prst="rect">
             <a:avLst/>
@@ -3477,7 +5725,7 @@
         <p:spPr>
           <a:xfrm>
             <a:off x="228600" y="228600"/>
-            <a:ext cx="8695440" cy="6034680"/>
+            <a:ext cx="8695080" cy="6034320"/>
           </a:xfrm>
           <a:prstGeom prst="roundRect">
             <a:avLst>
@@ -3506,7 +5754,7 @@
         <p:spPr>
           <a:xfrm>
             <a:off x="6054840" y="5499360"/>
-            <a:ext cx="2879640" cy="714600"/>
+            <a:ext cx="2879280" cy="714240"/>
           </a:xfrm>
           <a:prstGeom prst="rect">
             <a:avLst/>
@@ -3525,7 +5773,7 @@
         <p:spPr>
           <a:xfrm>
             <a:off x="2622240" y="5370840"/>
-            <a:ext cx="5551200" cy="851040"/>
+            <a:ext cx="5550840" cy="850680"/>
           </a:xfrm>
           <a:prstGeom prst="rect">
             <a:avLst/>
@@ -3544,7 +5792,7 @@
         <p:spPr>
           <a:xfrm>
             <a:off x="2832120" y="5383080"/>
-            <a:ext cx="5474520" cy="775080"/>
+            <a:ext cx="5474160" cy="774720"/>
           </a:xfrm>
           <a:prstGeom prst="rect">
             <a:avLst/>
@@ -3565,7 +5813,7 @@
         <p:spPr>
           <a:xfrm>
             <a:off x="5616360" y="5369760"/>
-            <a:ext cx="3312000" cy="651960"/>
+            <a:ext cx="3311640" cy="651600"/>
           </a:xfrm>
           <a:prstGeom prst="rect">
             <a:avLst/>
@@ -3586,7 +5834,7 @@
         <p:spPr>
           <a:xfrm>
             <a:off x="211680" y="5353920"/>
-            <a:ext cx="8723160" cy="1331280"/>
+            <a:ext cx="8722800" cy="1330920"/>
           </a:xfrm>
           <a:prstGeom prst="rect">
             <a:avLst/>
@@ -3608,29 +5856,19 @@
         </p:nvSpPr>
         <p:spPr>
           <a:xfrm>
-            <a:off x="685800" y="1600200"/>
-            <a:ext cx="7772040" cy="1779840"/>
-          </a:xfrm>
-          <a:prstGeom prst="rect">
-            <a:avLst/>
-          </a:prstGeom>
-        </p:spPr>
-        <p:txBody>
-          <a:bodyPr anchor="b"/>
-          <a:p>
-            <a:pPr>
-              <a:lnSpc>
-                <a:spcPct val="100000"/>
-              </a:lnSpc>
-            </a:pPr>
+            <a:off x="690120" y="2463480"/>
+            <a:ext cx="7771680" cy="1523520"/>
+          </a:xfrm>
+          <a:prstGeom prst="rect">
+            <a:avLst/>
+          </a:prstGeom>
+        </p:spPr>
+        <p:txBody>
+          <a:bodyPr anchor="ctr" bIns="0" lIns="0" rIns="0" tIns="0" wrap="none"/>
+          <a:p>
             <a:r>
-              <a:rPr lang="de-DE" sz="4400">
-                <a:solidFill>
-                  <a:srgbClr val="ffffff"/>
-                </a:solidFill>
-                <a:latin typeface="Candara"/>
-              </a:rPr>
-              <a:t>Klicken Sie, um das Format des Titeltextes zu bearbeitenTitelmasterformat durch Klicken bearbeiten</a:t>
+              <a:rPr lang="de-DE"/>
+              <a:t>Klicken Sie, um das Format des Titeltextes zu bearbeiten</a:t>
             </a:r>
             <a:endParaRPr/>
           </a:p>
@@ -3639,126 +5877,6 @@
       <p:sp>
         <p:nvSpPr>
           <p:cNvPr id="13" name="PlaceHolder 14"/>
-          <p:cNvSpPr>
-            <a:spLocks noGrp="1"/>
-          </p:cNvSpPr>
-          <p:nvPr>
-            <p:ph type="dt"/>
-          </p:nvPr>
-        </p:nvSpPr>
-        <p:spPr>
-          <a:xfrm>
-            <a:off x="5163840" y="6250320"/>
-            <a:ext cx="3786480" cy="364680"/>
-          </a:xfrm>
-          <a:prstGeom prst="rect">
-            <a:avLst/>
-          </a:prstGeom>
-        </p:spPr>
-        <p:txBody>
-          <a:bodyPr anchor="ctr"/>
-          <a:p>
-            <a:pPr algn="r">
-              <a:lnSpc>
-                <a:spcPct val="100000"/>
-              </a:lnSpc>
-            </a:pPr>
-            <a:r>
-              <a:rPr lang="de-DE" sz="1000">
-                <a:solidFill>
-                  <a:srgbClr val="073e87"/>
-                </a:solidFill>
-                <a:latin typeface="Candara"/>
-              </a:rPr>
-              <a:t>16.01.14</a:t>
-            </a:r>
-            <a:endParaRPr/>
-          </a:p>
-        </p:txBody>
-      </p:sp>
-      <p:sp>
-        <p:nvSpPr>
-          <p:cNvPr id="14" name="PlaceHolder 15"/>
-          <p:cNvSpPr>
-            <a:spLocks noGrp="1"/>
-          </p:cNvSpPr>
-          <p:nvPr>
-            <p:ph type="ftr"/>
-          </p:nvPr>
-        </p:nvSpPr>
-        <p:spPr>
-          <a:xfrm>
-            <a:off x="193680" y="6250320"/>
-            <a:ext cx="3786480" cy="364680"/>
-          </a:xfrm>
-          <a:prstGeom prst="rect">
-            <a:avLst/>
-          </a:prstGeom>
-        </p:spPr>
-        <p:txBody>
-          <a:bodyPr anchor="ctr"/>
-          <a:p>
-            <a:pPr>
-              <a:lnSpc>
-                <a:spcPct val="100000"/>
-              </a:lnSpc>
-            </a:pPr>
-            <a:r>
-              <a:rPr lang="de-DE" sz="1000">
-                <a:solidFill>
-                  <a:srgbClr val="073e87"/>
-                </a:solidFill>
-                <a:latin typeface="Candara"/>
-              </a:rPr>
-              <a:t>Wörndl, Schneider, Moschall</a:t>
-            </a:r>
-            <a:endParaRPr/>
-          </a:p>
-        </p:txBody>
-      </p:sp>
-      <p:sp>
-        <p:nvSpPr>
-          <p:cNvPr id="15" name="PlaceHolder 16"/>
-          <p:cNvSpPr>
-            <a:spLocks noGrp="1"/>
-          </p:cNvSpPr>
-          <p:nvPr>
-            <p:ph type="sldNum"/>
-          </p:nvPr>
-        </p:nvSpPr>
-        <p:spPr>
-          <a:xfrm>
-            <a:off x="3990960" y="6250320"/>
-            <a:ext cx="1161360" cy="364680"/>
-          </a:xfrm>
-          <a:prstGeom prst="rect">
-            <a:avLst/>
-          </a:prstGeom>
-        </p:spPr>
-        <p:txBody>
-          <a:bodyPr anchor="ctr"/>
-          <a:p>
-            <a:pPr algn="ctr">
-              <a:lnSpc>
-                <a:spcPct val="100000"/>
-              </a:lnSpc>
-            </a:pPr>
-            <a:fld id="{4F05C3B7-46EC-4DA8-B00B-A0B381BC82D0}" type="slidenum">
-              <a:rPr lang="de-DE" sz="1000">
-                <a:solidFill>
-                  <a:srgbClr val="073e87"/>
-                </a:solidFill>
-                <a:latin typeface="Candara"/>
-              </a:rPr>
-              <a:t>&lt;Nummer&gt;</a:t>
-            </a:fld>
-            <a:endParaRPr/>
-          </a:p>
-        </p:txBody>
-      </p:sp>
-      <p:sp>
-        <p:nvSpPr>
-          <p:cNvPr id="16" name="PlaceHolder 17"/>
           <p:cNvSpPr>
             <a:spLocks noGrp="1"/>
           </p:cNvSpPr>
@@ -3909,14 +6027,14 @@
       </p:grpSpPr>
       <p:sp>
         <p:nvSpPr>
-          <p:cNvPr id="49" name="CustomShape 1"/>
+          <p:cNvPr id="46" name="CustomShape 1"/>
           <p:cNvSpPr/>
           <p:nvPr/>
         </p:nvSpPr>
         <p:spPr>
           <a:xfrm>
             <a:off x="228600" y="228600"/>
-            <a:ext cx="8695440" cy="2468520"/>
+            <a:ext cx="8695080" cy="2468160"/>
           </a:xfrm>
           <a:prstGeom prst="roundRect">
             <a:avLst>
@@ -3938,14 +6056,14 @@
       </p:sp>
       <p:sp>
         <p:nvSpPr>
-          <p:cNvPr id="50" name="CustomShape 2"/>
+          <p:cNvPr id="47" name="CustomShape 2"/>
           <p:cNvSpPr/>
           <p:nvPr/>
         </p:nvSpPr>
         <p:spPr>
           <a:xfrm>
             <a:off x="6047280" y="1824480"/>
-            <a:ext cx="2876040" cy="713520"/>
+            <a:ext cx="2875680" cy="713160"/>
           </a:xfrm>
           <a:prstGeom prst="rect">
             <a:avLst/>
@@ -3957,14 +6075,14 @@
       </p:sp>
       <p:sp>
         <p:nvSpPr>
-          <p:cNvPr id="51" name="CustomShape 3"/>
+          <p:cNvPr id="48" name="CustomShape 3"/>
           <p:cNvSpPr/>
           <p:nvPr/>
         </p:nvSpPr>
         <p:spPr>
           <a:xfrm>
             <a:off x="2619360" y="1696320"/>
-            <a:ext cx="5544000" cy="849600"/>
+            <a:ext cx="5543640" cy="849240"/>
           </a:xfrm>
           <a:prstGeom prst="rect">
             <a:avLst/>
@@ -3976,14 +6094,14 @@
       </p:sp>
       <p:sp>
         <p:nvSpPr>
-          <p:cNvPr id="52" name="CustomShape 4"/>
+          <p:cNvPr id="49" name="CustomShape 4"/>
           <p:cNvSpPr/>
           <p:nvPr/>
         </p:nvSpPr>
         <p:spPr>
           <a:xfrm>
             <a:off x="2828880" y="1708560"/>
-            <a:ext cx="5467680" cy="774000"/>
+            <a:ext cx="5467320" cy="773640"/>
           </a:xfrm>
           <a:prstGeom prst="rect">
             <a:avLst/>
@@ -3997,14 +6115,14 @@
       </p:sp>
       <p:sp>
         <p:nvSpPr>
-          <p:cNvPr id="53" name="CustomShape 5"/>
+          <p:cNvPr id="50" name="CustomShape 5"/>
           <p:cNvSpPr/>
           <p:nvPr/>
         </p:nvSpPr>
         <p:spPr>
           <a:xfrm>
             <a:off x="5609520" y="1694880"/>
-            <a:ext cx="3307680" cy="651240"/>
+            <a:ext cx="3307320" cy="650880"/>
           </a:xfrm>
           <a:prstGeom prst="rect">
             <a:avLst/>
@@ -4018,14 +6136,14 @@
       </p:sp>
       <p:sp>
         <p:nvSpPr>
-          <p:cNvPr id="54" name="CustomShape 6"/>
+          <p:cNvPr id="51" name="CustomShape 6"/>
           <p:cNvSpPr/>
           <p:nvPr/>
         </p:nvSpPr>
         <p:spPr>
           <a:xfrm>
             <a:off x="211680" y="1679400"/>
-            <a:ext cx="8723160" cy="1329480"/>
+            <a:ext cx="8722800" cy="1329120"/>
           </a:xfrm>
           <a:prstGeom prst="rect">
             <a:avLst/>
@@ -4037,25 +6155,56 @@
       </p:sp>
       <p:sp>
         <p:nvSpPr>
-          <p:cNvPr id="55" name="PlaceHolder 7"/>
-          <p:cNvSpPr>
-            <a:spLocks noGrp="1"/>
-          </p:cNvSpPr>
-          <p:nvPr>
-            <p:ph type="body"/>
-          </p:nvPr>
-        </p:nvSpPr>
-        <p:spPr>
-          <a:xfrm>
-            <a:off x="871920" y="2675520"/>
-            <a:ext cx="7408080" cy="3450240"/>
-          </a:xfrm>
-          <a:prstGeom prst="rect">
-            <a:avLst/>
-          </a:prstGeom>
-        </p:spPr>
-        <p:txBody>
-          <a:bodyPr/>
+          <p:cNvPr id="52" name="PlaceHolder 7"/>
+          <p:cNvSpPr>
+            <a:spLocks noGrp="1"/>
+          </p:cNvSpPr>
+          <p:nvPr>
+            <p:ph type="title"/>
+          </p:nvPr>
+        </p:nvSpPr>
+        <p:spPr>
+          <a:xfrm>
+            <a:off x="457200" y="273600"/>
+            <a:ext cx="8229240" cy="1144800"/>
+          </a:xfrm>
+          <a:prstGeom prst="rect">
+            <a:avLst/>
+          </a:prstGeom>
+        </p:spPr>
+        <p:txBody>
+          <a:bodyPr anchor="ctr" bIns="0" lIns="0" rIns="0" tIns="0" wrap="none"/>
+          <a:p>
+            <a:pPr algn="ctr"/>
+            <a:r>
+              <a:rPr lang="de-DE"/>
+              <a:t>Klicken Sie, um das Format des Titeltextes zu bearbeiten</a:t>
+            </a:r>
+            <a:endParaRPr/>
+          </a:p>
+        </p:txBody>
+      </p:sp>
+      <p:sp>
+        <p:nvSpPr>
+          <p:cNvPr id="53" name="PlaceHolder 8"/>
+          <p:cNvSpPr>
+            <a:spLocks noGrp="1"/>
+          </p:cNvSpPr>
+          <p:nvPr>
+            <p:ph type="body"/>
+          </p:nvPr>
+        </p:nvSpPr>
+        <p:spPr>
+          <a:xfrm>
+            <a:off x="457200" y="1604520"/>
+            <a:ext cx="8229240" cy="3977280"/>
+          </a:xfrm>
+          <a:prstGeom prst="rect">
+            <a:avLst/>
+          </a:prstGeom>
+        </p:spPr>
+        <p:txBody>
+          <a:bodyPr bIns="0" lIns="0" rIns="0" tIns="0" wrap="none"/>
           <a:p>
             <a:pPr>
               <a:buSzPct val="25000"/>
@@ -4063,12 +6212,7 @@
               <a:buChar char=""/>
             </a:pPr>
             <a:r>
-              <a:rPr lang="de-DE" sz="2400">
-                <a:solidFill>
-                  <a:srgbClr val="073e87"/>
-                </a:solidFill>
-                <a:latin typeface="Candara"/>
-              </a:rPr>
+              <a:rPr lang="de-DE"/>
               <a:t>Klicken Sie, um die Formate des Gliederungstextes zu bearbeiten</a:t>
             </a:r>
             <a:endParaRPr/>
@@ -4080,12 +6224,7 @@
               <a:buChar char=""/>
             </a:pPr>
             <a:r>
-              <a:rPr lang="de-DE" sz="2400">
-                <a:solidFill>
-                  <a:srgbClr val="073e87"/>
-                </a:solidFill>
-                <a:latin typeface="Candara"/>
-              </a:rPr>
+              <a:rPr lang="de-DE"/>
               <a:t>Zweite Gliederungsebene</a:t>
             </a:r>
             <a:endParaRPr/>
@@ -4097,12 +6236,7 @@
               <a:buChar char=""/>
             </a:pPr>
             <a:r>
-              <a:rPr lang="de-DE" sz="2400">
-                <a:solidFill>
-                  <a:srgbClr val="073e87"/>
-                </a:solidFill>
-                <a:latin typeface="Candara"/>
-              </a:rPr>
+              <a:rPr lang="de-DE"/>
               <a:t>Dritte Gliederungsebene</a:t>
             </a:r>
             <a:endParaRPr/>
@@ -4114,12 +6248,7 @@
               <a:buChar char=""/>
             </a:pPr>
             <a:r>
-              <a:rPr lang="de-DE" sz="2400">
-                <a:solidFill>
-                  <a:srgbClr val="073e87"/>
-                </a:solidFill>
-                <a:latin typeface="Candara"/>
-              </a:rPr>
+              <a:rPr lang="de-DE"/>
               <a:t>Vierte Gliederungsebene</a:t>
             </a:r>
             <a:endParaRPr/>
@@ -4131,12 +6260,7 @@
               <a:buChar char=""/>
             </a:pPr>
             <a:r>
-              <a:rPr lang="de-DE" sz="2400">
-                <a:solidFill>
-                  <a:srgbClr val="073e87"/>
-                </a:solidFill>
-                <a:latin typeface="Candara"/>
-              </a:rPr>
+              <a:rPr lang="de-DE"/>
               <a:t>Fünfte Gliederungsebene</a:t>
             </a:r>
             <a:endParaRPr/>
@@ -4148,272 +6272,20 @@
               <a:buChar char=""/>
             </a:pPr>
             <a:r>
-              <a:rPr lang="de-DE" sz="2400">
-                <a:solidFill>
-                  <a:srgbClr val="073e87"/>
-                </a:solidFill>
-                <a:latin typeface="Candara"/>
-              </a:rPr>
+              <a:rPr lang="de-DE"/>
               <a:t>Sechste Gliederungsebene</a:t>
             </a:r>
             <a:endParaRPr/>
           </a:p>
           <a:p>
-            <a:pPr>
-              <a:lnSpc>
-                <a:spcPct val="100000"/>
-              </a:lnSpc>
-              <a:buFont typeface="Symbol"/>
-              <a:buChar char=""/>
-            </a:pPr>
-            <a:r>
-              <a:rPr lang="de-DE" sz="2400">
-                <a:solidFill>
-                  <a:srgbClr val="073e87"/>
-                </a:solidFill>
-                <a:latin typeface="Candara"/>
-              </a:rPr>
-              <a:t>Siebente GliederungsebeneTextmasterformat bearbeiten</a:t>
-            </a:r>
-            <a:endParaRPr/>
-          </a:p>
-          <a:p>
-            <a:pPr lvl="1">
-              <a:lnSpc>
-                <a:spcPct val="100000"/>
-              </a:lnSpc>
-              <a:buSzPct val="25000"/>
-              <a:buFont typeface="StarSymbol"/>
-              <a:buChar char=""/>
-            </a:pPr>
-            <a:r>
-              <a:rPr lang="de-DE" sz="2200">
-                <a:solidFill>
-                  <a:srgbClr val="073e87"/>
-                </a:solidFill>
-                <a:latin typeface="Candara"/>
-              </a:rPr>
-              <a:t>Zweite Ebene</a:t>
-            </a:r>
-            <a:endParaRPr/>
-          </a:p>
-          <a:p>
-            <a:pPr lvl="2">
-              <a:lnSpc>
-                <a:spcPct val="100000"/>
-              </a:lnSpc>
+            <a:pPr lvl="6">
               <a:buSzPct val="25000"/>
               <a:buFont typeface="StarSymbol"/>
               <a:buChar char=""/>
             </a:pPr>
             <a:r>
-              <a:rPr lang="de-DE" sz="2000">
-                <a:solidFill>
-                  <a:srgbClr val="073e87"/>
-                </a:solidFill>
-                <a:latin typeface="Candara"/>
-              </a:rPr>
-              <a:t>Dritte Ebene</a:t>
-            </a:r>
-            <a:endParaRPr/>
-          </a:p>
-          <a:p>
-            <a:pPr lvl="3">
-              <a:lnSpc>
-                <a:spcPct val="100000"/>
-              </a:lnSpc>
-              <a:buSzPct val="25000"/>
-              <a:buFont typeface="StarSymbol"/>
-              <a:buChar char=""/>
-            </a:pPr>
-            <a:r>
-              <a:rPr lang="de-DE">
-                <a:solidFill>
-                  <a:srgbClr val="073e87"/>
-                </a:solidFill>
-                <a:latin typeface="Candara"/>
-              </a:rPr>
-              <a:t>Vierte Ebene</a:t>
-            </a:r>
-            <a:endParaRPr/>
-          </a:p>
-          <a:p>
-            <a:pPr lvl="4">
-              <a:lnSpc>
-                <a:spcPct val="100000"/>
-              </a:lnSpc>
-              <a:buSzPct val="25000"/>
-              <a:buFont typeface="StarSymbol"/>
-              <a:buChar char=""/>
-            </a:pPr>
-            <a:r>
-              <a:rPr lang="de-DE" sz="1600">
-                <a:solidFill>
-                  <a:srgbClr val="073e87"/>
-                </a:solidFill>
-                <a:latin typeface="Candara"/>
-              </a:rPr>
-              <a:t>Fünfte Ebene</a:t>
-            </a:r>
-            <a:endParaRPr/>
-          </a:p>
-        </p:txBody>
-      </p:sp>
-      <p:sp>
-        <p:nvSpPr>
-          <p:cNvPr id="56" name="PlaceHolder 8"/>
-          <p:cNvSpPr>
-            <a:spLocks noGrp="1"/>
-          </p:cNvSpPr>
-          <p:nvPr>
-            <p:ph type="dt"/>
-          </p:nvPr>
-        </p:nvSpPr>
-        <p:spPr>
-          <a:xfrm>
-            <a:off x="5163840" y="6250320"/>
-            <a:ext cx="3786480" cy="364680"/>
-          </a:xfrm>
-          <a:prstGeom prst="rect">
-            <a:avLst/>
-          </a:prstGeom>
-        </p:spPr>
-        <p:txBody>
-          <a:bodyPr anchor="ctr"/>
-          <a:p>
-            <a:pPr algn="r">
-              <a:lnSpc>
-                <a:spcPct val="100000"/>
-              </a:lnSpc>
-            </a:pPr>
-            <a:r>
-              <a:rPr lang="de-DE" sz="1000">
-                <a:solidFill>
-                  <a:srgbClr val="073e87"/>
-                </a:solidFill>
-                <a:latin typeface="Candara"/>
-              </a:rPr>
-              <a:t>16.01.14</a:t>
-            </a:r>
-            <a:endParaRPr/>
-          </a:p>
-        </p:txBody>
-      </p:sp>
-      <p:sp>
-        <p:nvSpPr>
-          <p:cNvPr id="57" name="PlaceHolder 9"/>
-          <p:cNvSpPr>
-            <a:spLocks noGrp="1"/>
-          </p:cNvSpPr>
-          <p:nvPr>
-            <p:ph type="ftr"/>
-          </p:nvPr>
-        </p:nvSpPr>
-        <p:spPr>
-          <a:xfrm>
-            <a:off x="193680" y="6250320"/>
-            <a:ext cx="3786480" cy="364680"/>
-          </a:xfrm>
-          <a:prstGeom prst="rect">
-            <a:avLst/>
-          </a:prstGeom>
-        </p:spPr>
-        <p:txBody>
-          <a:bodyPr anchor="ctr"/>
-          <a:p>
-            <a:pPr>
-              <a:lnSpc>
-                <a:spcPct val="100000"/>
-              </a:lnSpc>
-            </a:pPr>
-            <a:r>
-              <a:rPr lang="de-DE" sz="1000">
-                <a:solidFill>
-                  <a:srgbClr val="073e87"/>
-                </a:solidFill>
-                <a:latin typeface="Candara"/>
-              </a:rPr>
-              <a:t>Wörndl, Schneider, Moschall</a:t>
-            </a:r>
-            <a:endParaRPr/>
-          </a:p>
-        </p:txBody>
-      </p:sp>
-      <p:sp>
-        <p:nvSpPr>
-          <p:cNvPr id="58" name="PlaceHolder 10"/>
-          <p:cNvSpPr>
-            <a:spLocks noGrp="1"/>
-          </p:cNvSpPr>
-          <p:nvPr>
-            <p:ph type="sldNum"/>
-          </p:nvPr>
-        </p:nvSpPr>
-        <p:spPr>
-          <a:xfrm>
-            <a:off x="3990960" y="6250320"/>
-            <a:ext cx="1161360" cy="364680"/>
-          </a:xfrm>
-          <a:prstGeom prst="rect">
-            <a:avLst/>
-          </a:prstGeom>
-        </p:spPr>
-        <p:txBody>
-          <a:bodyPr anchor="ctr"/>
-          <a:p>
-            <a:pPr algn="ctr">
-              <a:lnSpc>
-                <a:spcPct val="100000"/>
-              </a:lnSpc>
-            </a:pPr>
-            <a:fld id="{C6D43505-4F6D-46C5-A522-1FAF470994D9}" type="slidenum">
-              <a:rPr lang="de-DE" sz="1000">
-                <a:solidFill>
-                  <a:srgbClr val="073e87"/>
-                </a:solidFill>
-                <a:latin typeface="Candara"/>
-              </a:rPr>
-              <a:t>&lt;Nummer&gt;</a:t>
-            </a:fld>
-            <a:endParaRPr/>
-          </a:p>
-        </p:txBody>
-      </p:sp>
-      <p:sp>
-        <p:nvSpPr>
-          <p:cNvPr id="59" name="PlaceHolder 11"/>
-          <p:cNvSpPr>
-            <a:spLocks noGrp="1"/>
-          </p:cNvSpPr>
-          <p:nvPr>
-            <p:ph type="title"/>
-          </p:nvPr>
-        </p:nvSpPr>
-        <p:spPr>
-          <a:xfrm>
-            <a:off x="457200" y="338400"/>
-            <a:ext cx="8229240" cy="1252440"/>
-          </a:xfrm>
-          <a:prstGeom prst="rect">
-            <a:avLst/>
-          </a:prstGeom>
-        </p:spPr>
-        <p:txBody>
-          <a:bodyPr anchor="ctr"/>
-          <a:p>
-            <a:pPr algn="ctr">
-              <a:lnSpc>
-                <a:spcPct val="100000"/>
-              </a:lnSpc>
-            </a:pPr>
-            <a:r>
-              <a:rPr lang="de-DE" sz="4400">
-                <a:solidFill>
-                  <a:srgbClr val="ffffff"/>
-                </a:solidFill>
-                <a:latin typeface="Candara"/>
-              </a:rPr>
-              <a:t>Klicken Sie, um das Format des Titeltextes zu bearbeitenTitelmasterformat durch Klicken bearbeiten</a:t>
+              <a:rPr lang="de-DE"/>
+              <a:t>Siebente Gliederungsebene</a:t>
             </a:r>
             <a:endParaRPr/>
           </a:p>
@@ -4465,14 +6337,14 @@
       </p:grpSpPr>
       <p:sp>
         <p:nvSpPr>
-          <p:cNvPr id="92" name="CustomShape 1"/>
+          <p:cNvPr id="86" name="CustomShape 1"/>
           <p:cNvSpPr/>
           <p:nvPr/>
         </p:nvSpPr>
         <p:spPr>
           <a:xfrm>
             <a:off x="228600" y="228600"/>
-            <a:ext cx="8695440" cy="2468520"/>
+            <a:ext cx="8695080" cy="2468160"/>
           </a:xfrm>
           <a:prstGeom prst="roundRect">
             <a:avLst>
@@ -4494,14 +6366,14 @@
       </p:sp>
       <p:sp>
         <p:nvSpPr>
-          <p:cNvPr id="93" name="CustomShape 2"/>
+          <p:cNvPr id="87" name="CustomShape 2"/>
           <p:cNvSpPr/>
           <p:nvPr/>
         </p:nvSpPr>
         <p:spPr>
           <a:xfrm>
             <a:off x="6047280" y="1824480"/>
-            <a:ext cx="2876040" cy="713520"/>
+            <a:ext cx="2875680" cy="713160"/>
           </a:xfrm>
           <a:prstGeom prst="rect">
             <a:avLst/>
@@ -4513,14 +6385,14 @@
       </p:sp>
       <p:sp>
         <p:nvSpPr>
-          <p:cNvPr id="94" name="CustomShape 3"/>
+          <p:cNvPr id="88" name="CustomShape 3"/>
           <p:cNvSpPr/>
           <p:nvPr/>
         </p:nvSpPr>
         <p:spPr>
           <a:xfrm>
             <a:off x="2619360" y="1696320"/>
-            <a:ext cx="5544000" cy="849600"/>
+            <a:ext cx="5543640" cy="849240"/>
           </a:xfrm>
           <a:prstGeom prst="rect">
             <a:avLst/>
@@ -4532,14 +6404,14 @@
       </p:sp>
       <p:sp>
         <p:nvSpPr>
-          <p:cNvPr id="95" name="CustomShape 4"/>
+          <p:cNvPr id="89" name="CustomShape 4"/>
           <p:cNvSpPr/>
           <p:nvPr/>
         </p:nvSpPr>
         <p:spPr>
           <a:xfrm>
             <a:off x="2828880" y="1708560"/>
-            <a:ext cx="5467680" cy="774000"/>
+            <a:ext cx="5467320" cy="773640"/>
           </a:xfrm>
           <a:prstGeom prst="rect">
             <a:avLst/>
@@ -4553,14 +6425,14 @@
       </p:sp>
       <p:sp>
         <p:nvSpPr>
-          <p:cNvPr id="96" name="CustomShape 5"/>
+          <p:cNvPr id="90" name="CustomShape 5"/>
           <p:cNvSpPr/>
           <p:nvPr/>
         </p:nvSpPr>
         <p:spPr>
           <a:xfrm>
             <a:off x="5609520" y="1694880"/>
-            <a:ext cx="3307680" cy="651240"/>
+            <a:ext cx="3307320" cy="650880"/>
           </a:xfrm>
           <a:prstGeom prst="rect">
             <a:avLst/>
@@ -4574,14 +6446,14 @@
       </p:sp>
       <p:sp>
         <p:nvSpPr>
-          <p:cNvPr id="97" name="CustomShape 6"/>
+          <p:cNvPr id="91" name="CustomShape 6"/>
           <p:cNvSpPr/>
           <p:nvPr/>
         </p:nvSpPr>
         <p:spPr>
           <a:xfrm>
             <a:off x="211680" y="1679400"/>
-            <a:ext cx="8723160" cy="1329480"/>
+            <a:ext cx="8722800" cy="1329120"/>
           </a:xfrm>
           <a:prstGeom prst="rect">
             <a:avLst/>
@@ -4593,14 +6465,14 @@
       </p:sp>
       <p:sp>
         <p:nvSpPr>
-          <p:cNvPr id="98" name="CustomShape 7"/>
+          <p:cNvPr id="92" name="CustomShape 7"/>
           <p:cNvSpPr/>
           <p:nvPr/>
         </p:nvSpPr>
         <p:spPr>
           <a:xfrm>
             <a:off x="228600" y="228600"/>
-            <a:ext cx="8695440" cy="4736160"/>
+            <a:ext cx="8695080" cy="4735800"/>
           </a:xfrm>
           <a:prstGeom prst="roundRect">
             <a:avLst>
@@ -4622,14 +6494,14 @@
       </p:sp>
       <p:sp>
         <p:nvSpPr>
-          <p:cNvPr id="99" name="CustomShape 8"/>
+          <p:cNvPr id="93" name="CustomShape 8"/>
           <p:cNvSpPr/>
           <p:nvPr/>
         </p:nvSpPr>
         <p:spPr>
           <a:xfrm>
             <a:off x="6047280" y="4203720"/>
-            <a:ext cx="2876040" cy="713520"/>
+            <a:ext cx="2875680" cy="713160"/>
           </a:xfrm>
           <a:prstGeom prst="rect">
             <a:avLst/>
@@ -4641,14 +6513,14 @@
       </p:sp>
       <p:sp>
         <p:nvSpPr>
-          <p:cNvPr id="100" name="CustomShape 9"/>
+          <p:cNvPr id="94" name="CustomShape 9"/>
           <p:cNvSpPr/>
           <p:nvPr/>
         </p:nvSpPr>
         <p:spPr>
           <a:xfrm>
             <a:off x="2619360" y="4075200"/>
-            <a:ext cx="5544000" cy="849600"/>
+            <a:ext cx="5543640" cy="849240"/>
           </a:xfrm>
           <a:prstGeom prst="rect">
             <a:avLst/>
@@ -4660,14 +6532,14 @@
       </p:sp>
       <p:sp>
         <p:nvSpPr>
-          <p:cNvPr id="101" name="CustomShape 10"/>
+          <p:cNvPr id="95" name="CustomShape 10"/>
           <p:cNvSpPr/>
           <p:nvPr/>
         </p:nvSpPr>
         <p:spPr>
           <a:xfrm>
             <a:off x="2828880" y="4087440"/>
-            <a:ext cx="5467680" cy="774000"/>
+            <a:ext cx="5467320" cy="773640"/>
           </a:xfrm>
           <a:prstGeom prst="rect">
             <a:avLst/>
@@ -4681,14 +6553,14 @@
       </p:sp>
       <p:sp>
         <p:nvSpPr>
-          <p:cNvPr id="102" name="CustomShape 11"/>
+          <p:cNvPr id="96" name="CustomShape 11"/>
           <p:cNvSpPr/>
           <p:nvPr/>
         </p:nvSpPr>
         <p:spPr>
           <a:xfrm>
             <a:off x="5609520" y="4074120"/>
-            <a:ext cx="3307680" cy="651240"/>
+            <a:ext cx="3307320" cy="650880"/>
           </a:xfrm>
           <a:prstGeom prst="rect">
             <a:avLst/>
@@ -4702,14 +6574,14 @@
       </p:sp>
       <p:sp>
         <p:nvSpPr>
-          <p:cNvPr id="103" name="CustomShape 12"/>
+          <p:cNvPr id="97" name="CustomShape 12"/>
           <p:cNvSpPr/>
           <p:nvPr/>
         </p:nvSpPr>
         <p:spPr>
           <a:xfrm>
             <a:off x="211680" y="4058640"/>
-            <a:ext cx="8723160" cy="1329480"/>
+            <a:ext cx="8722800" cy="1329120"/>
           </a:xfrm>
           <a:prstGeom prst="rect">
             <a:avLst/>
@@ -4721,7 +6593,7 @@
       </p:sp>
       <p:sp>
         <p:nvSpPr>
-          <p:cNvPr id="104" name="PlaceHolder 13"/>
+          <p:cNvPr id="98" name="PlaceHolder 13"/>
           <p:cNvSpPr>
             <a:spLocks noGrp="1"/>
           </p:cNvSpPr>
@@ -4732,28 +6604,18 @@
         <p:spPr>
           <a:xfrm>
             <a:off x="690120" y="2463480"/>
-            <a:ext cx="7772040" cy="1523520"/>
-          </a:xfrm>
-          <a:prstGeom prst="rect">
-            <a:avLst/>
-          </a:prstGeom>
-        </p:spPr>
-        <p:txBody>
-          <a:bodyPr/>
-          <a:p>
-            <a:pPr algn="ctr">
-              <a:lnSpc>
-                <a:spcPct val="100000"/>
-              </a:lnSpc>
-            </a:pPr>
+            <a:ext cx="7771680" cy="1523520"/>
+          </a:xfrm>
+          <a:prstGeom prst="rect">
+            <a:avLst/>
+          </a:prstGeom>
+        </p:spPr>
+        <p:txBody>
+          <a:bodyPr anchor="ctr" bIns="0" lIns="0" rIns="0" tIns="0" wrap="none"/>
+          <a:p>
             <a:r>
-              <a:rPr lang="de-DE" sz="4400">
-                <a:solidFill>
-                  <a:srgbClr val="ffffff"/>
-                </a:solidFill>
-                <a:latin typeface="Candara"/>
-              </a:rPr>
-              <a:t>Klicken Sie, um das Format des Titeltextes zu bearbeitenTitelmasterformat durch Klicken bearbeiten</a:t>
+              <a:rPr lang="de-DE"/>
+              <a:t>Klicken Sie, um das Format des Titeltextes zu bearbeiten</a:t>
             </a:r>
             <a:endParaRPr/>
           </a:p>
@@ -4761,25 +6623,25 @@
       </p:sp>
       <p:sp>
         <p:nvSpPr>
-          <p:cNvPr id="105" name="PlaceHolder 14"/>
-          <p:cNvSpPr>
-            <a:spLocks noGrp="1"/>
-          </p:cNvSpPr>
-          <p:nvPr>
-            <p:ph type="body"/>
-          </p:nvPr>
-        </p:nvSpPr>
-        <p:spPr>
-          <a:xfrm>
-            <a:off x="1367280" y="1437480"/>
-            <a:ext cx="6417360" cy="939600"/>
-          </a:xfrm>
-          <a:prstGeom prst="rect">
-            <a:avLst/>
-          </a:prstGeom>
-        </p:spPr>
-        <p:txBody>
-          <a:bodyPr anchor="b"/>
+          <p:cNvPr id="99" name="PlaceHolder 14"/>
+          <p:cNvSpPr>
+            <a:spLocks noGrp="1"/>
+          </p:cNvSpPr>
+          <p:nvPr>
+            <p:ph type="body"/>
+          </p:nvPr>
+        </p:nvSpPr>
+        <p:spPr>
+          <a:xfrm>
+            <a:off x="457200" y="1604520"/>
+            <a:ext cx="8229240" cy="3977280"/>
+          </a:xfrm>
+          <a:prstGeom prst="rect">
+            <a:avLst/>
+          </a:prstGeom>
+        </p:spPr>
+        <p:txBody>
+          <a:bodyPr bIns="0" lIns="0" rIns="0" tIns="0" wrap="none"/>
           <a:p>
             <a:pPr>
               <a:buSzPct val="25000"/>
@@ -4787,12 +6649,7 @@
               <a:buChar char=""/>
             </a:pPr>
             <a:r>
-              <a:rPr lang="de-DE" sz="2000">
-                <a:solidFill>
-                  <a:srgbClr val="ffffff"/>
-                </a:solidFill>
-                <a:latin typeface="Candara"/>
-              </a:rPr>
+              <a:rPr lang="de-DE"/>
               <a:t>Klicken Sie, um die Formate des Gliederungstextes zu bearbeiten</a:t>
             </a:r>
             <a:endParaRPr/>
@@ -4804,12 +6661,7 @@
               <a:buChar char=""/>
             </a:pPr>
             <a:r>
-              <a:rPr lang="de-DE" sz="2000">
-                <a:solidFill>
-                  <a:srgbClr val="ffffff"/>
-                </a:solidFill>
-                <a:latin typeface="Candara"/>
-              </a:rPr>
+              <a:rPr lang="de-DE"/>
               <a:t>Zweite Gliederungsebene</a:t>
             </a:r>
             <a:endParaRPr/>
@@ -4821,12 +6673,7 @@
               <a:buChar char=""/>
             </a:pPr>
             <a:r>
-              <a:rPr lang="de-DE" sz="2000">
-                <a:solidFill>
-                  <a:srgbClr val="ffffff"/>
-                </a:solidFill>
-                <a:latin typeface="Candara"/>
-              </a:rPr>
+              <a:rPr lang="de-DE"/>
               <a:t>Dritte Gliederungsebene</a:t>
             </a:r>
             <a:endParaRPr/>
@@ -4838,12 +6685,7 @@
               <a:buChar char=""/>
             </a:pPr>
             <a:r>
-              <a:rPr lang="de-DE" sz="2000">
-                <a:solidFill>
-                  <a:srgbClr val="ffffff"/>
-                </a:solidFill>
-                <a:latin typeface="Candara"/>
-              </a:rPr>
+              <a:rPr lang="de-DE"/>
               <a:t>Vierte Gliederungsebene</a:t>
             </a:r>
             <a:endParaRPr/>
@@ -4855,12 +6697,7 @@
               <a:buChar char=""/>
             </a:pPr>
             <a:r>
-              <a:rPr lang="de-DE" sz="2000">
-                <a:solidFill>
-                  <a:srgbClr val="ffffff"/>
-                </a:solidFill>
-                <a:latin typeface="Candara"/>
-              </a:rPr>
+              <a:rPr lang="de-DE"/>
               <a:t>Fünfte Gliederungsebene</a:t>
             </a:r>
             <a:endParaRPr/>
@@ -4872,151 +6709,21 @@
               <a:buChar char=""/>
             </a:pPr>
             <a:r>
-              <a:rPr lang="de-DE" sz="2000">
-                <a:solidFill>
-                  <a:srgbClr val="ffffff"/>
-                </a:solidFill>
-                <a:latin typeface="Candara"/>
-              </a:rPr>
+              <a:rPr lang="de-DE"/>
               <a:t>Sechste Gliederungsebene</a:t>
             </a:r>
             <a:endParaRPr/>
           </a:p>
           <a:p>
-            <a:pPr>
-              <a:lnSpc>
-                <a:spcPct val="100000"/>
-              </a:lnSpc>
+            <a:pPr lvl="6">
+              <a:buSzPct val="25000"/>
+              <a:buFont typeface="StarSymbol"/>
+              <a:buChar char=""/>
             </a:pPr>
             <a:r>
-              <a:rPr lang="de-DE" sz="2000">
-                <a:solidFill>
-                  <a:srgbClr val="ffffff"/>
-                </a:solidFill>
-                <a:latin typeface="Candara"/>
-              </a:rPr>
-              <a:t>Siebente GliederungsebeneTextmasterformat bearbeiten</a:t>
+              <a:rPr lang="de-DE"/>
+              <a:t>Siebente Gliederungsebene</a:t>
             </a:r>
-            <a:endParaRPr/>
-          </a:p>
-        </p:txBody>
-      </p:sp>
-      <p:sp>
-        <p:nvSpPr>
-          <p:cNvPr id="106" name="PlaceHolder 15"/>
-          <p:cNvSpPr>
-            <a:spLocks noGrp="1"/>
-          </p:cNvSpPr>
-          <p:nvPr>
-            <p:ph type="dt"/>
-          </p:nvPr>
-        </p:nvSpPr>
-        <p:spPr>
-          <a:xfrm>
-            <a:off x="5163840" y="6250320"/>
-            <a:ext cx="3786480" cy="364680"/>
-          </a:xfrm>
-          <a:prstGeom prst="rect">
-            <a:avLst/>
-          </a:prstGeom>
-        </p:spPr>
-        <p:txBody>
-          <a:bodyPr anchor="ctr"/>
-          <a:p>
-            <a:pPr algn="r">
-              <a:lnSpc>
-                <a:spcPct val="100000"/>
-              </a:lnSpc>
-            </a:pPr>
-            <a:r>
-              <a:rPr lang="de-DE" sz="1000">
-                <a:solidFill>
-                  <a:srgbClr val="073e87"/>
-                </a:solidFill>
-                <a:latin typeface="Candara"/>
-              </a:rPr>
-              <a:t>16.01.14</a:t>
-            </a:r>
-            <a:endParaRPr/>
-          </a:p>
-        </p:txBody>
-      </p:sp>
-      <p:sp>
-        <p:nvSpPr>
-          <p:cNvPr id="107" name="PlaceHolder 16"/>
-          <p:cNvSpPr>
-            <a:spLocks noGrp="1"/>
-          </p:cNvSpPr>
-          <p:nvPr>
-            <p:ph type="ftr"/>
-          </p:nvPr>
-        </p:nvSpPr>
-        <p:spPr>
-          <a:xfrm>
-            <a:off x="193680" y="6250320"/>
-            <a:ext cx="3786480" cy="364680"/>
-          </a:xfrm>
-          <a:prstGeom prst="rect">
-            <a:avLst/>
-          </a:prstGeom>
-        </p:spPr>
-        <p:txBody>
-          <a:bodyPr anchor="ctr"/>
-          <a:p>
-            <a:pPr>
-              <a:lnSpc>
-                <a:spcPct val="100000"/>
-              </a:lnSpc>
-            </a:pPr>
-            <a:r>
-              <a:rPr lang="de-DE" sz="1000">
-                <a:solidFill>
-                  <a:srgbClr val="073e87"/>
-                </a:solidFill>
-                <a:latin typeface="Candara"/>
-              </a:rPr>
-              <a:t>Wörndl, Schneider, Moschall</a:t>
-            </a:r>
-            <a:endParaRPr/>
-          </a:p>
-        </p:txBody>
-      </p:sp>
-      <p:sp>
-        <p:nvSpPr>
-          <p:cNvPr id="108" name="PlaceHolder 17"/>
-          <p:cNvSpPr>
-            <a:spLocks noGrp="1"/>
-          </p:cNvSpPr>
-          <p:nvPr>
-            <p:ph type="sldNum"/>
-          </p:nvPr>
-        </p:nvSpPr>
-        <p:spPr>
-          <a:xfrm>
-            <a:off x="3990960" y="6250320"/>
-            <a:ext cx="1161360" cy="364680"/>
-          </a:xfrm>
-          <a:prstGeom prst="rect">
-            <a:avLst/>
-          </a:prstGeom>
-        </p:spPr>
-        <p:txBody>
-          <a:bodyPr anchor="ctr"/>
-          <a:p>
-            <a:pPr algn="ctr">
-              <a:lnSpc>
-                <a:spcPct val="100000"/>
-              </a:lnSpc>
-            </a:pPr>
-            <a:fld id="{E456A339-FDAC-4C81-A39B-6684E861E662}" type="slidenum">
-              <a:rPr lang="de-DE" sz="1000">
-                <a:solidFill>
-                  <a:srgbClr val="073e87"/>
-                </a:solidFill>
-                <a:latin typeface="Candara"/>
-              </a:rPr>
-              <a:t>&lt;Nummer&gt;</a:t>
-            </a:fld>
             <a:endParaRPr/>
           </a:p>
         </p:txBody>
@@ -5037,6 +6744,880 @@
     <p:sldLayoutId id="2147483684" r:id="rId11"/>
     <p:sldLayoutId id="2147483685" r:id="rId12"/>
     <p:sldLayoutId id="2147483686" r:id="rId13"/>
+  </p:sldLayoutIdLst>
+</p:sldMaster>
+</file>
+
+<file path=ppt/slideMasters/slideMaster4.xml><?xml version="1.0" encoding="utf-8"?>
+<p:sldMaster xmlns:a="http://schemas.openxmlformats.org/drawingml/2006/main" xmlns:p="http://schemas.openxmlformats.org/presentationml/2006/main" xmlns:r="http://schemas.openxmlformats.org/officeDocument/2006/relationships">
+  <p:cSld>
+    <p:bg>
+      <p:bgPr>
+        <a:solidFill>
+          <a:srgbClr val="ffffff"/>
+        </a:solidFill>
+      </p:bgPr>
+    </p:bg>
+    <p:spTree>
+      <p:nvGrpSpPr>
+        <p:cNvPr id="1" name=""/>
+        <p:cNvGrpSpPr/>
+        <p:nvPr/>
+      </p:nvGrpSpPr>
+      <p:grpSpPr>
+        <a:xfrm>
+          <a:off x="0" y="0"/>
+          <a:ext cx="0" cy="0"/>
+          <a:chOff x="0" y="0"/>
+          <a:chExt cx="0" cy="0"/>
+        </a:xfrm>
+      </p:grpSpPr>
+      <p:sp>
+        <p:nvSpPr>
+          <p:cNvPr id="132" name="CustomShape 1"/>
+          <p:cNvSpPr/>
+          <p:nvPr/>
+        </p:nvSpPr>
+        <p:spPr>
+          <a:xfrm>
+            <a:off x="228600" y="228600"/>
+            <a:ext cx="8695080" cy="2468160"/>
+          </a:xfrm>
+          <a:prstGeom prst="roundRect">
+            <a:avLst>
+              <a:gd fmla="val 3362" name="adj"/>
+            </a:avLst>
+          </a:prstGeom>
+          <a:gradFill>
+            <a:gsLst>
+              <a:gs pos="0">
+                <a:srgbClr val="0293e0"/>
+              </a:gs>
+              <a:gs pos="100000">
+                <a:srgbClr val="83d3fe"/>
+              </a:gs>
+            </a:gsLst>
+            <a:lin ang="5400000"/>
+          </a:gradFill>
+        </p:spPr>
+      </p:sp>
+      <p:sp>
+        <p:nvSpPr>
+          <p:cNvPr id="133" name="CustomShape 2"/>
+          <p:cNvSpPr/>
+          <p:nvPr/>
+        </p:nvSpPr>
+        <p:spPr>
+          <a:xfrm>
+            <a:off x="6047280" y="1824480"/>
+            <a:ext cx="2875680" cy="713160"/>
+          </a:xfrm>
+          <a:prstGeom prst="rect">
+            <a:avLst/>
+          </a:prstGeom>
+          <a:solidFill>
+            <a:srgbClr val="c6e7fc"/>
+          </a:solidFill>
+        </p:spPr>
+      </p:sp>
+      <p:sp>
+        <p:nvSpPr>
+          <p:cNvPr id="134" name="CustomShape 3"/>
+          <p:cNvSpPr/>
+          <p:nvPr/>
+        </p:nvSpPr>
+        <p:spPr>
+          <a:xfrm>
+            <a:off x="2619360" y="1696320"/>
+            <a:ext cx="5543640" cy="849240"/>
+          </a:xfrm>
+          <a:prstGeom prst="rect">
+            <a:avLst/>
+          </a:prstGeom>
+          <a:solidFill>
+            <a:srgbClr val="c6e7fc"/>
+          </a:solidFill>
+        </p:spPr>
+      </p:sp>
+      <p:sp>
+        <p:nvSpPr>
+          <p:cNvPr id="135" name="CustomShape 4"/>
+          <p:cNvSpPr/>
+          <p:nvPr/>
+        </p:nvSpPr>
+        <p:spPr>
+          <a:xfrm>
+            <a:off x="2828880" y="1708560"/>
+            <a:ext cx="5467320" cy="773640"/>
+          </a:xfrm>
+          <a:prstGeom prst="rect">
+            <a:avLst/>
+          </a:prstGeom>
+          <a:ln>
+            <a:solidFill>
+              <a:srgbClr val="ffffff"/>
+            </a:solidFill>
+          </a:ln>
+        </p:spPr>
+      </p:sp>
+      <p:sp>
+        <p:nvSpPr>
+          <p:cNvPr id="136" name="CustomShape 5"/>
+          <p:cNvSpPr/>
+          <p:nvPr/>
+        </p:nvSpPr>
+        <p:spPr>
+          <a:xfrm>
+            <a:off x="5609520" y="1694880"/>
+            <a:ext cx="3307320" cy="650880"/>
+          </a:xfrm>
+          <a:prstGeom prst="rect">
+            <a:avLst/>
+          </a:prstGeom>
+          <a:ln>
+            <a:solidFill>
+              <a:srgbClr val="ffffff"/>
+            </a:solidFill>
+          </a:ln>
+        </p:spPr>
+      </p:sp>
+      <p:sp>
+        <p:nvSpPr>
+          <p:cNvPr id="137" name="CustomShape 6"/>
+          <p:cNvSpPr/>
+          <p:nvPr/>
+        </p:nvSpPr>
+        <p:spPr>
+          <a:xfrm>
+            <a:off x="211680" y="1679400"/>
+            <a:ext cx="8722800" cy="1329120"/>
+          </a:xfrm>
+          <a:prstGeom prst="rect">
+            <a:avLst/>
+          </a:prstGeom>
+          <a:solidFill>
+            <a:srgbClr val="ffffff"/>
+          </a:solidFill>
+        </p:spPr>
+      </p:sp>
+      <p:sp>
+        <p:nvSpPr>
+          <p:cNvPr id="138" name="CustomShape 7"/>
+          <p:cNvSpPr/>
+          <p:nvPr/>
+        </p:nvSpPr>
+        <p:spPr>
+          <a:xfrm>
+            <a:off x="228600" y="228600"/>
+            <a:ext cx="8695080" cy="4735800"/>
+          </a:xfrm>
+          <a:prstGeom prst="roundRect">
+            <a:avLst>
+              <a:gd fmla="val 1272" name="adj"/>
+            </a:avLst>
+          </a:prstGeom>
+          <a:gradFill>
+            <a:gsLst>
+              <a:gs pos="0">
+                <a:srgbClr val="0293e0"/>
+              </a:gs>
+              <a:gs pos="100000">
+                <a:srgbClr val="83d3fe"/>
+              </a:gs>
+            </a:gsLst>
+            <a:lin ang="5400000"/>
+          </a:gradFill>
+        </p:spPr>
+      </p:sp>
+      <p:sp>
+        <p:nvSpPr>
+          <p:cNvPr id="139" name="CustomShape 8"/>
+          <p:cNvSpPr/>
+          <p:nvPr/>
+        </p:nvSpPr>
+        <p:spPr>
+          <a:xfrm>
+            <a:off x="6047280" y="4203720"/>
+            <a:ext cx="2875680" cy="713160"/>
+          </a:xfrm>
+          <a:prstGeom prst="rect">
+            <a:avLst/>
+          </a:prstGeom>
+          <a:solidFill>
+            <a:srgbClr val="c6e7fc"/>
+          </a:solidFill>
+        </p:spPr>
+      </p:sp>
+      <p:sp>
+        <p:nvSpPr>
+          <p:cNvPr id="140" name="CustomShape 9"/>
+          <p:cNvSpPr/>
+          <p:nvPr/>
+        </p:nvSpPr>
+        <p:spPr>
+          <a:xfrm>
+            <a:off x="2619360" y="4075200"/>
+            <a:ext cx="5543640" cy="849240"/>
+          </a:xfrm>
+          <a:prstGeom prst="rect">
+            <a:avLst/>
+          </a:prstGeom>
+          <a:solidFill>
+            <a:srgbClr val="c6e7fc"/>
+          </a:solidFill>
+        </p:spPr>
+      </p:sp>
+      <p:sp>
+        <p:nvSpPr>
+          <p:cNvPr id="141" name="CustomShape 10"/>
+          <p:cNvSpPr/>
+          <p:nvPr/>
+        </p:nvSpPr>
+        <p:spPr>
+          <a:xfrm>
+            <a:off x="2828880" y="4087440"/>
+            <a:ext cx="5467320" cy="773640"/>
+          </a:xfrm>
+          <a:prstGeom prst="rect">
+            <a:avLst/>
+          </a:prstGeom>
+          <a:ln>
+            <a:solidFill>
+              <a:srgbClr val="ffffff"/>
+            </a:solidFill>
+          </a:ln>
+        </p:spPr>
+      </p:sp>
+      <p:sp>
+        <p:nvSpPr>
+          <p:cNvPr id="142" name="CustomShape 11"/>
+          <p:cNvSpPr/>
+          <p:nvPr/>
+        </p:nvSpPr>
+        <p:spPr>
+          <a:xfrm>
+            <a:off x="5609520" y="4074120"/>
+            <a:ext cx="3307320" cy="650880"/>
+          </a:xfrm>
+          <a:prstGeom prst="rect">
+            <a:avLst/>
+          </a:prstGeom>
+          <a:ln>
+            <a:solidFill>
+              <a:srgbClr val="ffffff"/>
+            </a:solidFill>
+          </a:ln>
+        </p:spPr>
+      </p:sp>
+      <p:sp>
+        <p:nvSpPr>
+          <p:cNvPr id="143" name="CustomShape 12"/>
+          <p:cNvSpPr/>
+          <p:nvPr/>
+        </p:nvSpPr>
+        <p:spPr>
+          <a:xfrm>
+            <a:off x="211680" y="4058640"/>
+            <a:ext cx="8722800" cy="1329120"/>
+          </a:xfrm>
+          <a:prstGeom prst="rect">
+            <a:avLst/>
+          </a:prstGeom>
+          <a:solidFill>
+            <a:srgbClr val="ffffff"/>
+          </a:solidFill>
+        </p:spPr>
+      </p:sp>
+      <p:sp>
+        <p:nvSpPr>
+          <p:cNvPr id="144" name="PlaceHolder 13"/>
+          <p:cNvSpPr>
+            <a:spLocks noGrp="1"/>
+          </p:cNvSpPr>
+          <p:nvPr>
+            <p:ph type="title"/>
+          </p:nvPr>
+        </p:nvSpPr>
+        <p:spPr>
+          <a:xfrm>
+            <a:off x="690120" y="2463480"/>
+            <a:ext cx="7771680" cy="1523520"/>
+          </a:xfrm>
+          <a:prstGeom prst="rect">
+            <a:avLst/>
+          </a:prstGeom>
+        </p:spPr>
+        <p:txBody>
+          <a:bodyPr anchor="ctr" bIns="0" lIns="0" rIns="0" tIns="0" wrap="none"/>
+          <a:p>
+            <a:r>
+              <a:rPr lang="de-DE"/>
+              <a:t>Klicken Sie, um das Format des Titeltextes zu bearbeiten</a:t>
+            </a:r>
+            <a:endParaRPr/>
+          </a:p>
+        </p:txBody>
+      </p:sp>
+      <p:sp>
+        <p:nvSpPr>
+          <p:cNvPr id="145" name="PlaceHolder 14"/>
+          <p:cNvSpPr>
+            <a:spLocks noGrp="1"/>
+          </p:cNvSpPr>
+          <p:nvPr>
+            <p:ph type="body"/>
+          </p:nvPr>
+        </p:nvSpPr>
+        <p:spPr>
+          <a:xfrm>
+            <a:off x="457200" y="1604520"/>
+            <a:ext cx="8229240" cy="3977280"/>
+          </a:xfrm>
+          <a:prstGeom prst="rect">
+            <a:avLst/>
+          </a:prstGeom>
+        </p:spPr>
+        <p:txBody>
+          <a:bodyPr bIns="0" lIns="0" rIns="0" tIns="0" wrap="none"/>
+          <a:p>
+            <a:pPr>
+              <a:buSzPct val="25000"/>
+              <a:buFont typeface="StarSymbol"/>
+              <a:buChar char=""/>
+            </a:pPr>
+            <a:r>
+              <a:rPr lang="de-DE"/>
+              <a:t>Klicken Sie, um die Formate des Gliederungstextes zu bearbeiten</a:t>
+            </a:r>
+            <a:endParaRPr/>
+          </a:p>
+          <a:p>
+            <a:pPr lvl="1">
+              <a:buSzPct val="25000"/>
+              <a:buFont typeface="StarSymbol"/>
+              <a:buChar char=""/>
+            </a:pPr>
+            <a:r>
+              <a:rPr lang="de-DE"/>
+              <a:t>Zweite Gliederungsebene</a:t>
+            </a:r>
+            <a:endParaRPr/>
+          </a:p>
+          <a:p>
+            <a:pPr lvl="2">
+              <a:buSzPct val="25000"/>
+              <a:buFont typeface="StarSymbol"/>
+              <a:buChar char=""/>
+            </a:pPr>
+            <a:r>
+              <a:rPr lang="de-DE"/>
+              <a:t>Dritte Gliederungsebene</a:t>
+            </a:r>
+            <a:endParaRPr/>
+          </a:p>
+          <a:p>
+            <a:pPr lvl="3">
+              <a:buSzPct val="25000"/>
+              <a:buFont typeface="StarSymbol"/>
+              <a:buChar char=""/>
+            </a:pPr>
+            <a:r>
+              <a:rPr lang="de-DE"/>
+              <a:t>Vierte Gliederungsebene</a:t>
+            </a:r>
+            <a:endParaRPr/>
+          </a:p>
+          <a:p>
+            <a:pPr lvl="4">
+              <a:buSzPct val="25000"/>
+              <a:buFont typeface="StarSymbol"/>
+              <a:buChar char=""/>
+            </a:pPr>
+            <a:r>
+              <a:rPr lang="de-DE"/>
+              <a:t>Fünfte Gliederungsebene</a:t>
+            </a:r>
+            <a:endParaRPr/>
+          </a:p>
+          <a:p>
+            <a:pPr lvl="5">
+              <a:buSzPct val="25000"/>
+              <a:buFont typeface="StarSymbol"/>
+              <a:buChar char=""/>
+            </a:pPr>
+            <a:r>
+              <a:rPr lang="de-DE"/>
+              <a:t>Sechste Gliederungsebene</a:t>
+            </a:r>
+            <a:endParaRPr/>
+          </a:p>
+          <a:p>
+            <a:pPr lvl="6">
+              <a:buSzPct val="25000"/>
+              <a:buFont typeface="StarSymbol"/>
+              <a:buChar char=""/>
+            </a:pPr>
+            <a:r>
+              <a:rPr lang="de-DE"/>
+              <a:t>Siebente Gliederungsebene</a:t>
+            </a:r>
+            <a:endParaRPr/>
+          </a:p>
+        </p:txBody>
+      </p:sp>
+    </p:spTree>
+  </p:cSld>
+  <p:clrMap accent1="accent1" accent2="accent2" accent3="accent3" accent4="accent4" accent5="accent5" accent6="accent6" bg1="lt1" bg2="lt2" folHlink="folHlink" hlink="hlink" tx1="dk1" tx2="dk2"/>
+  <p:sldLayoutIdLst>
+    <p:sldLayoutId id="2147483688" r:id="rId2"/>
+    <p:sldLayoutId id="2147483689" r:id="rId3"/>
+    <p:sldLayoutId id="2147483690" r:id="rId4"/>
+    <p:sldLayoutId id="2147483691" r:id="rId5"/>
+    <p:sldLayoutId id="2147483692" r:id="rId6"/>
+    <p:sldLayoutId id="2147483693" r:id="rId7"/>
+    <p:sldLayoutId id="2147483694" r:id="rId8"/>
+    <p:sldLayoutId id="2147483695" r:id="rId9"/>
+    <p:sldLayoutId id="2147483696" r:id="rId10"/>
+    <p:sldLayoutId id="2147483697" r:id="rId11"/>
+    <p:sldLayoutId id="2147483698" r:id="rId12"/>
+    <p:sldLayoutId id="2147483699" r:id="rId13"/>
+  </p:sldLayoutIdLst>
+</p:sldMaster>
+</file>
+
+<file path=ppt/slideMasters/slideMaster5.xml><?xml version="1.0" encoding="utf-8"?>
+<p:sldMaster xmlns:a="http://schemas.openxmlformats.org/drawingml/2006/main" xmlns:p="http://schemas.openxmlformats.org/presentationml/2006/main" xmlns:r="http://schemas.openxmlformats.org/officeDocument/2006/relationships">
+  <p:cSld>
+    <p:bg>
+      <p:bgPr>
+        <a:solidFill>
+          <a:srgbClr val="ffffff"/>
+        </a:solidFill>
+      </p:bgPr>
+    </p:bg>
+    <p:spTree>
+      <p:nvGrpSpPr>
+        <p:cNvPr id="1" name=""/>
+        <p:cNvGrpSpPr/>
+        <p:nvPr/>
+      </p:nvGrpSpPr>
+      <p:grpSpPr>
+        <a:xfrm>
+          <a:off x="0" y="0"/>
+          <a:ext cx="0" cy="0"/>
+          <a:chOff x="0" y="0"/>
+          <a:chExt cx="0" cy="0"/>
+        </a:xfrm>
+      </p:grpSpPr>
+      <p:sp>
+        <p:nvSpPr>
+          <p:cNvPr id="178" name="CustomShape 1"/>
+          <p:cNvSpPr/>
+          <p:nvPr/>
+        </p:nvSpPr>
+        <p:spPr>
+          <a:xfrm>
+            <a:off x="228600" y="228600"/>
+            <a:ext cx="8695080" cy="2468160"/>
+          </a:xfrm>
+          <a:prstGeom prst="roundRect">
+            <a:avLst>
+              <a:gd fmla="val 3362" name="adj"/>
+            </a:avLst>
+          </a:prstGeom>
+          <a:gradFill>
+            <a:gsLst>
+              <a:gs pos="0">
+                <a:srgbClr val="0293e0"/>
+              </a:gs>
+              <a:gs pos="100000">
+                <a:srgbClr val="83d3fe"/>
+              </a:gs>
+            </a:gsLst>
+            <a:lin ang="5400000"/>
+          </a:gradFill>
+        </p:spPr>
+      </p:sp>
+      <p:sp>
+        <p:nvSpPr>
+          <p:cNvPr id="179" name="CustomShape 2"/>
+          <p:cNvSpPr/>
+          <p:nvPr/>
+        </p:nvSpPr>
+        <p:spPr>
+          <a:xfrm>
+            <a:off x="6047280" y="1824480"/>
+            <a:ext cx="2875680" cy="713160"/>
+          </a:xfrm>
+          <a:prstGeom prst="rect">
+            <a:avLst/>
+          </a:prstGeom>
+          <a:solidFill>
+            <a:srgbClr val="c6e7fc"/>
+          </a:solidFill>
+        </p:spPr>
+      </p:sp>
+      <p:sp>
+        <p:nvSpPr>
+          <p:cNvPr id="180" name="CustomShape 3"/>
+          <p:cNvSpPr/>
+          <p:nvPr/>
+        </p:nvSpPr>
+        <p:spPr>
+          <a:xfrm>
+            <a:off x="2619360" y="1696320"/>
+            <a:ext cx="5543640" cy="849240"/>
+          </a:xfrm>
+          <a:prstGeom prst="rect">
+            <a:avLst/>
+          </a:prstGeom>
+          <a:solidFill>
+            <a:srgbClr val="c6e7fc"/>
+          </a:solidFill>
+        </p:spPr>
+      </p:sp>
+      <p:sp>
+        <p:nvSpPr>
+          <p:cNvPr id="181" name="CustomShape 4"/>
+          <p:cNvSpPr/>
+          <p:nvPr/>
+        </p:nvSpPr>
+        <p:spPr>
+          <a:xfrm>
+            <a:off x="2828880" y="1708560"/>
+            <a:ext cx="5467320" cy="773640"/>
+          </a:xfrm>
+          <a:prstGeom prst="rect">
+            <a:avLst/>
+          </a:prstGeom>
+          <a:ln>
+            <a:solidFill>
+              <a:srgbClr val="ffffff"/>
+            </a:solidFill>
+          </a:ln>
+        </p:spPr>
+      </p:sp>
+      <p:sp>
+        <p:nvSpPr>
+          <p:cNvPr id="182" name="CustomShape 5"/>
+          <p:cNvSpPr/>
+          <p:nvPr/>
+        </p:nvSpPr>
+        <p:spPr>
+          <a:xfrm>
+            <a:off x="5609520" y="1694880"/>
+            <a:ext cx="3307320" cy="650880"/>
+          </a:xfrm>
+          <a:prstGeom prst="rect">
+            <a:avLst/>
+          </a:prstGeom>
+          <a:ln>
+            <a:solidFill>
+              <a:srgbClr val="ffffff"/>
+            </a:solidFill>
+          </a:ln>
+        </p:spPr>
+      </p:sp>
+      <p:sp>
+        <p:nvSpPr>
+          <p:cNvPr id="183" name="CustomShape 6"/>
+          <p:cNvSpPr/>
+          <p:nvPr/>
+        </p:nvSpPr>
+        <p:spPr>
+          <a:xfrm>
+            <a:off x="211680" y="1679400"/>
+            <a:ext cx="8722800" cy="1329120"/>
+          </a:xfrm>
+          <a:prstGeom prst="rect">
+            <a:avLst/>
+          </a:prstGeom>
+          <a:solidFill>
+            <a:srgbClr val="ffffff"/>
+          </a:solidFill>
+        </p:spPr>
+      </p:sp>
+      <p:sp>
+        <p:nvSpPr>
+          <p:cNvPr id="184" name="CustomShape 7"/>
+          <p:cNvSpPr/>
+          <p:nvPr/>
+        </p:nvSpPr>
+        <p:spPr>
+          <a:xfrm>
+            <a:off x="228600" y="228600"/>
+            <a:ext cx="8695080" cy="4735800"/>
+          </a:xfrm>
+          <a:prstGeom prst="roundRect">
+            <a:avLst>
+              <a:gd fmla="val 1272" name="adj"/>
+            </a:avLst>
+          </a:prstGeom>
+          <a:gradFill>
+            <a:gsLst>
+              <a:gs pos="0">
+                <a:srgbClr val="0293e0"/>
+              </a:gs>
+              <a:gs pos="100000">
+                <a:srgbClr val="83d3fe"/>
+              </a:gs>
+            </a:gsLst>
+            <a:lin ang="5400000"/>
+          </a:gradFill>
+        </p:spPr>
+      </p:sp>
+      <p:sp>
+        <p:nvSpPr>
+          <p:cNvPr id="185" name="CustomShape 8"/>
+          <p:cNvSpPr/>
+          <p:nvPr/>
+        </p:nvSpPr>
+        <p:spPr>
+          <a:xfrm>
+            <a:off x="6047280" y="4203720"/>
+            <a:ext cx="2875680" cy="713160"/>
+          </a:xfrm>
+          <a:prstGeom prst="rect">
+            <a:avLst/>
+          </a:prstGeom>
+          <a:solidFill>
+            <a:srgbClr val="c6e7fc"/>
+          </a:solidFill>
+        </p:spPr>
+      </p:sp>
+      <p:sp>
+        <p:nvSpPr>
+          <p:cNvPr id="186" name="CustomShape 9"/>
+          <p:cNvSpPr/>
+          <p:nvPr/>
+        </p:nvSpPr>
+        <p:spPr>
+          <a:xfrm>
+            <a:off x="2619360" y="4075200"/>
+            <a:ext cx="5543640" cy="849240"/>
+          </a:xfrm>
+          <a:prstGeom prst="rect">
+            <a:avLst/>
+          </a:prstGeom>
+          <a:solidFill>
+            <a:srgbClr val="c6e7fc"/>
+          </a:solidFill>
+        </p:spPr>
+      </p:sp>
+      <p:sp>
+        <p:nvSpPr>
+          <p:cNvPr id="187" name="CustomShape 10"/>
+          <p:cNvSpPr/>
+          <p:nvPr/>
+        </p:nvSpPr>
+        <p:spPr>
+          <a:xfrm>
+            <a:off x="2828880" y="4087440"/>
+            <a:ext cx="5467320" cy="773640"/>
+          </a:xfrm>
+          <a:prstGeom prst="rect">
+            <a:avLst/>
+          </a:prstGeom>
+          <a:ln>
+            <a:solidFill>
+              <a:srgbClr val="ffffff"/>
+            </a:solidFill>
+          </a:ln>
+        </p:spPr>
+      </p:sp>
+      <p:sp>
+        <p:nvSpPr>
+          <p:cNvPr id="188" name="CustomShape 11"/>
+          <p:cNvSpPr/>
+          <p:nvPr/>
+        </p:nvSpPr>
+        <p:spPr>
+          <a:xfrm>
+            <a:off x="5609520" y="4074120"/>
+            <a:ext cx="3307320" cy="650880"/>
+          </a:xfrm>
+          <a:prstGeom prst="rect">
+            <a:avLst/>
+          </a:prstGeom>
+          <a:ln>
+            <a:solidFill>
+              <a:srgbClr val="ffffff"/>
+            </a:solidFill>
+          </a:ln>
+        </p:spPr>
+      </p:sp>
+      <p:sp>
+        <p:nvSpPr>
+          <p:cNvPr id="189" name="CustomShape 12"/>
+          <p:cNvSpPr/>
+          <p:nvPr/>
+        </p:nvSpPr>
+        <p:spPr>
+          <a:xfrm>
+            <a:off x="211680" y="4058640"/>
+            <a:ext cx="8722800" cy="1329120"/>
+          </a:xfrm>
+          <a:prstGeom prst="rect">
+            <a:avLst/>
+          </a:prstGeom>
+          <a:solidFill>
+            <a:srgbClr val="ffffff"/>
+          </a:solidFill>
+        </p:spPr>
+      </p:sp>
+      <p:sp>
+        <p:nvSpPr>
+          <p:cNvPr id="190" name="PlaceHolder 13"/>
+          <p:cNvSpPr>
+            <a:spLocks noGrp="1"/>
+          </p:cNvSpPr>
+          <p:nvPr>
+            <p:ph type="title"/>
+          </p:nvPr>
+        </p:nvSpPr>
+        <p:spPr>
+          <a:xfrm>
+            <a:off x="690120" y="2463480"/>
+            <a:ext cx="7771680" cy="1523520"/>
+          </a:xfrm>
+          <a:prstGeom prst="rect">
+            <a:avLst/>
+          </a:prstGeom>
+        </p:spPr>
+        <p:txBody>
+          <a:bodyPr anchor="ctr" bIns="0" lIns="0" rIns="0" tIns="0" wrap="none"/>
+          <a:p>
+            <a:r>
+              <a:rPr lang="de-DE"/>
+              <a:t>Klicken Sie, um das Format des Titeltextes zu bearbeiten</a:t>
+            </a:r>
+            <a:endParaRPr/>
+          </a:p>
+        </p:txBody>
+      </p:sp>
+      <p:sp>
+        <p:nvSpPr>
+          <p:cNvPr id="191" name="PlaceHolder 14"/>
+          <p:cNvSpPr>
+            <a:spLocks noGrp="1"/>
+          </p:cNvSpPr>
+          <p:nvPr>
+            <p:ph type="body"/>
+          </p:nvPr>
+        </p:nvSpPr>
+        <p:spPr>
+          <a:xfrm>
+            <a:off x="1367280" y="1437480"/>
+            <a:ext cx="6417000" cy="939240"/>
+          </a:xfrm>
+          <a:prstGeom prst="rect">
+            <a:avLst/>
+          </a:prstGeom>
+        </p:spPr>
+        <p:txBody>
+          <a:bodyPr anchor="b" bIns="0" lIns="0" rIns="0" tIns="0" wrap="none"/>
+          <a:p>
+            <a:pPr>
+              <a:buSzPct val="25000"/>
+              <a:buFont typeface="StarSymbol"/>
+              <a:buChar char=""/>
+            </a:pPr>
+            <a:r>
+              <a:rPr lang="de-DE"/>
+              <a:t>Klicken Sie, um die Formate des Gliederungstextes zu bearbeiten</a:t>
+            </a:r>
+            <a:endParaRPr/>
+          </a:p>
+          <a:p>
+            <a:pPr lvl="1">
+              <a:buSzPct val="25000"/>
+              <a:buFont typeface="StarSymbol"/>
+              <a:buChar char=""/>
+            </a:pPr>
+            <a:r>
+              <a:rPr lang="de-DE"/>
+              <a:t>Zweite Gliederungsebene</a:t>
+            </a:r>
+            <a:endParaRPr/>
+          </a:p>
+          <a:p>
+            <a:pPr lvl="2">
+              <a:buSzPct val="25000"/>
+              <a:buFont typeface="StarSymbol"/>
+              <a:buChar char=""/>
+            </a:pPr>
+            <a:r>
+              <a:rPr lang="de-DE"/>
+              <a:t>Dritte Gliederungsebene</a:t>
+            </a:r>
+            <a:endParaRPr/>
+          </a:p>
+          <a:p>
+            <a:pPr lvl="3">
+              <a:buSzPct val="25000"/>
+              <a:buFont typeface="StarSymbol"/>
+              <a:buChar char=""/>
+            </a:pPr>
+            <a:r>
+              <a:rPr lang="de-DE"/>
+              <a:t>Vierte Gliederungsebene</a:t>
+            </a:r>
+            <a:endParaRPr/>
+          </a:p>
+          <a:p>
+            <a:pPr lvl="4">
+              <a:buSzPct val="25000"/>
+              <a:buFont typeface="StarSymbol"/>
+              <a:buChar char=""/>
+            </a:pPr>
+            <a:r>
+              <a:rPr lang="de-DE"/>
+              <a:t>Fünfte Gliederungsebene</a:t>
+            </a:r>
+            <a:endParaRPr/>
+          </a:p>
+          <a:p>
+            <a:pPr lvl="5">
+              <a:buSzPct val="25000"/>
+              <a:buFont typeface="StarSymbol"/>
+              <a:buChar char=""/>
+            </a:pPr>
+            <a:r>
+              <a:rPr lang="de-DE"/>
+              <a:t>Sechste Gliederungsebene</a:t>
+            </a:r>
+            <a:endParaRPr/>
+          </a:p>
+          <a:p>
+            <a:pPr lvl="6">
+              <a:buSzPct val="25000"/>
+              <a:buFont typeface="StarSymbol"/>
+              <a:buChar char=""/>
+            </a:pPr>
+            <a:r>
+              <a:rPr lang="de-DE"/>
+              <a:t>Siebente Gliederungsebene</a:t>
+            </a:r>
+            <a:endParaRPr/>
+          </a:p>
+        </p:txBody>
+      </p:sp>
+    </p:spTree>
+  </p:cSld>
+  <p:clrMap accent1="accent1" accent2="accent2" accent3="accent3" accent4="accent4" accent5="accent5" accent6="accent6" bg1="lt1" bg2="lt2" folHlink="folHlink" hlink="hlink" tx1="dk1" tx2="dk2"/>
+  <p:sldLayoutIdLst>
+    <p:sldLayoutId id="2147483701" r:id="rId2"/>
+    <p:sldLayoutId id="2147483702" r:id="rId3"/>
+    <p:sldLayoutId id="2147483703" r:id="rId4"/>
+    <p:sldLayoutId id="2147483704" r:id="rId5"/>
+    <p:sldLayoutId id="2147483705" r:id="rId6"/>
+    <p:sldLayoutId id="2147483706" r:id="rId7"/>
+    <p:sldLayoutId id="2147483707" r:id="rId8"/>
+    <p:sldLayoutId id="2147483708" r:id="rId9"/>
+    <p:sldLayoutId id="2147483709" r:id="rId10"/>
+    <p:sldLayoutId id="2147483710" r:id="rId11"/>
+    <p:sldLayoutId id="2147483711" r:id="rId12"/>
+    <p:sldLayoutId id="2147483712" r:id="rId13"/>
   </p:sldLayoutIdLst>
 </p:sldMaster>
 </file>
@@ -5060,21 +7641,21 @@
       </p:grpSpPr>
       <p:sp>
         <p:nvSpPr>
-          <p:cNvPr id="141" name="TextShape 1"/>
-          <p:cNvSpPr txBox="1"/>
+          <p:cNvPr id="224" name="CustomShape 1"/>
+          <p:cNvSpPr/>
           <p:nvPr/>
         </p:nvSpPr>
         <p:spPr>
           <a:xfrm>
             <a:off x="685800" y="1600200"/>
-            <a:ext cx="7772040" cy="1779840"/>
-          </a:xfrm>
-          <a:prstGeom prst="rect">
-            <a:avLst/>
-          </a:prstGeom>
-        </p:spPr>
-        <p:txBody>
-          <a:bodyPr anchor="b"/>
+            <a:ext cx="7771680" cy="1779480"/>
+          </a:xfrm>
+          <a:prstGeom prst="rect">
+            <a:avLst/>
+          </a:prstGeom>
+        </p:spPr>
+        <p:txBody>
+          <a:bodyPr anchor="b" bIns="45000" lIns="90000" rIns="90000" tIns="45000"/>
           <a:p>
             <a:pPr>
               <a:lnSpc>
@@ -5096,21 +7677,21 @@
       </p:sp>
       <p:sp>
         <p:nvSpPr>
-          <p:cNvPr id="142" name="TextShape 2"/>
-          <p:cNvSpPr txBox="1"/>
+          <p:cNvPr id="225" name="CustomShape 2"/>
+          <p:cNvSpPr/>
           <p:nvPr/>
         </p:nvSpPr>
         <p:spPr>
           <a:xfrm>
             <a:off x="1371600" y="3556080"/>
-            <a:ext cx="6400440" cy="1472760"/>
-          </a:xfrm>
-          <a:prstGeom prst="rect">
-            <a:avLst/>
-          </a:prstGeom>
-        </p:spPr>
-        <p:txBody>
-          <a:bodyPr/>
+            <a:ext cx="6400080" cy="1472400"/>
+          </a:xfrm>
+          <a:prstGeom prst="rect">
+            <a:avLst/>
+          </a:prstGeom>
+        </p:spPr>
+        <p:txBody>
+          <a:bodyPr bIns="45000" lIns="90000" rIns="90000" tIns="45000"/>
           <a:p>
             <a:pPr algn="ctr">
               <a:lnSpc>
@@ -5132,21 +7713,21 @@
       </p:sp>
       <p:sp>
         <p:nvSpPr>
-          <p:cNvPr id="143" name="TextShape 3"/>
-          <p:cNvSpPr txBox="1"/>
+          <p:cNvPr id="226" name="CustomShape 3"/>
+          <p:cNvSpPr/>
           <p:nvPr/>
         </p:nvSpPr>
         <p:spPr>
           <a:xfrm>
             <a:off x="5163840" y="6250320"/>
-            <a:ext cx="3786480" cy="364680"/>
-          </a:xfrm>
-          <a:prstGeom prst="rect">
-            <a:avLst/>
-          </a:prstGeom>
-        </p:spPr>
-        <p:txBody>
-          <a:bodyPr anchor="ctr"/>
+            <a:ext cx="3786120" cy="364320"/>
+          </a:xfrm>
+          <a:prstGeom prst="rect">
+            <a:avLst/>
+          </a:prstGeom>
+        </p:spPr>
+        <p:txBody>
+          <a:bodyPr anchor="ctr" bIns="45000" lIns="90000" rIns="90000" tIns="45000"/>
           <a:p>
             <a:pPr algn="r">
               <a:lnSpc>
@@ -5168,21 +7749,21 @@
       </p:sp>
       <p:sp>
         <p:nvSpPr>
-          <p:cNvPr id="144" name="TextShape 4"/>
-          <p:cNvSpPr txBox="1"/>
+          <p:cNvPr id="227" name="CustomShape 4"/>
+          <p:cNvSpPr/>
           <p:nvPr/>
         </p:nvSpPr>
         <p:spPr>
           <a:xfrm>
             <a:off x="193680" y="6250320"/>
-            <a:ext cx="3786480" cy="364680"/>
-          </a:xfrm>
-          <a:prstGeom prst="rect">
-            <a:avLst/>
-          </a:prstGeom>
-        </p:spPr>
-        <p:txBody>
-          <a:bodyPr anchor="ctr"/>
+            <a:ext cx="3786120" cy="364320"/>
+          </a:xfrm>
+          <a:prstGeom prst="rect">
+            <a:avLst/>
+          </a:prstGeom>
+        </p:spPr>
+        <p:txBody>
+          <a:bodyPr anchor="ctr" bIns="45000" lIns="90000" rIns="90000" tIns="45000"/>
           <a:p>
             <a:pPr>
               <a:lnSpc>
@@ -5204,28 +7785,28 @@
       </p:sp>
       <p:sp>
         <p:nvSpPr>
-          <p:cNvPr id="145" name="TextShape 5"/>
-          <p:cNvSpPr txBox="1"/>
+          <p:cNvPr id="228" name="CustomShape 5"/>
+          <p:cNvSpPr/>
           <p:nvPr/>
         </p:nvSpPr>
         <p:spPr>
           <a:xfrm>
             <a:off x="3990960" y="6250320"/>
-            <a:ext cx="1161360" cy="364680"/>
-          </a:xfrm>
-          <a:prstGeom prst="rect">
-            <a:avLst/>
-          </a:prstGeom>
-        </p:spPr>
-        <p:txBody>
-          <a:bodyPr anchor="ctr"/>
+            <a:ext cx="1161000" cy="364320"/>
+          </a:xfrm>
+          <a:prstGeom prst="rect">
+            <a:avLst/>
+          </a:prstGeom>
+        </p:spPr>
+        <p:txBody>
+          <a:bodyPr anchor="ctr" bIns="45000" lIns="90000" rIns="90000" tIns="45000"/>
           <a:p>
             <a:pPr algn="ctr">
               <a:lnSpc>
                 <a:spcPct val="100000"/>
               </a:lnSpc>
             </a:pPr>
-            <a:fld id="{550D2D4A-F586-4F40-970B-2E96891E4A79}" type="slidenum">
+            <a:fld id="{B844D194-2C29-4353-8502-04E51937DCB2}" type="slidenum">
               <a:rPr lang="de-DE" sz="1000">
                 <a:solidFill>
                   <a:srgbClr val="073e87"/>
@@ -5262,21 +7843,21 @@
       </p:grpSpPr>
       <p:sp>
         <p:nvSpPr>
-          <p:cNvPr id="146" name="TextShape 1"/>
-          <p:cNvSpPr txBox="1"/>
+          <p:cNvPr id="229" name="CustomShape 1"/>
+          <p:cNvSpPr/>
           <p:nvPr/>
         </p:nvSpPr>
         <p:spPr>
           <a:xfrm>
             <a:off x="871920" y="2675520"/>
-            <a:ext cx="7408080" cy="3450240"/>
-          </a:xfrm>
-          <a:prstGeom prst="rect">
-            <a:avLst/>
-          </a:prstGeom>
-        </p:spPr>
-        <p:txBody>
-          <a:bodyPr/>
+            <a:ext cx="7407720" cy="3449880"/>
+          </a:xfrm>
+          <a:prstGeom prst="rect">
+            <a:avLst/>
+          </a:prstGeom>
+        </p:spPr>
+        <p:txBody>
+          <a:bodyPr bIns="45000" lIns="90000" rIns="90000" tIns="45000"/>
           <a:p>
             <a:pPr>
               <a:lnSpc>
@@ -5303,7 +7884,7 @@
               </a:lnSpc>
               <a:buSzPct val="25000"/>
               <a:buFont typeface="StarSymbol"/>
-              <a:buChar char=""/>
+              <a:buChar char=""/>
             </a:pPr>
             <a:r>
               <a:rPr lang="de-DE" sz="2200">
@@ -5323,7 +7904,7 @@
               </a:lnSpc>
               <a:buSzPct val="25000"/>
               <a:buFont typeface="StarSymbol"/>
-              <a:buChar char=""/>
+              <a:buChar char=""/>
             </a:pPr>
             <a:r>
               <a:rPr lang="de-DE" sz="2200">
@@ -5378,21 +7959,21 @@
       </p:sp>
       <p:sp>
         <p:nvSpPr>
-          <p:cNvPr id="147" name="TextShape 2"/>
-          <p:cNvSpPr txBox="1"/>
+          <p:cNvPr id="230" name="CustomShape 2"/>
+          <p:cNvSpPr/>
           <p:nvPr/>
         </p:nvSpPr>
         <p:spPr>
           <a:xfrm>
             <a:off x="5163840" y="6250320"/>
-            <a:ext cx="3786480" cy="364680"/>
-          </a:xfrm>
-          <a:prstGeom prst="rect">
-            <a:avLst/>
-          </a:prstGeom>
-        </p:spPr>
-        <p:txBody>
-          <a:bodyPr anchor="ctr"/>
+            <a:ext cx="3786120" cy="364320"/>
+          </a:xfrm>
+          <a:prstGeom prst="rect">
+            <a:avLst/>
+          </a:prstGeom>
+        </p:spPr>
+        <p:txBody>
+          <a:bodyPr anchor="ctr" bIns="45000" lIns="90000" rIns="90000" tIns="45000"/>
           <a:p>
             <a:pPr algn="r">
               <a:lnSpc>
@@ -5414,21 +7995,21 @@
       </p:sp>
       <p:sp>
         <p:nvSpPr>
-          <p:cNvPr id="148" name="TextShape 3"/>
-          <p:cNvSpPr txBox="1"/>
+          <p:cNvPr id="231" name="CustomShape 3"/>
+          <p:cNvSpPr/>
           <p:nvPr/>
         </p:nvSpPr>
         <p:spPr>
           <a:xfrm>
             <a:off x="193680" y="6250320"/>
-            <a:ext cx="3786480" cy="364680"/>
-          </a:xfrm>
-          <a:prstGeom prst="rect">
-            <a:avLst/>
-          </a:prstGeom>
-        </p:spPr>
-        <p:txBody>
-          <a:bodyPr anchor="ctr"/>
+            <a:ext cx="3786120" cy="364320"/>
+          </a:xfrm>
+          <a:prstGeom prst="rect">
+            <a:avLst/>
+          </a:prstGeom>
+        </p:spPr>
+        <p:txBody>
+          <a:bodyPr anchor="ctr" bIns="45000" lIns="90000" rIns="90000" tIns="45000"/>
           <a:p>
             <a:pPr>
               <a:lnSpc>
@@ -5450,28 +8031,28 @@
       </p:sp>
       <p:sp>
         <p:nvSpPr>
-          <p:cNvPr id="149" name="TextShape 4"/>
-          <p:cNvSpPr txBox="1"/>
+          <p:cNvPr id="232" name="CustomShape 4"/>
+          <p:cNvSpPr/>
           <p:nvPr/>
         </p:nvSpPr>
         <p:spPr>
           <a:xfrm>
             <a:off x="3990960" y="6250320"/>
-            <a:ext cx="1161360" cy="364680"/>
-          </a:xfrm>
-          <a:prstGeom prst="rect">
-            <a:avLst/>
-          </a:prstGeom>
-        </p:spPr>
-        <p:txBody>
-          <a:bodyPr anchor="ctr"/>
+            <a:ext cx="1161000" cy="364320"/>
+          </a:xfrm>
+          <a:prstGeom prst="rect">
+            <a:avLst/>
+          </a:prstGeom>
+        </p:spPr>
+        <p:txBody>
+          <a:bodyPr anchor="ctr" bIns="45000" lIns="90000" rIns="90000" tIns="45000"/>
           <a:p>
             <a:pPr algn="ctr">
               <a:lnSpc>
                 <a:spcPct val="100000"/>
               </a:lnSpc>
             </a:pPr>
-            <a:fld id="{2A22BD93-DCD0-4851-AA93-B1976690F572}" type="slidenum">
+            <a:fld id="{DE1E42D5-01EB-4AF3-B77C-5976B2F58B77}" type="slidenum">
               <a:rPr lang="de-DE" sz="1000">
                 <a:solidFill>
                   <a:srgbClr val="073e87"/>
@@ -5486,21 +8067,21 @@
       </p:sp>
       <p:sp>
         <p:nvSpPr>
-          <p:cNvPr id="150" name="TextShape 5"/>
-          <p:cNvSpPr txBox="1"/>
+          <p:cNvPr id="233" name="CustomShape 5"/>
+          <p:cNvSpPr/>
           <p:nvPr/>
         </p:nvSpPr>
         <p:spPr>
           <a:xfrm>
             <a:off x="457200" y="338400"/>
-            <a:ext cx="8229240" cy="1252440"/>
-          </a:xfrm>
-          <a:prstGeom prst="rect">
-            <a:avLst/>
-          </a:prstGeom>
-        </p:spPr>
-        <p:txBody>
-          <a:bodyPr anchor="ctr"/>
+            <a:ext cx="8228880" cy="1252080"/>
+          </a:xfrm>
+          <a:prstGeom prst="rect">
+            <a:avLst/>
+          </a:prstGeom>
+        </p:spPr>
+        <p:txBody>
+          <a:bodyPr anchor="ctr" bIns="45000" lIns="90000" rIns="90000" tIns="45000"/>
           <a:p>
             <a:pPr algn="ctr">
               <a:lnSpc>
@@ -5544,21 +8125,21 @@
       </p:grpSpPr>
       <p:sp>
         <p:nvSpPr>
-          <p:cNvPr id="151" name="TextShape 1"/>
-          <p:cNvSpPr txBox="1"/>
+          <p:cNvPr id="234" name="CustomShape 1"/>
+          <p:cNvSpPr/>
           <p:nvPr/>
         </p:nvSpPr>
         <p:spPr>
           <a:xfrm>
             <a:off x="5163840" y="6250320"/>
-            <a:ext cx="3786480" cy="364680"/>
-          </a:xfrm>
-          <a:prstGeom prst="rect">
-            <a:avLst/>
-          </a:prstGeom>
-        </p:spPr>
-        <p:txBody>
-          <a:bodyPr anchor="ctr"/>
+            <a:ext cx="3786120" cy="364320"/>
+          </a:xfrm>
+          <a:prstGeom prst="rect">
+            <a:avLst/>
+          </a:prstGeom>
+        </p:spPr>
+        <p:txBody>
+          <a:bodyPr anchor="ctr" bIns="45000" lIns="90000" rIns="90000" tIns="45000"/>
           <a:p>
             <a:pPr algn="r">
               <a:lnSpc>
@@ -5580,21 +8161,21 @@
       </p:sp>
       <p:sp>
         <p:nvSpPr>
-          <p:cNvPr id="152" name="TextShape 2"/>
-          <p:cNvSpPr txBox="1"/>
+          <p:cNvPr id="235" name="CustomShape 2"/>
+          <p:cNvSpPr/>
           <p:nvPr/>
         </p:nvSpPr>
         <p:spPr>
           <a:xfrm>
             <a:off x="193680" y="6250320"/>
-            <a:ext cx="3786480" cy="364680"/>
-          </a:xfrm>
-          <a:prstGeom prst="rect">
-            <a:avLst/>
-          </a:prstGeom>
-        </p:spPr>
-        <p:txBody>
-          <a:bodyPr anchor="ctr"/>
+            <a:ext cx="3786120" cy="364320"/>
+          </a:xfrm>
+          <a:prstGeom prst="rect">
+            <a:avLst/>
+          </a:prstGeom>
+        </p:spPr>
+        <p:txBody>
+          <a:bodyPr anchor="ctr" bIns="45000" lIns="90000" rIns="90000" tIns="45000"/>
           <a:p>
             <a:pPr>
               <a:lnSpc>
@@ -5616,28 +8197,28 @@
       </p:sp>
       <p:sp>
         <p:nvSpPr>
-          <p:cNvPr id="153" name="TextShape 3"/>
-          <p:cNvSpPr txBox="1"/>
+          <p:cNvPr id="236" name="CustomShape 3"/>
+          <p:cNvSpPr/>
           <p:nvPr/>
         </p:nvSpPr>
         <p:spPr>
           <a:xfrm>
             <a:off x="3990960" y="6250320"/>
-            <a:ext cx="1161360" cy="364680"/>
-          </a:xfrm>
-          <a:prstGeom prst="rect">
-            <a:avLst/>
-          </a:prstGeom>
-        </p:spPr>
-        <p:txBody>
-          <a:bodyPr anchor="ctr"/>
+            <a:ext cx="1161000" cy="364320"/>
+          </a:xfrm>
+          <a:prstGeom prst="rect">
+            <a:avLst/>
+          </a:prstGeom>
+        </p:spPr>
+        <p:txBody>
+          <a:bodyPr anchor="ctr" bIns="45000" lIns="90000" rIns="90000" tIns="45000"/>
           <a:p>
             <a:pPr algn="ctr">
               <a:lnSpc>
                 <a:spcPct val="100000"/>
               </a:lnSpc>
             </a:pPr>
-            <a:fld id="{F325F955-DFA8-48C9-8A8D-6E8B3CB3403B}" type="slidenum">
+            <a:fld id="{0759BD3B-42C3-4BFD-B367-9ACED1EDCA7B}" type="slidenum">
               <a:rPr lang="de-DE" sz="1000">
                 <a:solidFill>
                   <a:srgbClr val="073e87"/>
@@ -5652,21 +8233,21 @@
       </p:sp>
       <p:sp>
         <p:nvSpPr>
-          <p:cNvPr id="154" name="TextShape 4"/>
-          <p:cNvSpPr txBox="1"/>
+          <p:cNvPr id="237" name="CustomShape 4"/>
+          <p:cNvSpPr/>
           <p:nvPr/>
         </p:nvSpPr>
         <p:spPr>
           <a:xfrm>
             <a:off x="457200" y="338400"/>
-            <a:ext cx="8229240" cy="1252440"/>
-          </a:xfrm>
-          <a:prstGeom prst="rect">
-            <a:avLst/>
-          </a:prstGeom>
-        </p:spPr>
-        <p:txBody>
-          <a:bodyPr anchor="ctr"/>
+            <a:ext cx="8228880" cy="1252080"/>
+          </a:xfrm>
+          <a:prstGeom prst="rect">
+            <a:avLst/>
+          </a:prstGeom>
+        </p:spPr>
+        <p:txBody>
+          <a:bodyPr anchor="ctr" bIns="45000" lIns="90000" rIns="90000" tIns="45000"/>
           <a:p>
             <a:pPr algn="ctr">
               <a:lnSpc>
@@ -5688,7 +8269,7 @@
       </p:sp>
       <p:pic>
         <p:nvPicPr>
-          <p:cNvPr descr="" id="155" name="Picture 2"/>
+          <p:cNvPr descr="" id="238" name="Picture 2"/>
           <p:cNvPicPr/>
           <p:nvPr/>
         </p:nvPicPr>
@@ -5701,7 +8282,7 @@
         <p:spPr>
           <a:xfrm>
             <a:off x="2822040" y="1917000"/>
-            <a:ext cx="3533400" cy="4161960"/>
+            <a:ext cx="3533040" cy="4161600"/>
           </a:xfrm>
           <a:prstGeom prst="rect">
             <a:avLst/>
@@ -5738,21 +8319,21 @@
       </p:grpSpPr>
       <p:sp>
         <p:nvSpPr>
-          <p:cNvPr id="156" name="TextShape 1"/>
-          <p:cNvSpPr txBox="1"/>
+          <p:cNvPr id="239" name="CustomShape 1"/>
+          <p:cNvSpPr/>
           <p:nvPr/>
         </p:nvSpPr>
         <p:spPr>
           <a:xfrm>
             <a:off x="690120" y="2463480"/>
-            <a:ext cx="7772040" cy="1523520"/>
-          </a:xfrm>
-          <a:prstGeom prst="rect">
-            <a:avLst/>
-          </a:prstGeom>
-        </p:spPr>
-        <p:txBody>
-          <a:bodyPr/>
+            <a:ext cx="7771680" cy="1523160"/>
+          </a:xfrm>
+          <a:prstGeom prst="rect">
+            <a:avLst/>
+          </a:prstGeom>
+        </p:spPr>
+        <p:txBody>
+          <a:bodyPr bIns="45000" lIns="90000" rIns="90000" tIns="45000"/>
           <a:p>
             <a:pPr algn="ctr">
               <a:lnSpc>
@@ -5774,21 +8355,21 @@
       </p:sp>
       <p:sp>
         <p:nvSpPr>
-          <p:cNvPr id="157" name="TextShape 2"/>
-          <p:cNvSpPr txBox="1"/>
+          <p:cNvPr id="240" name="CustomShape 2"/>
+          <p:cNvSpPr/>
           <p:nvPr/>
         </p:nvSpPr>
         <p:spPr>
           <a:xfrm>
             <a:off x="1367280" y="1437480"/>
-            <a:ext cx="6417360" cy="939600"/>
-          </a:xfrm>
-          <a:prstGeom prst="rect">
-            <a:avLst/>
-          </a:prstGeom>
-        </p:spPr>
-        <p:txBody>
-          <a:bodyPr anchor="ctr"/>
+            <a:ext cx="6417000" cy="939240"/>
+          </a:xfrm>
+          <a:prstGeom prst="rect">
+            <a:avLst/>
+          </a:prstGeom>
+        </p:spPr>
+        <p:txBody>
+          <a:bodyPr anchor="ctr" bIns="45000" lIns="90000" rIns="90000" tIns="45000"/>
           <a:p>
             <a:pPr algn="r">
               <a:lnSpc>
@@ -5810,21 +8391,21 @@
       </p:sp>
       <p:sp>
         <p:nvSpPr>
-          <p:cNvPr id="158" name="TextShape 3"/>
-          <p:cNvSpPr txBox="1"/>
+          <p:cNvPr id="241" name="CustomShape 3"/>
+          <p:cNvSpPr/>
           <p:nvPr/>
         </p:nvSpPr>
         <p:spPr>
           <a:xfrm>
             <a:off x="193680" y="6250320"/>
-            <a:ext cx="3786480" cy="364680"/>
-          </a:xfrm>
-          <a:prstGeom prst="rect">
-            <a:avLst/>
-          </a:prstGeom>
-        </p:spPr>
-        <p:txBody>
-          <a:bodyPr anchor="ctr"/>
+            <a:ext cx="3786120" cy="364320"/>
+          </a:xfrm>
+          <a:prstGeom prst="rect">
+            <a:avLst/>
+          </a:prstGeom>
+        </p:spPr>
+        <p:txBody>
+          <a:bodyPr anchor="ctr" bIns="45000" lIns="90000" rIns="90000" tIns="45000"/>
           <a:p>
             <a:pPr>
               <a:lnSpc>
@@ -5846,28 +8427,28 @@
       </p:sp>
       <p:sp>
         <p:nvSpPr>
-          <p:cNvPr id="159" name="TextShape 4"/>
-          <p:cNvSpPr txBox="1"/>
+          <p:cNvPr id="242" name="CustomShape 4"/>
+          <p:cNvSpPr/>
           <p:nvPr/>
         </p:nvSpPr>
         <p:spPr>
           <a:xfrm>
             <a:off x="3990960" y="6250320"/>
-            <a:ext cx="1161360" cy="364680"/>
-          </a:xfrm>
-          <a:prstGeom prst="rect">
-            <a:avLst/>
-          </a:prstGeom>
-        </p:spPr>
-        <p:txBody>
-          <a:bodyPr anchor="ctr"/>
+            <a:ext cx="1161000" cy="364320"/>
+          </a:xfrm>
+          <a:prstGeom prst="rect">
+            <a:avLst/>
+          </a:prstGeom>
+        </p:spPr>
+        <p:txBody>
+          <a:bodyPr anchor="ctr" bIns="45000" lIns="90000" rIns="90000" tIns="45000"/>
           <a:p>
             <a:pPr algn="ctr">
               <a:lnSpc>
                 <a:spcPct val="100000"/>
               </a:lnSpc>
             </a:pPr>
-            <a:fld id="{CA60A84C-E71E-47C7-BF68-FD8EFD859443}" type="slidenum">
+            <a:fld id="{17E76C2E-39AE-4806-90D4-EFA109CB3838}" type="slidenum">
               <a:rPr lang="de-DE" sz="1000">
                 <a:solidFill>
                   <a:srgbClr val="073e87"/>
@@ -5904,14 +8485,14 @@
       </p:grpSpPr>
       <p:sp>
         <p:nvSpPr>
-          <p:cNvPr id="160" name="TextShape 1"/>
-          <p:cNvSpPr txBox="1"/>
+          <p:cNvPr id="243" name="CustomShape 1"/>
+          <p:cNvSpPr/>
           <p:nvPr/>
         </p:nvSpPr>
         <p:spPr>
           <a:xfrm>
             <a:off x="1367280" y="1437480"/>
-            <a:ext cx="6417360" cy="939600"/>
+            <a:ext cx="6417000" cy="939240"/>
           </a:xfrm>
           <a:prstGeom prst="rect">
             <a:avLst/>
@@ -5920,7 +8501,11 @@
         <p:txBody>
           <a:bodyPr anchor="ctr" bIns="0" lIns="0" rIns="0" tIns="0" wrap="none"/>
           <a:p>
-            <a:pPr algn="ctr"/>
+            <a:pPr algn="ctr">
+              <a:lnSpc>
+                <a:spcPct val="100000"/>
+              </a:lnSpc>
+            </a:pPr>
             <a:r>
               <a:rPr lang="de-DE"/>
               <a:t>HTML-Methoden</a:t>
@@ -5929,6 +8514,28 @@
           </a:p>
         </p:txBody>
       </p:sp>
+      <p:pic>
+        <p:nvPicPr>
+          <p:cNvPr descr="" id="244" name=""/>
+          <p:cNvPicPr/>
+          <p:nvPr/>
+        </p:nvPicPr>
+        <p:blipFill>
+          <a:blip r:embed="rId1"/>
+          <a:stretch>
+            <a:fillRect/>
+          </a:stretch>
+        </p:blipFill>
+        <p:spPr>
+          <a:xfrm>
+            <a:off x="720000" y="2500200"/>
+            <a:ext cx="7776000" cy="2323800"/>
+          </a:xfrm>
+          <a:prstGeom prst="rect">
+            <a:avLst/>
+          </a:prstGeom>
+        </p:spPr>
+      </p:pic>
     </p:spTree>
   </p:cSld>
 </p:sld>
@@ -5953,14 +8560,14 @@
       </p:grpSpPr>
       <p:sp>
         <p:nvSpPr>
-          <p:cNvPr id="161" name="TextShape 1"/>
-          <p:cNvSpPr txBox="1"/>
+          <p:cNvPr id="245" name="CustomShape 1"/>
+          <p:cNvSpPr/>
           <p:nvPr/>
         </p:nvSpPr>
         <p:spPr>
           <a:xfrm>
             <a:off x="1367280" y="1437480"/>
-            <a:ext cx="6417360" cy="939600"/>
+            <a:ext cx="6417000" cy="939240"/>
           </a:xfrm>
           <a:prstGeom prst="rect">
             <a:avLst/>
@@ -5970,9 +8577,12 @@
           <a:bodyPr bIns="0" lIns="0" rIns="0" tIns="0" wrap="none"/>
           <a:p>
             <a:pPr>
+              <a:lnSpc>
+                <a:spcPct val="100000"/>
+              </a:lnSpc>
               <a:buSzPct val="25000"/>
               <a:buFont typeface="StarSymbol"/>
-              <a:buChar char=""/>
+              <a:buChar char="l"/>
             </a:pPr>
             <a:r>
               <a:rPr lang="de-DE"/>
@@ -5984,7 +8594,7 @@
       </p:sp>
       <p:pic>
         <p:nvPicPr>
-          <p:cNvPr descr="" id="162" name=""/>
+          <p:cNvPr descr="" id="246" name=""/>
           <p:cNvPicPr/>
           <p:nvPr/>
         </p:nvPicPr>
@@ -5997,7 +8607,7 @@
         <p:spPr>
           <a:xfrm>
             <a:off x="1828800" y="2209320"/>
-            <a:ext cx="5515200" cy="3190680"/>
+            <a:ext cx="5514840" cy="3190320"/>
           </a:xfrm>
           <a:prstGeom prst="rect">
             <a:avLst/>
@@ -6028,14 +8638,14 @@
       </p:grpSpPr>
       <p:sp>
         <p:nvSpPr>
-          <p:cNvPr id="163" name="TextShape 1"/>
-          <p:cNvSpPr txBox="1"/>
+          <p:cNvPr id="247" name="CustomShape 1"/>
+          <p:cNvSpPr/>
           <p:nvPr/>
         </p:nvSpPr>
         <p:spPr>
           <a:xfrm>
             <a:off x="1367280" y="1437480"/>
-            <a:ext cx="6417360" cy="939600"/>
+            <a:ext cx="6417000" cy="939240"/>
           </a:xfrm>
           <a:prstGeom prst="rect">
             <a:avLst/>
@@ -6045,9 +8655,12 @@
           <a:bodyPr bIns="0" lIns="0" rIns="0" tIns="0" wrap="none"/>
           <a:p>
             <a:pPr>
+              <a:lnSpc>
+                <a:spcPct val="100000"/>
+              </a:lnSpc>
               <a:buSzPct val="25000"/>
               <a:buFont typeface="StarSymbol"/>
-              <a:buChar char=""/>
+              <a:buChar char="l"/>
             </a:pPr>
             <a:r>
               <a:rPr lang="de-DE"/>
@@ -6059,7 +8672,7 @@
       </p:sp>
       <p:pic>
         <p:nvPicPr>
-          <p:cNvPr descr="" id="164" name=""/>
+          <p:cNvPr descr="" id="248" name=""/>
           <p:cNvPicPr/>
           <p:nvPr/>
         </p:nvPicPr>
@@ -6072,7 +8685,7 @@
         <p:spPr>
           <a:xfrm>
             <a:off x="2391480" y="2209680"/>
-            <a:ext cx="4438800" cy="3438360"/>
+            <a:ext cx="4438440" cy="3438000"/>
           </a:xfrm>
           <a:prstGeom prst="rect">
             <a:avLst/>
@@ -6103,14 +8716,14 @@
       </p:grpSpPr>
       <p:sp>
         <p:nvSpPr>
-          <p:cNvPr id="165" name="TextShape 1"/>
-          <p:cNvSpPr txBox="1"/>
+          <p:cNvPr id="249" name="CustomShape 1"/>
+          <p:cNvSpPr/>
           <p:nvPr/>
         </p:nvSpPr>
         <p:spPr>
           <a:xfrm>
             <a:off x="1367280" y="1437480"/>
-            <a:ext cx="6417360" cy="939600"/>
+            <a:ext cx="6417000" cy="939240"/>
           </a:xfrm>
           <a:prstGeom prst="rect">
             <a:avLst/>
@@ -6120,9 +8733,12 @@
           <a:bodyPr bIns="0" lIns="0" rIns="0" tIns="0" wrap="none"/>
           <a:p>
             <a:pPr>
+              <a:lnSpc>
+                <a:spcPct val="100000"/>
+              </a:lnSpc>
               <a:buSzPct val="25000"/>
               <a:buFont typeface="StarSymbol"/>
-              <a:buChar char=""/>
+              <a:buChar char="l"/>
             </a:pPr>
             <a:r>
               <a:rPr lang="de-DE"/>
@@ -6134,7 +8750,7 @@
       </p:sp>
       <p:pic>
         <p:nvPicPr>
-          <p:cNvPr descr="" id="166" name=""/>
+          <p:cNvPr descr="" id="250" name=""/>
           <p:cNvPicPr/>
           <p:nvPr/>
         </p:nvPicPr>
@@ -6147,7 +8763,7 @@
         <p:spPr>
           <a:xfrm>
             <a:off x="1134720" y="2631240"/>
-            <a:ext cx="6887160" cy="1599840"/>
+            <a:ext cx="6886800" cy="1599480"/>
           </a:xfrm>
           <a:prstGeom prst="rect">
             <a:avLst/>
@@ -6178,14 +8794,14 @@
       </p:grpSpPr>
       <p:sp>
         <p:nvSpPr>
-          <p:cNvPr id="167" name="TextShape 1"/>
-          <p:cNvSpPr txBox="1"/>
+          <p:cNvPr id="251" name="CustomShape 1"/>
+          <p:cNvSpPr/>
           <p:nvPr/>
         </p:nvSpPr>
         <p:spPr>
           <a:xfrm>
             <a:off x="1367280" y="1437480"/>
-            <a:ext cx="6417360" cy="939600"/>
+            <a:ext cx="6417000" cy="939240"/>
           </a:xfrm>
           <a:prstGeom prst="rect">
             <a:avLst/>
@@ -6195,9 +8811,12 @@
           <a:bodyPr bIns="0" lIns="0" rIns="0" tIns="0" wrap="none"/>
           <a:p>
             <a:pPr>
+              <a:lnSpc>
+                <a:spcPct val="100000"/>
+              </a:lnSpc>
               <a:buSzPct val="25000"/>
               <a:buFont typeface="StarSymbol"/>
-              <a:buChar char=""/>
+              <a:buChar char="l"/>
             </a:pPr>
             <a:r>
               <a:rPr lang="de-DE"/>
@@ -6209,7 +8828,7 @@
       </p:sp>
       <p:pic>
         <p:nvPicPr>
-          <p:cNvPr descr="" id="168" name=""/>
+          <p:cNvPr descr="" id="252" name=""/>
           <p:cNvPicPr/>
           <p:nvPr/>
         </p:nvPicPr>
@@ -6222,7 +8841,7 @@
         <p:spPr>
           <a:xfrm>
             <a:off x="2520000" y="1944000"/>
-            <a:ext cx="4777920" cy="4196880"/>
+            <a:ext cx="4777560" cy="4196520"/>
           </a:xfrm>
           <a:prstGeom prst="rect">
             <a:avLst/>
@@ -6928,4 +9547,450 @@
     </a:fmtScheme>
   </a:themeElements>
 </a:theme>
+</file>
+
+<file path=ppt/theme/theme4.xml><?xml version="1.0" encoding="utf-8"?>
+<a:theme xmlns:a="http://schemas.openxmlformats.org/drawingml/2006/main" name="Office Theme">
+  <a:themeElements>
+    <a:clrScheme name="Office">
+      <a:dk1>
+        <a:sysClr val="windowText" lastClr="000000"/>
+      </a:dk1>
+      <a:lt1>
+        <a:sysClr val="window" lastClr="FFFFFF"/>
+      </a:lt1>
+      <a:dk2>
+        <a:srgbClr val="1F497D"/>
+      </a:dk2>
+      <a:lt2>
+        <a:srgbClr val="EEECE1"/>
+      </a:lt2>
+      <a:accent1>
+        <a:srgbClr val="4F81BD"/>
+      </a:accent1>
+      <a:accent2>
+        <a:srgbClr val="C0504D"/>
+      </a:accent2>
+      <a:accent3>
+        <a:srgbClr val="9BBB59"/>
+      </a:accent3>
+      <a:accent4>
+        <a:srgbClr val="8064A2"/>
+      </a:accent4>
+      <a:accent5>
+        <a:srgbClr val="4BACC6"/>
+      </a:accent5>
+      <a:accent6>
+        <a:srgbClr val="F79646"/>
+      </a:accent6>
+      <a:hlink>
+        <a:srgbClr val="0000FF"/>
+      </a:hlink>
+      <a:folHlink>
+        <a:srgbClr val="800080"/>
+      </a:folHlink>
+    </a:clrScheme>
+    <a:fontScheme name="Office">
+      <a:majorFont>
+        <a:latin typeface="Arial"/>
+        <a:ea typeface="DejaVu Sans"/>
+        <a:cs typeface="DejaVu Sans"/>
+      </a:majorFont>
+      <a:minorFont>
+        <a:latin typeface="Arial"/>
+        <a:ea typeface="DejaVu Sans"/>
+        <a:cs typeface="DejaVu Sans"/>
+      </a:minorFont>
+    </a:fontScheme>
+    <a:fmtScheme name="Office">
+      <a:fillStyleLst>
+        <a:solidFill>
+          <a:schemeClr val="phClr"/>
+        </a:solidFill>
+        <a:gradFill rotWithShape="1">
+          <a:gsLst>
+            <a:gs pos="0">
+              <a:schemeClr val="phClr">
+                <a:tint val="50000"/>
+                <a:satMod val="300000"/>
+              </a:schemeClr>
+            </a:gs>
+            <a:gs pos="35000">
+              <a:schemeClr val="phClr">
+                <a:tint val="37000"/>
+                <a:satMod val="300000"/>
+              </a:schemeClr>
+            </a:gs>
+            <a:gs pos="100000">
+              <a:schemeClr val="phClr">
+                <a:tint val="15000"/>
+                <a:satMod val="350000"/>
+              </a:schemeClr>
+            </a:gs>
+          </a:gsLst>
+          <a:lin ang="16200000" scaled="1"/>
+        </a:gradFill>
+        <a:gradFill rotWithShape="1">
+          <a:gsLst>
+            <a:gs pos="0">
+              <a:schemeClr val="phClr">
+                <a:shade val="51000"/>
+                <a:satMod val="130000"/>
+              </a:schemeClr>
+            </a:gs>
+            <a:gs pos="80000">
+              <a:schemeClr val="phClr">
+                <a:shade val="93000"/>
+                <a:satMod val="130000"/>
+              </a:schemeClr>
+            </a:gs>
+            <a:gs pos="100000">
+              <a:schemeClr val="phClr">
+                <a:shade val="94000"/>
+                <a:satMod val="135000"/>
+              </a:schemeClr>
+            </a:gs>
+          </a:gsLst>
+          <a:lin ang="16200000" scaled="0"/>
+        </a:gradFill>
+      </a:fillStyleLst>
+      <a:lnStyleLst>
+        <a:ln w="9525" cap="flat" cmpd="sng" algn="ctr">
+          <a:solidFill>
+            <a:schemeClr val="phClr">
+              <a:shade val="95000"/>
+              <a:satMod val="105000"/>
+            </a:schemeClr>
+          </a:solidFill>
+          <a:prstDash val="solid"/>
+        </a:ln>
+        <a:ln w="25400" cap="flat" cmpd="sng" algn="ctr">
+          <a:solidFill>
+            <a:schemeClr val="phClr"/>
+          </a:solidFill>
+          <a:prstDash val="solid"/>
+        </a:ln>
+        <a:ln w="38100" cap="flat" cmpd="sng" algn="ctr">
+          <a:solidFill>
+            <a:schemeClr val="phClr"/>
+          </a:solidFill>
+          <a:prstDash val="solid"/>
+        </a:ln>
+      </a:lnStyleLst>
+      <a:effectStyleLst>
+        <a:effectStyle>
+          <a:effectLst>
+            <a:outerShdw blurRad="40000" dist="20000" dir="5400000" rotWithShape="0">
+              <a:srgbClr val="000000">
+                <a:alpha val="38000"/>
+              </a:srgbClr>
+            </a:outerShdw>
+          </a:effectLst>
+        </a:effectStyle>
+        <a:effectStyle>
+          <a:effectLst>
+            <a:outerShdw blurRad="40000" dist="23000" dir="5400000" rotWithShape="0">
+              <a:srgbClr val="000000">
+                <a:alpha val="35000"/>
+              </a:srgbClr>
+            </a:outerShdw>
+          </a:effectLst>
+        </a:effectStyle>
+        <a:effectStyle>
+          <a:effectLst>
+            <a:outerShdw blurRad="40000" dist="23000" dir="5400000" rotWithShape="0">
+              <a:srgbClr val="000000">
+                <a:alpha val="35000"/>
+              </a:srgbClr>
+            </a:outerShdw>
+          </a:effectLst>
+          <a:scene3d>
+            <a:camera prst="orthographicFront">
+              <a:rot lat="0" lon="0" rev="0"/>
+            </a:camera>
+            <a:lightRig rig="threePt" dir="t">
+              <a:rot lat="0" lon="0" rev="1200000"/>
+            </a:lightRig>
+          </a:scene3d>
+          <a:sp3d>
+            <a:bevelT w="63500" h="25400"/>
+          </a:sp3d>
+        </a:effectStyle>
+      </a:effectStyleLst>
+      <a:bgFillStyleLst>
+        <a:solidFill>
+          <a:schemeClr val="phClr"/>
+        </a:solidFill>
+        <a:gradFill rotWithShape="1">
+          <a:gsLst>
+            <a:gs pos="0">
+              <a:schemeClr val="phClr">
+                <a:tint val="40000"/>
+                <a:satMod val="350000"/>
+              </a:schemeClr>
+            </a:gs>
+            <a:gs pos="40000">
+              <a:schemeClr val="phClr">
+                <a:tint val="45000"/>
+                <a:shade val="99000"/>
+                <a:satMod val="350000"/>
+              </a:schemeClr>
+            </a:gs>
+            <a:gs pos="100000">
+              <a:schemeClr val="phClr">
+                <a:shade val="20000"/>
+                <a:satMod val="255000"/>
+              </a:schemeClr>
+            </a:gs>
+          </a:gsLst>
+          <a:path path="circle">
+            <a:fillToRect l="50000" t="-80000" r="50000" b="180000"/>
+          </a:path>
+        </a:gradFill>
+        <a:gradFill rotWithShape="1">
+          <a:gsLst>
+            <a:gs pos="0">
+              <a:schemeClr val="phClr">
+                <a:tint val="80000"/>
+                <a:satMod val="300000"/>
+              </a:schemeClr>
+            </a:gs>
+            <a:gs pos="100000">
+              <a:schemeClr val="phClr">
+                <a:shade val="30000"/>
+                <a:satMod val="200000"/>
+              </a:schemeClr>
+            </a:gs>
+          </a:gsLst>
+          <a:path path="circle">
+            <a:fillToRect l="50000" t="50000" r="50000" b="50000"/>
+          </a:path>
+        </a:gradFill>
+      </a:bgFillStyleLst>
+    </a:fmtScheme>
+  </a:themeElements>
+</a:theme>
+</file>
+
+<file path=ppt/theme/theme5.xml><?xml version="1.0" encoding="utf-8"?>
+<a:theme xmlns:a="http://schemas.openxmlformats.org/drawingml/2006/main" name="Office Theme">
+  <a:themeElements>
+    <a:clrScheme name="Office">
+      <a:dk1>
+        <a:sysClr val="windowText" lastClr="000000"/>
+      </a:dk1>
+      <a:lt1>
+        <a:sysClr val="window" lastClr="FFFFFF"/>
+      </a:lt1>
+      <a:dk2>
+        <a:srgbClr val="1F497D"/>
+      </a:dk2>
+      <a:lt2>
+        <a:srgbClr val="EEECE1"/>
+      </a:lt2>
+      <a:accent1>
+        <a:srgbClr val="4F81BD"/>
+      </a:accent1>
+      <a:accent2>
+        <a:srgbClr val="C0504D"/>
+      </a:accent2>
+      <a:accent3>
+        <a:srgbClr val="9BBB59"/>
+      </a:accent3>
+      <a:accent4>
+        <a:srgbClr val="8064A2"/>
+      </a:accent4>
+      <a:accent5>
+        <a:srgbClr val="4BACC6"/>
+      </a:accent5>
+      <a:accent6>
+        <a:srgbClr val="F79646"/>
+      </a:accent6>
+      <a:hlink>
+        <a:srgbClr val="0000FF"/>
+      </a:hlink>
+      <a:folHlink>
+        <a:srgbClr val="800080"/>
+      </a:folHlink>
+    </a:clrScheme>
+    <a:fontScheme name="Office">
+      <a:majorFont>
+        <a:latin typeface="Arial"/>
+        <a:ea typeface="DejaVu Sans"/>
+        <a:cs typeface="DejaVu Sans"/>
+      </a:majorFont>
+      <a:minorFont>
+        <a:latin typeface="Arial"/>
+        <a:ea typeface="DejaVu Sans"/>
+        <a:cs typeface="DejaVu Sans"/>
+      </a:minorFont>
+    </a:fontScheme>
+    <a:fmtScheme name="Office">
+      <a:fillStyleLst>
+        <a:solidFill>
+          <a:schemeClr val="phClr"/>
+        </a:solidFill>
+        <a:gradFill rotWithShape="1">
+          <a:gsLst>
+            <a:gs pos="0">
+              <a:schemeClr val="phClr">
+                <a:tint val="50000"/>
+                <a:satMod val="300000"/>
+              </a:schemeClr>
+            </a:gs>
+            <a:gs pos="35000">
+              <a:schemeClr val="phClr">
+                <a:tint val="37000"/>
+                <a:satMod val="300000"/>
+              </a:schemeClr>
+            </a:gs>
+            <a:gs pos="100000">
+              <a:schemeClr val="phClr">
+                <a:tint val="15000"/>
+                <a:satMod val="350000"/>
+              </a:schemeClr>
+            </a:gs>
+          </a:gsLst>
+          <a:lin ang="16200000" scaled="1"/>
+        </a:gradFill>
+        <a:gradFill rotWithShape="1">
+          <a:gsLst>
+            <a:gs pos="0">
+              <a:schemeClr val="phClr">
+                <a:shade val="51000"/>
+                <a:satMod val="130000"/>
+              </a:schemeClr>
+            </a:gs>
+            <a:gs pos="80000">
+              <a:schemeClr val="phClr">
+                <a:shade val="93000"/>
+                <a:satMod val="130000"/>
+              </a:schemeClr>
+            </a:gs>
+            <a:gs pos="100000">
+              <a:schemeClr val="phClr">
+                <a:shade val="94000"/>
+                <a:satMod val="135000"/>
+              </a:schemeClr>
+            </a:gs>
+          </a:gsLst>
+          <a:lin ang="16200000" scaled="0"/>
+        </a:gradFill>
+      </a:fillStyleLst>
+      <a:lnStyleLst>
+        <a:ln w="9525" cap="flat" cmpd="sng" algn="ctr">
+          <a:solidFill>
+            <a:schemeClr val="phClr">
+              <a:shade val="95000"/>
+              <a:satMod val="105000"/>
+            </a:schemeClr>
+          </a:solidFill>
+          <a:prstDash val="solid"/>
+        </a:ln>
+        <a:ln w="25400" cap="flat" cmpd="sng" algn="ctr">
+          <a:solidFill>
+            <a:schemeClr val="phClr"/>
+          </a:solidFill>
+          <a:prstDash val="solid"/>
+        </a:ln>
+        <a:ln w="38100" cap="flat" cmpd="sng" algn="ctr">
+          <a:solidFill>
+            <a:schemeClr val="phClr"/>
+          </a:solidFill>
+          <a:prstDash val="solid"/>
+        </a:ln>
+      </a:lnStyleLst>
+      <a:effectStyleLst>
+        <a:effectStyle>
+          <a:effectLst>
+            <a:outerShdw blurRad="40000" dist="20000" dir="5400000" rotWithShape="0">
+              <a:srgbClr val="000000">
+                <a:alpha val="38000"/>
+              </a:srgbClr>
+            </a:outerShdw>
+          </a:effectLst>
+        </a:effectStyle>
+        <a:effectStyle>
+          <a:effectLst>
+            <a:outerShdw blurRad="40000" dist="23000" dir="5400000" rotWithShape="0">
+              <a:srgbClr val="000000">
+                <a:alpha val="35000"/>
+              </a:srgbClr>
+            </a:outerShdw>
+          </a:effectLst>
+        </a:effectStyle>
+        <a:effectStyle>
+          <a:effectLst>
+            <a:outerShdw blurRad="40000" dist="23000" dir="5400000" rotWithShape="0">
+              <a:srgbClr val="000000">
+                <a:alpha val="35000"/>
+              </a:srgbClr>
+            </a:outerShdw>
+          </a:effectLst>
+          <a:scene3d>
+            <a:camera prst="orthographicFront">
+              <a:rot lat="0" lon="0" rev="0"/>
+            </a:camera>
+            <a:lightRig rig="threePt" dir="t">
+              <a:rot lat="0" lon="0" rev="1200000"/>
+            </a:lightRig>
+          </a:scene3d>
+          <a:sp3d>
+            <a:bevelT w="63500" h="25400"/>
+          </a:sp3d>
+        </a:effectStyle>
+      </a:effectStyleLst>
+      <a:bgFillStyleLst>
+        <a:solidFill>
+          <a:schemeClr val="phClr"/>
+        </a:solidFill>
+        <a:gradFill rotWithShape="1">
+          <a:gsLst>
+            <a:gs pos="0">
+              <a:schemeClr val="phClr">
+                <a:tint val="40000"/>
+                <a:satMod val="350000"/>
+              </a:schemeClr>
+            </a:gs>
+            <a:gs pos="40000">
+              <a:schemeClr val="phClr">
+                <a:tint val="45000"/>
+                <a:shade val="99000"/>
+                <a:satMod val="350000"/>
+              </a:schemeClr>
+            </a:gs>
+            <a:gs pos="100000">
+              <a:schemeClr val="phClr">
+                <a:shade val="20000"/>
+                <a:satMod val="255000"/>
+              </a:schemeClr>
+            </a:gs>
+          </a:gsLst>
+          <a:path path="circle">
+            <a:fillToRect l="50000" t="-80000" r="50000" b="180000"/>
+          </a:path>
+        </a:gradFill>
+        <a:gradFill rotWithShape="1">
+          <a:gsLst>
+            <a:gs pos="0">
+              <a:schemeClr val="phClr">
+                <a:tint val="80000"/>
+                <a:satMod val="300000"/>
+              </a:schemeClr>
+            </a:gs>
+            <a:gs pos="100000">
+              <a:schemeClr val="phClr">
+                <a:shade val="30000"/>
+                <a:satMod val="200000"/>
+              </a:schemeClr>
+            </a:gs>
+          </a:gsLst>
+          <a:path path="circle">
+            <a:fillToRect l="50000" t="50000" r="50000" b="50000"/>
+          </a:path>
+        </a:gradFill>
+      </a:bgFillStyleLst>
+    </a:fmtScheme>
+  </a:themeElements>
+</a:theme>
 </file>